--- a/Presentation1.pptx
+++ b/Presentation1.pptx
@@ -25,7 +25,8 @@
     <p:sldId id="276" r:id="rId19"/>
     <p:sldId id="277" r:id="rId20"/>
     <p:sldId id="278" r:id="rId21"/>
-    <p:sldId id="279" r:id="rId22"/>
+    <p:sldId id="281" r:id="rId22"/>
+    <p:sldId id="280" r:id="rId23"/>
   </p:sldIdLst>
   <p:sldSz cx="12192000" cy="6858000"/>
   <p:notesSz cx="6858000" cy="9144000"/>
@@ -124,7 +125,1067 @@
       </a:defRPr>
     </a:lvl9pPr>
   </p:defaultTextStyle>
+  <p:extLst>
+    <p:ext uri="{EFAFB233-063F-42B5-8137-9DF3F51BA10A}">
+      <p15:sldGuideLst xmlns:p15="http://schemas.microsoft.com/office/powerpoint/2012/main"/>
+    </p:ext>
+  </p:extLst>
 </p:presentation>
+</file>
+
+<file path=ppt/charts/chart1.xml><?xml version="1.0" encoding="utf-8"?>
+<c:chartSpace xmlns:c="http://schemas.openxmlformats.org/drawingml/2006/chart" xmlns:a="http://schemas.openxmlformats.org/drawingml/2006/main" xmlns:r="http://schemas.openxmlformats.org/officeDocument/2006/relationships" xmlns:c16r2="http://schemas.microsoft.com/office/drawing/2015/06/chart">
+  <c:date1904 val="0"/>
+  <c:lang val="en-US"/>
+  <c:roundedCorners val="0"/>
+  <mc:AlternateContent xmlns:mc="http://schemas.openxmlformats.org/markup-compatibility/2006">
+    <mc:Choice xmlns:c14="http://schemas.microsoft.com/office/drawing/2007/8/2/chart" Requires="c14">
+      <c14:style val="102"/>
+    </mc:Choice>
+    <mc:Fallback>
+      <c:style val="2"/>
+    </mc:Fallback>
+  </mc:AlternateContent>
+  <c:chart>
+    <c:title>
+      <c:tx>
+        <c:rich>
+          <a:bodyPr rot="0" spcFirstLastPara="1" vertOverflow="ellipsis" vert="horz" wrap="square" anchor="ctr" anchorCtr="1"/>
+          <a:lstStyle/>
+          <a:p>
+            <a:pPr>
+              <a:defRPr sz="1862" b="0" i="0" u="none" strike="noStrike" kern="1200" spc="0" baseline="0">
+                <a:solidFill>
+                  <a:schemeClr val="tx1">
+                    <a:lumMod val="65000"/>
+                    <a:lumOff val="35000"/>
+                  </a:schemeClr>
+                </a:solidFill>
+                <a:latin typeface="+mn-lt"/>
+                <a:ea typeface="+mn-ea"/>
+                <a:cs typeface="+mn-cs"/>
+              </a:defRPr>
+            </a:pPr>
+            <a:r>
+              <a:rPr lang="en-US" dirty="0"/>
+              <a:t>Synthesis Time (</a:t>
+            </a:r>
+            <a:r>
+              <a:rPr lang="en-US" dirty="0" err="1"/>
+              <a:t>ms</a:t>
+            </a:r>
+            <a:r>
+              <a:rPr lang="en-US" dirty="0"/>
+              <a:t>)</a:t>
+            </a:r>
+          </a:p>
+        </c:rich>
+      </c:tx>
+      <c:overlay val="0"/>
+      <c:spPr>
+        <a:noFill/>
+        <a:ln>
+          <a:noFill/>
+        </a:ln>
+        <a:effectLst/>
+      </c:spPr>
+      <c:txPr>
+        <a:bodyPr rot="0" spcFirstLastPara="1" vertOverflow="ellipsis" vert="horz" wrap="square" anchor="ctr" anchorCtr="1"/>
+        <a:lstStyle/>
+        <a:p>
+          <a:pPr>
+            <a:defRPr sz="1862" b="0" i="0" u="none" strike="noStrike" kern="1200" spc="0" baseline="0">
+              <a:solidFill>
+                <a:schemeClr val="tx1">
+                  <a:lumMod val="65000"/>
+                  <a:lumOff val="35000"/>
+                </a:schemeClr>
+              </a:solidFill>
+              <a:latin typeface="+mn-lt"/>
+              <a:ea typeface="+mn-ea"/>
+              <a:cs typeface="+mn-cs"/>
+            </a:defRPr>
+          </a:pPr>
+          <a:endParaRPr lang="en-US"/>
+        </a:p>
+      </c:txPr>
+    </c:title>
+    <c:autoTitleDeleted val="0"/>
+    <c:plotArea>
+      <c:layout/>
+      <c:barChart>
+        <c:barDir val="col"/>
+        <c:grouping val="clustered"/>
+        <c:varyColors val="0"/>
+        <c:ser>
+          <c:idx val="0"/>
+          <c:order val="0"/>
+          <c:tx>
+            <c:strRef>
+              <c:f>Sheet1!$B$1</c:f>
+              <c:strCache>
+                <c:ptCount val="1"/>
+                <c:pt idx="0">
+                  <c:v>Original</c:v>
+                </c:pt>
+              </c:strCache>
+            </c:strRef>
+          </c:tx>
+          <c:spPr>
+            <a:solidFill>
+              <a:schemeClr val="accent1"/>
+            </a:solidFill>
+            <a:ln>
+              <a:noFill/>
+            </a:ln>
+            <a:effectLst/>
+          </c:spPr>
+          <c:invertIfNegative val="0"/>
+          <c:dLbls>
+            <c:spPr>
+              <a:noFill/>
+              <a:ln>
+                <a:noFill/>
+              </a:ln>
+              <a:effectLst/>
+            </c:spPr>
+            <c:txPr>
+              <a:bodyPr rot="0" spcFirstLastPara="1" vertOverflow="ellipsis" vert="horz" wrap="square" lIns="38100" tIns="19050" rIns="38100" bIns="19050" anchor="ctr" anchorCtr="1">
+                <a:spAutoFit/>
+              </a:bodyPr>
+              <a:lstStyle/>
+              <a:p>
+                <a:pPr>
+                  <a:defRPr sz="1197" b="0" i="0" u="none" strike="noStrike" kern="1200" baseline="0">
+                    <a:solidFill>
+                      <a:schemeClr val="tx1">
+                        <a:lumMod val="75000"/>
+                        <a:lumOff val="25000"/>
+                      </a:schemeClr>
+                    </a:solidFill>
+                    <a:latin typeface="+mn-lt"/>
+                    <a:ea typeface="+mn-ea"/>
+                    <a:cs typeface="+mn-cs"/>
+                  </a:defRPr>
+                </a:pPr>
+                <a:endParaRPr lang="en-US"/>
+              </a:p>
+            </c:txPr>
+            <c:dLblPos val="outEnd"/>
+            <c:showLegendKey val="0"/>
+            <c:showVal val="1"/>
+            <c:showCatName val="0"/>
+            <c:showSerName val="0"/>
+            <c:showPercent val="0"/>
+            <c:showBubbleSize val="0"/>
+            <c:showLeaderLines val="0"/>
+            <c:extLst>
+              <c:ext xmlns:c15="http://schemas.microsoft.com/office/drawing/2012/chart" uri="{CE6537A1-D6FC-4f65-9D91-7224C49458BB}">
+                <c15:showLeaderLines val="1"/>
+                <c15:leaderLines>
+                  <c:spPr>
+                    <a:ln w="9525" cap="flat" cmpd="sng" algn="ctr">
+                      <a:solidFill>
+                        <a:schemeClr val="tx1">
+                          <a:lumMod val="35000"/>
+                          <a:lumOff val="65000"/>
+                        </a:schemeClr>
+                      </a:solidFill>
+                      <a:round/>
+                    </a:ln>
+                    <a:effectLst/>
+                  </c:spPr>
+                </c15:leaderLines>
+              </c:ext>
+            </c:extLst>
+          </c:dLbls>
+          <c:cat>
+            <c:strRef>
+              <c:f>Sheet1!$A$2:$A$3</c:f>
+              <c:strCache>
+                <c:ptCount val="2"/>
+                <c:pt idx="0">
+                  <c:v>himeno_baseline</c:v>
+                </c:pt>
+                <c:pt idx="1">
+                  <c:v>Diffusion</c:v>
+                </c:pt>
+              </c:strCache>
+            </c:strRef>
+          </c:cat>
+          <c:val>
+            <c:numRef>
+              <c:f>Sheet1!$B$2:$B$3</c:f>
+              <c:numCache>
+                <c:formatCode>General</c:formatCode>
+                <c:ptCount val="2"/>
+                <c:pt idx="0">
+                  <c:v>3735</c:v>
+                </c:pt>
+                <c:pt idx="1">
+                  <c:v>8361</c:v>
+                </c:pt>
+              </c:numCache>
+            </c:numRef>
+          </c:val>
+          <c:extLst>
+            <c:ext xmlns:c16="http://schemas.microsoft.com/office/drawing/2014/chart" uri="{C3380CC4-5D6E-409C-BE32-E72D297353CC}">
+              <c16:uniqueId val="{00000000-C3F2-4E4E-8527-59C8954B8225}"/>
+            </c:ext>
+          </c:extLst>
+        </c:ser>
+        <c:ser>
+          <c:idx val="1"/>
+          <c:order val="1"/>
+          <c:tx>
+            <c:strRef>
+              <c:f>Sheet1!$C$1</c:f>
+              <c:strCache>
+                <c:ptCount val="1"/>
+                <c:pt idx="0">
+                  <c:v>New</c:v>
+                </c:pt>
+              </c:strCache>
+            </c:strRef>
+          </c:tx>
+          <c:spPr>
+            <a:solidFill>
+              <a:schemeClr val="accent2"/>
+            </a:solidFill>
+            <a:ln>
+              <a:noFill/>
+            </a:ln>
+            <a:effectLst/>
+          </c:spPr>
+          <c:invertIfNegative val="0"/>
+          <c:dLbls>
+            <c:spPr>
+              <a:noFill/>
+              <a:ln>
+                <a:noFill/>
+              </a:ln>
+              <a:effectLst/>
+            </c:spPr>
+            <c:txPr>
+              <a:bodyPr rot="0" spcFirstLastPara="1" vertOverflow="ellipsis" vert="horz" wrap="square" lIns="38100" tIns="19050" rIns="38100" bIns="19050" anchor="ctr" anchorCtr="1">
+                <a:spAutoFit/>
+              </a:bodyPr>
+              <a:lstStyle/>
+              <a:p>
+                <a:pPr>
+                  <a:defRPr sz="1197" b="0" i="0" u="none" strike="noStrike" kern="1200" baseline="0">
+                    <a:solidFill>
+                      <a:schemeClr val="tx1">
+                        <a:lumMod val="75000"/>
+                        <a:lumOff val="25000"/>
+                      </a:schemeClr>
+                    </a:solidFill>
+                    <a:latin typeface="+mn-lt"/>
+                    <a:ea typeface="+mn-ea"/>
+                    <a:cs typeface="+mn-cs"/>
+                  </a:defRPr>
+                </a:pPr>
+                <a:endParaRPr lang="en-US"/>
+              </a:p>
+            </c:txPr>
+            <c:dLblPos val="outEnd"/>
+            <c:showLegendKey val="0"/>
+            <c:showVal val="1"/>
+            <c:showCatName val="0"/>
+            <c:showSerName val="0"/>
+            <c:showPercent val="0"/>
+            <c:showBubbleSize val="0"/>
+            <c:showLeaderLines val="0"/>
+            <c:extLst>
+              <c:ext xmlns:c15="http://schemas.microsoft.com/office/drawing/2012/chart" uri="{CE6537A1-D6FC-4f65-9D91-7224C49458BB}">
+                <c15:showLeaderLines val="1"/>
+                <c15:leaderLines>
+                  <c:spPr>
+                    <a:ln w="9525" cap="flat" cmpd="sng" algn="ctr">
+                      <a:solidFill>
+                        <a:schemeClr val="tx1">
+                          <a:lumMod val="35000"/>
+                          <a:lumOff val="65000"/>
+                        </a:schemeClr>
+                      </a:solidFill>
+                      <a:round/>
+                    </a:ln>
+                    <a:effectLst/>
+                  </c:spPr>
+                </c15:leaderLines>
+              </c:ext>
+            </c:extLst>
+          </c:dLbls>
+          <c:cat>
+            <c:strRef>
+              <c:f>Sheet1!$A$2:$A$3</c:f>
+              <c:strCache>
+                <c:ptCount val="2"/>
+                <c:pt idx="0">
+                  <c:v>himeno_baseline</c:v>
+                </c:pt>
+                <c:pt idx="1">
+                  <c:v>Diffusion</c:v>
+                </c:pt>
+              </c:strCache>
+            </c:strRef>
+          </c:cat>
+          <c:val>
+            <c:numRef>
+              <c:f>Sheet1!$C$2:$C$3</c:f>
+              <c:numCache>
+                <c:formatCode>General</c:formatCode>
+                <c:ptCount val="2"/>
+                <c:pt idx="0">
+                  <c:v>154</c:v>
+                </c:pt>
+                <c:pt idx="1">
+                  <c:v>1021</c:v>
+                </c:pt>
+              </c:numCache>
+            </c:numRef>
+          </c:val>
+          <c:extLst>
+            <c:ext xmlns:c16="http://schemas.microsoft.com/office/drawing/2014/chart" uri="{C3380CC4-5D6E-409C-BE32-E72D297353CC}">
+              <c16:uniqueId val="{00000001-C3F2-4E4E-8527-59C8954B8225}"/>
+            </c:ext>
+          </c:extLst>
+        </c:ser>
+        <c:dLbls>
+          <c:dLblPos val="outEnd"/>
+          <c:showLegendKey val="0"/>
+          <c:showVal val="1"/>
+          <c:showCatName val="0"/>
+          <c:showSerName val="0"/>
+          <c:showPercent val="0"/>
+          <c:showBubbleSize val="0"/>
+        </c:dLbls>
+        <c:gapWidth val="219"/>
+        <c:overlap val="-27"/>
+        <c:axId val="1288511231"/>
+        <c:axId val="1326728703"/>
+      </c:barChart>
+      <c:catAx>
+        <c:axId val="1288511231"/>
+        <c:scaling>
+          <c:orientation val="minMax"/>
+        </c:scaling>
+        <c:delete val="0"/>
+        <c:axPos val="b"/>
+        <c:numFmt formatCode="General" sourceLinked="1"/>
+        <c:majorTickMark val="none"/>
+        <c:minorTickMark val="none"/>
+        <c:tickLblPos val="nextTo"/>
+        <c:spPr>
+          <a:noFill/>
+          <a:ln w="9525" cap="flat" cmpd="sng" algn="ctr">
+            <a:solidFill>
+              <a:schemeClr val="tx1">
+                <a:lumMod val="15000"/>
+                <a:lumOff val="85000"/>
+              </a:schemeClr>
+            </a:solidFill>
+            <a:round/>
+          </a:ln>
+          <a:effectLst/>
+        </c:spPr>
+        <c:txPr>
+          <a:bodyPr rot="-60000000" spcFirstLastPara="1" vertOverflow="ellipsis" vert="horz" wrap="square" anchor="ctr" anchorCtr="1"/>
+          <a:lstStyle/>
+          <a:p>
+            <a:pPr>
+              <a:defRPr sz="1197" b="0" i="0" u="none" strike="noStrike" kern="1200" baseline="0">
+                <a:solidFill>
+                  <a:schemeClr val="tx1">
+                    <a:lumMod val="65000"/>
+                    <a:lumOff val="35000"/>
+                  </a:schemeClr>
+                </a:solidFill>
+                <a:latin typeface="+mn-lt"/>
+                <a:ea typeface="+mn-ea"/>
+                <a:cs typeface="+mn-cs"/>
+              </a:defRPr>
+            </a:pPr>
+            <a:endParaRPr lang="en-US"/>
+          </a:p>
+        </c:txPr>
+        <c:crossAx val="1326728703"/>
+        <c:crosses val="autoZero"/>
+        <c:auto val="1"/>
+        <c:lblAlgn val="ctr"/>
+        <c:lblOffset val="100"/>
+        <c:noMultiLvlLbl val="0"/>
+      </c:catAx>
+      <c:valAx>
+        <c:axId val="1326728703"/>
+        <c:scaling>
+          <c:orientation val="minMax"/>
+        </c:scaling>
+        <c:delete val="0"/>
+        <c:axPos val="l"/>
+        <c:majorGridlines>
+          <c:spPr>
+            <a:ln w="9525" cap="flat" cmpd="sng" algn="ctr">
+              <a:solidFill>
+                <a:schemeClr val="tx1">
+                  <a:lumMod val="15000"/>
+                  <a:lumOff val="85000"/>
+                </a:schemeClr>
+              </a:solidFill>
+              <a:round/>
+            </a:ln>
+            <a:effectLst/>
+          </c:spPr>
+        </c:majorGridlines>
+        <c:numFmt formatCode="General" sourceLinked="1"/>
+        <c:majorTickMark val="none"/>
+        <c:minorTickMark val="none"/>
+        <c:tickLblPos val="nextTo"/>
+        <c:spPr>
+          <a:noFill/>
+          <a:ln>
+            <a:noFill/>
+          </a:ln>
+          <a:effectLst/>
+        </c:spPr>
+        <c:txPr>
+          <a:bodyPr rot="-60000000" spcFirstLastPara="1" vertOverflow="ellipsis" vert="horz" wrap="square" anchor="ctr" anchorCtr="1"/>
+          <a:lstStyle/>
+          <a:p>
+            <a:pPr>
+              <a:defRPr sz="1197" b="0" i="0" u="none" strike="noStrike" kern="1200" baseline="0">
+                <a:solidFill>
+                  <a:schemeClr val="tx1">
+                    <a:lumMod val="65000"/>
+                    <a:lumOff val="35000"/>
+                  </a:schemeClr>
+                </a:solidFill>
+                <a:latin typeface="+mn-lt"/>
+                <a:ea typeface="+mn-ea"/>
+                <a:cs typeface="+mn-cs"/>
+              </a:defRPr>
+            </a:pPr>
+            <a:endParaRPr lang="en-US"/>
+          </a:p>
+        </c:txPr>
+        <c:crossAx val="1288511231"/>
+        <c:crosses val="autoZero"/>
+        <c:crossBetween val="between"/>
+      </c:valAx>
+      <c:spPr>
+        <a:noFill/>
+        <a:ln>
+          <a:noFill/>
+        </a:ln>
+        <a:effectLst/>
+      </c:spPr>
+    </c:plotArea>
+    <c:legend>
+      <c:legendPos val="b"/>
+      <c:overlay val="0"/>
+      <c:spPr>
+        <a:noFill/>
+        <a:ln>
+          <a:noFill/>
+        </a:ln>
+        <a:effectLst/>
+      </c:spPr>
+      <c:txPr>
+        <a:bodyPr rot="0" spcFirstLastPara="1" vertOverflow="ellipsis" vert="horz" wrap="square" anchor="ctr" anchorCtr="1"/>
+        <a:lstStyle/>
+        <a:p>
+          <a:pPr>
+            <a:defRPr sz="1197" b="0" i="0" u="none" strike="noStrike" kern="1200" baseline="0">
+              <a:solidFill>
+                <a:schemeClr val="tx1">
+                  <a:lumMod val="65000"/>
+                  <a:lumOff val="35000"/>
+                </a:schemeClr>
+              </a:solidFill>
+              <a:latin typeface="+mn-lt"/>
+              <a:ea typeface="+mn-ea"/>
+              <a:cs typeface="+mn-cs"/>
+            </a:defRPr>
+          </a:pPr>
+          <a:endParaRPr lang="en-US"/>
+        </a:p>
+      </c:txPr>
+    </c:legend>
+    <c:plotVisOnly val="1"/>
+    <c:dispBlanksAs val="gap"/>
+    <c:extLst>
+      <c:ext xmlns:c16r3="http://schemas.microsoft.com/office/drawing/2017/03/chart" uri="{56B9EC1D-385E-4148-901F-78D8002777C0}">
+        <c16r3:dataDisplayOptions16>
+          <c16r3:dispNaAsBlank val="1"/>
+        </c16r3:dataDisplayOptions16>
+      </c:ext>
+    </c:extLst>
+    <c:showDLblsOverMax val="0"/>
+  </c:chart>
+  <c:spPr>
+    <a:noFill/>
+    <a:ln>
+      <a:noFill/>
+    </a:ln>
+    <a:effectLst/>
+  </c:spPr>
+  <c:txPr>
+    <a:bodyPr/>
+    <a:lstStyle/>
+    <a:p>
+      <a:pPr>
+        <a:defRPr/>
+      </a:pPr>
+      <a:endParaRPr lang="en-US"/>
+    </a:p>
+  </c:txPr>
+  <c:externalData r:id="rId3">
+    <c:autoUpdate val="0"/>
+  </c:externalData>
+</c:chartSpace>
+</file>
+
+<file path=ppt/charts/colors1.xml><?xml version="1.0" encoding="utf-8"?>
+<cs:colorStyle xmlns:cs="http://schemas.microsoft.com/office/drawing/2012/chartStyle" xmlns:a="http://schemas.openxmlformats.org/drawingml/2006/main" meth="cycle" id="10">
+  <a:schemeClr val="accent1"/>
+  <a:schemeClr val="accent2"/>
+  <a:schemeClr val="accent3"/>
+  <a:schemeClr val="accent4"/>
+  <a:schemeClr val="accent5"/>
+  <a:schemeClr val="accent6"/>
+  <cs:variation/>
+  <cs:variation>
+    <a:lumMod val="60000"/>
+  </cs:variation>
+  <cs:variation>
+    <a:lumMod val="80000"/>
+    <a:lumOff val="20000"/>
+  </cs:variation>
+  <cs:variation>
+    <a:lumMod val="80000"/>
+  </cs:variation>
+  <cs:variation>
+    <a:lumMod val="60000"/>
+    <a:lumOff val="40000"/>
+  </cs:variation>
+  <cs:variation>
+    <a:lumMod val="50000"/>
+  </cs:variation>
+  <cs:variation>
+    <a:lumMod val="70000"/>
+    <a:lumOff val="30000"/>
+  </cs:variation>
+  <cs:variation>
+    <a:lumMod val="70000"/>
+  </cs:variation>
+  <cs:variation>
+    <a:lumMod val="50000"/>
+    <a:lumOff val="50000"/>
+  </cs:variation>
+</cs:colorStyle>
+</file>
+
+<file path=ppt/charts/style1.xml><?xml version="1.0" encoding="utf-8"?>
+<cs:chartStyle xmlns:cs="http://schemas.microsoft.com/office/drawing/2012/chartStyle" xmlns:a="http://schemas.openxmlformats.org/drawingml/2006/main" id="201">
+  <cs:axisTitle>
+    <cs:lnRef idx="0"/>
+    <cs:fillRef idx="0"/>
+    <cs:effectRef idx="0"/>
+    <cs:fontRef idx="minor">
+      <a:schemeClr val="tx1">
+        <a:lumMod val="65000"/>
+        <a:lumOff val="35000"/>
+      </a:schemeClr>
+    </cs:fontRef>
+    <cs:defRPr sz="1330" kern="1200"/>
+  </cs:axisTitle>
+  <cs:categoryAxis>
+    <cs:lnRef idx="0"/>
+    <cs:fillRef idx="0"/>
+    <cs:effectRef idx="0"/>
+    <cs:fontRef idx="minor">
+      <a:schemeClr val="tx1">
+        <a:lumMod val="65000"/>
+        <a:lumOff val="35000"/>
+      </a:schemeClr>
+    </cs:fontRef>
+    <cs:spPr>
+      <a:ln w="9525" cap="flat" cmpd="sng" algn="ctr">
+        <a:solidFill>
+          <a:schemeClr val="tx1">
+            <a:lumMod val="15000"/>
+            <a:lumOff val="85000"/>
+          </a:schemeClr>
+        </a:solidFill>
+        <a:round/>
+      </a:ln>
+    </cs:spPr>
+    <cs:defRPr sz="1197" kern="1200"/>
+  </cs:categoryAxis>
+  <cs:chartArea mods="allowNoFillOverride allowNoLineOverride">
+    <cs:lnRef idx="0"/>
+    <cs:fillRef idx="0"/>
+    <cs:effectRef idx="0"/>
+    <cs:fontRef idx="minor">
+      <a:schemeClr val="tx1"/>
+    </cs:fontRef>
+    <cs:spPr>
+      <a:solidFill>
+        <a:schemeClr val="bg1"/>
+      </a:solidFill>
+      <a:ln w="9525" cap="flat" cmpd="sng" algn="ctr">
+        <a:solidFill>
+          <a:schemeClr val="tx1">
+            <a:lumMod val="15000"/>
+            <a:lumOff val="85000"/>
+          </a:schemeClr>
+        </a:solidFill>
+        <a:round/>
+      </a:ln>
+    </cs:spPr>
+    <cs:defRPr sz="1330" kern="1200"/>
+  </cs:chartArea>
+  <cs:dataLabel>
+    <cs:lnRef idx="0"/>
+    <cs:fillRef idx="0"/>
+    <cs:effectRef idx="0"/>
+    <cs:fontRef idx="minor">
+      <a:schemeClr val="tx1">
+        <a:lumMod val="75000"/>
+        <a:lumOff val="25000"/>
+      </a:schemeClr>
+    </cs:fontRef>
+    <cs:defRPr sz="1197" kern="1200"/>
+  </cs:dataLabel>
+  <cs:dataLabelCallout>
+    <cs:lnRef idx="0"/>
+    <cs:fillRef idx="0"/>
+    <cs:effectRef idx="0"/>
+    <cs:fontRef idx="minor">
+      <a:schemeClr val="dk1">
+        <a:lumMod val="65000"/>
+        <a:lumOff val="35000"/>
+      </a:schemeClr>
+    </cs:fontRef>
+    <cs:spPr>
+      <a:solidFill>
+        <a:schemeClr val="lt1"/>
+      </a:solidFill>
+      <a:ln>
+        <a:solidFill>
+          <a:schemeClr val="dk1">
+            <a:lumMod val="25000"/>
+            <a:lumOff val="75000"/>
+          </a:schemeClr>
+        </a:solidFill>
+      </a:ln>
+    </cs:spPr>
+    <cs:defRPr sz="1197" kern="1200"/>
+    <cs:bodyPr rot="0" spcFirstLastPara="1" vertOverflow="clip" horzOverflow="clip" vert="horz" wrap="square" lIns="36576" tIns="18288" rIns="36576" bIns="18288" anchor="ctr" anchorCtr="1">
+      <a:spAutoFit/>
+    </cs:bodyPr>
+  </cs:dataLabelCallout>
+  <cs:dataPoint>
+    <cs:lnRef idx="0"/>
+    <cs:fillRef idx="1">
+      <cs:styleClr val="auto"/>
+    </cs:fillRef>
+    <cs:effectRef idx="0"/>
+    <cs:fontRef idx="minor">
+      <a:schemeClr val="tx1"/>
+    </cs:fontRef>
+  </cs:dataPoint>
+  <cs:dataPoint3D>
+    <cs:lnRef idx="0"/>
+    <cs:fillRef idx="1">
+      <cs:styleClr val="auto"/>
+    </cs:fillRef>
+    <cs:effectRef idx="0"/>
+    <cs:fontRef idx="minor">
+      <a:schemeClr val="tx1"/>
+    </cs:fontRef>
+  </cs:dataPoint3D>
+  <cs:dataPointLine>
+    <cs:lnRef idx="0">
+      <cs:styleClr val="auto"/>
+    </cs:lnRef>
+    <cs:fillRef idx="1"/>
+    <cs:effectRef idx="0"/>
+    <cs:fontRef idx="minor">
+      <a:schemeClr val="tx1"/>
+    </cs:fontRef>
+    <cs:spPr>
+      <a:ln w="28575" cap="rnd">
+        <a:solidFill>
+          <a:schemeClr val="phClr"/>
+        </a:solidFill>
+        <a:round/>
+      </a:ln>
+    </cs:spPr>
+  </cs:dataPointLine>
+  <cs:dataPointMarker>
+    <cs:lnRef idx="0">
+      <cs:styleClr val="auto"/>
+    </cs:lnRef>
+    <cs:fillRef idx="1">
+      <cs:styleClr val="auto"/>
+    </cs:fillRef>
+    <cs:effectRef idx="0"/>
+    <cs:fontRef idx="minor">
+      <a:schemeClr val="tx1"/>
+    </cs:fontRef>
+    <cs:spPr>
+      <a:ln w="9525">
+        <a:solidFill>
+          <a:schemeClr val="phClr"/>
+        </a:solidFill>
+      </a:ln>
+    </cs:spPr>
+  </cs:dataPointMarker>
+  <cs:dataPointMarkerLayout symbol="circle" size="5"/>
+  <cs:dataPointWireframe>
+    <cs:lnRef idx="0">
+      <cs:styleClr val="auto"/>
+    </cs:lnRef>
+    <cs:fillRef idx="1"/>
+    <cs:effectRef idx="0"/>
+    <cs:fontRef idx="minor">
+      <a:schemeClr val="tx1"/>
+    </cs:fontRef>
+    <cs:spPr>
+      <a:ln w="9525" cap="rnd">
+        <a:solidFill>
+          <a:schemeClr val="phClr"/>
+        </a:solidFill>
+        <a:round/>
+      </a:ln>
+    </cs:spPr>
+  </cs:dataPointWireframe>
+  <cs:dataTable>
+    <cs:lnRef idx="0"/>
+    <cs:fillRef idx="0"/>
+    <cs:effectRef idx="0"/>
+    <cs:fontRef idx="minor">
+      <a:schemeClr val="tx1">
+        <a:lumMod val="65000"/>
+        <a:lumOff val="35000"/>
+      </a:schemeClr>
+    </cs:fontRef>
+    <cs:spPr>
+      <a:noFill/>
+      <a:ln w="9525" cap="flat" cmpd="sng" algn="ctr">
+        <a:solidFill>
+          <a:schemeClr val="tx1">
+            <a:lumMod val="15000"/>
+            <a:lumOff val="85000"/>
+          </a:schemeClr>
+        </a:solidFill>
+        <a:round/>
+      </a:ln>
+    </cs:spPr>
+    <cs:defRPr sz="1197" kern="1200"/>
+  </cs:dataTable>
+  <cs:downBar>
+    <cs:lnRef idx="0"/>
+    <cs:fillRef idx="0"/>
+    <cs:effectRef idx="0"/>
+    <cs:fontRef idx="minor">
+      <a:schemeClr val="dk1"/>
+    </cs:fontRef>
+    <cs:spPr>
+      <a:solidFill>
+        <a:schemeClr val="dk1">
+          <a:lumMod val="65000"/>
+          <a:lumOff val="35000"/>
+        </a:schemeClr>
+      </a:solidFill>
+      <a:ln w="9525">
+        <a:solidFill>
+          <a:schemeClr val="tx1">
+            <a:lumMod val="65000"/>
+            <a:lumOff val="35000"/>
+          </a:schemeClr>
+        </a:solidFill>
+      </a:ln>
+    </cs:spPr>
+  </cs:downBar>
+  <cs:dropLine>
+    <cs:lnRef idx="0"/>
+    <cs:fillRef idx="0"/>
+    <cs:effectRef idx="0"/>
+    <cs:fontRef idx="minor">
+      <a:schemeClr val="tx1"/>
+    </cs:fontRef>
+    <cs:spPr>
+      <a:ln w="9525" cap="flat" cmpd="sng" algn="ctr">
+        <a:solidFill>
+          <a:schemeClr val="tx1">
+            <a:lumMod val="35000"/>
+            <a:lumOff val="65000"/>
+          </a:schemeClr>
+        </a:solidFill>
+        <a:round/>
+      </a:ln>
+    </cs:spPr>
+  </cs:dropLine>
+  <cs:errorBar>
+    <cs:lnRef idx="0"/>
+    <cs:fillRef idx="0"/>
+    <cs:effectRef idx="0"/>
+    <cs:fontRef idx="minor">
+      <a:schemeClr val="tx1"/>
+    </cs:fontRef>
+    <cs:spPr>
+      <a:ln w="9525" cap="flat" cmpd="sng" algn="ctr">
+        <a:solidFill>
+          <a:schemeClr val="tx1">
+            <a:lumMod val="65000"/>
+            <a:lumOff val="35000"/>
+          </a:schemeClr>
+        </a:solidFill>
+        <a:round/>
+      </a:ln>
+    </cs:spPr>
+  </cs:errorBar>
+  <cs:floor>
+    <cs:lnRef idx="0"/>
+    <cs:fillRef idx="0"/>
+    <cs:effectRef idx="0"/>
+    <cs:fontRef idx="minor">
+      <a:schemeClr val="tx1"/>
+    </cs:fontRef>
+    <cs:spPr>
+      <a:noFill/>
+      <a:ln>
+        <a:noFill/>
+      </a:ln>
+    </cs:spPr>
+  </cs:floor>
+  <cs:gridlineMajor>
+    <cs:lnRef idx="0"/>
+    <cs:fillRef idx="0"/>
+    <cs:effectRef idx="0"/>
+    <cs:fontRef idx="minor">
+      <a:schemeClr val="tx1"/>
+    </cs:fontRef>
+    <cs:spPr>
+      <a:ln w="9525" cap="flat" cmpd="sng" algn="ctr">
+        <a:solidFill>
+          <a:schemeClr val="tx1">
+            <a:lumMod val="15000"/>
+            <a:lumOff val="85000"/>
+          </a:schemeClr>
+        </a:solidFill>
+        <a:round/>
+      </a:ln>
+    </cs:spPr>
+  </cs:gridlineMajor>
+  <cs:gridlineMinor>
+    <cs:lnRef idx="0"/>
+    <cs:fillRef idx="0"/>
+    <cs:effectRef idx="0"/>
+    <cs:fontRef idx="minor">
+      <a:schemeClr val="tx1"/>
+    </cs:fontRef>
+    <cs:spPr>
+      <a:ln w="9525" cap="flat" cmpd="sng" algn="ctr">
+        <a:solidFill>
+          <a:schemeClr val="tx1">
+            <a:lumMod val="5000"/>
+            <a:lumOff val="95000"/>
+          </a:schemeClr>
+        </a:solidFill>
+        <a:round/>
+      </a:ln>
+    </cs:spPr>
+  </cs:gridlineMinor>
+  <cs:hiLoLine>
+    <cs:lnRef idx="0"/>
+    <cs:fillRef idx="0"/>
+    <cs:effectRef idx="0"/>
+    <cs:fontRef idx="minor">
+      <a:schemeClr val="tx1"/>
+    </cs:fontRef>
+    <cs:spPr>
+      <a:ln w="9525" cap="flat" cmpd="sng" algn="ctr">
+        <a:solidFill>
+          <a:schemeClr val="tx1">
+            <a:lumMod val="75000"/>
+            <a:lumOff val="25000"/>
+          </a:schemeClr>
+        </a:solidFill>
+        <a:round/>
+      </a:ln>
+    </cs:spPr>
+  </cs:hiLoLine>
+  <cs:leaderLine>
+    <cs:lnRef idx="0"/>
+    <cs:fillRef idx="0"/>
+    <cs:effectRef idx="0"/>
+    <cs:fontRef idx="minor">
+      <a:schemeClr val="tx1"/>
+    </cs:fontRef>
+    <cs:spPr>
+      <a:ln w="9525" cap="flat" cmpd="sng" algn="ctr">
+        <a:solidFill>
+          <a:schemeClr val="tx1">
+            <a:lumMod val="35000"/>
+            <a:lumOff val="65000"/>
+          </a:schemeClr>
+        </a:solidFill>
+        <a:round/>
+      </a:ln>
+    </cs:spPr>
+  </cs:leaderLine>
+  <cs:legend>
+    <cs:lnRef idx="0"/>
+    <cs:fillRef idx="0"/>
+    <cs:effectRef idx="0"/>
+    <cs:fontRef idx="minor">
+      <a:schemeClr val="tx1">
+        <a:lumMod val="65000"/>
+        <a:lumOff val="35000"/>
+      </a:schemeClr>
+    </cs:fontRef>
+    <cs:defRPr sz="1197" kern="1200"/>
+  </cs:legend>
+  <cs:plotArea mods="allowNoFillOverride allowNoLineOverride">
+    <cs:lnRef idx="0"/>
+    <cs:fillRef idx="0"/>
+    <cs:effectRef idx="0"/>
+    <cs:fontRef idx="minor">
+      <a:schemeClr val="tx1"/>
+    </cs:fontRef>
+  </cs:plotArea>
+  <cs:plotArea3D mods="allowNoFillOverride allowNoLineOverride">
+    <cs:lnRef idx="0"/>
+    <cs:fillRef idx="0"/>
+    <cs:effectRef idx="0"/>
+    <cs:fontRef idx="minor">
+      <a:schemeClr val="tx1"/>
+    </cs:fontRef>
+  </cs:plotArea3D>
+  <cs:seriesAxis>
+    <cs:lnRef idx="0"/>
+    <cs:fillRef idx="0"/>
+    <cs:effectRef idx="0"/>
+    <cs:fontRef idx="minor">
+      <a:schemeClr val="tx1">
+        <a:lumMod val="65000"/>
+        <a:lumOff val="35000"/>
+      </a:schemeClr>
+    </cs:fontRef>
+    <cs:defRPr sz="1197" kern="1200"/>
+  </cs:seriesAxis>
+  <cs:seriesLine>
+    <cs:lnRef idx="0"/>
+    <cs:fillRef idx="0"/>
+    <cs:effectRef idx="0"/>
+    <cs:fontRef idx="minor">
+      <a:schemeClr val="tx1"/>
+    </cs:fontRef>
+    <cs:spPr>
+      <a:ln w="9525" cap="flat" cmpd="sng" algn="ctr">
+        <a:solidFill>
+          <a:schemeClr val="tx1">
+            <a:lumMod val="35000"/>
+            <a:lumOff val="65000"/>
+          </a:schemeClr>
+        </a:solidFill>
+        <a:round/>
+      </a:ln>
+    </cs:spPr>
+  </cs:seriesLine>
+  <cs:title>
+    <cs:lnRef idx="0"/>
+    <cs:fillRef idx="0"/>
+    <cs:effectRef idx="0"/>
+    <cs:fontRef idx="minor">
+      <a:schemeClr val="tx1">
+        <a:lumMod val="65000"/>
+        <a:lumOff val="35000"/>
+      </a:schemeClr>
+    </cs:fontRef>
+    <cs:defRPr sz="1862" b="0" kern="1200" spc="0" baseline="0"/>
+  </cs:title>
+  <cs:trendline>
+    <cs:lnRef idx="0">
+      <cs:styleClr val="auto"/>
+    </cs:lnRef>
+    <cs:fillRef idx="0"/>
+    <cs:effectRef idx="0"/>
+    <cs:fontRef idx="minor">
+      <a:schemeClr val="tx1"/>
+    </cs:fontRef>
+    <cs:spPr>
+      <a:ln w="19050" cap="rnd">
+        <a:solidFill>
+          <a:schemeClr val="phClr"/>
+        </a:solidFill>
+        <a:prstDash val="sysDot"/>
+      </a:ln>
+    </cs:spPr>
+  </cs:trendline>
+  <cs:trendlineLabel>
+    <cs:lnRef idx="0"/>
+    <cs:fillRef idx="0"/>
+    <cs:effectRef idx="0"/>
+    <cs:fontRef idx="minor">
+      <a:schemeClr val="tx1">
+        <a:lumMod val="65000"/>
+        <a:lumOff val="35000"/>
+      </a:schemeClr>
+    </cs:fontRef>
+    <cs:defRPr sz="1197" kern="1200"/>
+  </cs:trendlineLabel>
+  <cs:upBar>
+    <cs:lnRef idx="0"/>
+    <cs:fillRef idx="0"/>
+    <cs:effectRef idx="0"/>
+    <cs:fontRef idx="minor">
+      <a:schemeClr val="dk1"/>
+    </cs:fontRef>
+    <cs:spPr>
+      <a:solidFill>
+        <a:schemeClr val="lt1"/>
+      </a:solidFill>
+      <a:ln w="9525">
+        <a:solidFill>
+          <a:schemeClr val="tx1">
+            <a:lumMod val="15000"/>
+            <a:lumOff val="85000"/>
+          </a:schemeClr>
+        </a:solidFill>
+      </a:ln>
+    </cs:spPr>
+  </cs:upBar>
+  <cs:valueAxis>
+    <cs:lnRef idx="0"/>
+    <cs:fillRef idx="0"/>
+    <cs:effectRef idx="0"/>
+    <cs:fontRef idx="minor">
+      <a:schemeClr val="tx1">
+        <a:lumMod val="65000"/>
+        <a:lumOff val="35000"/>
+      </a:schemeClr>
+    </cs:fontRef>
+    <cs:defRPr sz="1197" kern="1200"/>
+  </cs:valueAxis>
+  <cs:wall>
+    <cs:lnRef idx="0"/>
+    <cs:fillRef idx="0"/>
+    <cs:effectRef idx="0"/>
+    <cs:fontRef idx="minor">
+      <a:schemeClr val="tx1"/>
+    </cs:fontRef>
+    <cs:spPr>
+      <a:noFill/>
+      <a:ln>
+        <a:noFill/>
+      </a:ln>
+    </cs:spPr>
+  </cs:wall>
+</cs:chartStyle>
 </file>
 
 <file path=ppt/slideLayouts/slideLayout1.xml><?xml version="1.0" encoding="utf-8"?>
@@ -849,7 +1910,7 @@
           <a:p>
             <a:fld id="{5FD27F22-BA34-7649-A8AD-0022DEC3005A}" type="datetimeFigureOut">
               <a:rPr lang="en-US" smtClean="0"/>
-              <a:t>7/31/19</a:t>
+              <a:t>8/1/19</a:t>
             </a:fld>
             <a:endParaRPr lang="en-US"/>
           </a:p>
@@ -1100,7 +2161,7 @@
           <a:p>
             <a:fld id="{5FD27F22-BA34-7649-A8AD-0022DEC3005A}" type="datetimeFigureOut">
               <a:rPr lang="en-US" smtClean="0"/>
-              <a:t>7/31/19</a:t>
+              <a:t>8/1/19</a:t>
             </a:fld>
             <a:endParaRPr lang="en-US"/>
           </a:p>
@@ -1414,7 +2475,7 @@
           <a:p>
             <a:fld id="{5FD27F22-BA34-7649-A8AD-0022DEC3005A}" type="datetimeFigureOut">
               <a:rPr lang="en-US" smtClean="0"/>
-              <a:t>7/31/19</a:t>
+              <a:t>8/1/19</a:t>
             </a:fld>
             <a:endParaRPr lang="en-US"/>
           </a:p>
@@ -1755,7 +2816,7 @@
           <a:p>
             <a:fld id="{5FD27F22-BA34-7649-A8AD-0022DEC3005A}" type="datetimeFigureOut">
               <a:rPr lang="en-US" smtClean="0"/>
-              <a:t>7/31/19</a:t>
+              <a:t>8/1/19</a:t>
             </a:fld>
             <a:endParaRPr lang="en-US"/>
           </a:p>
@@ -2069,7 +3130,7 @@
           <a:p>
             <a:fld id="{5FD27F22-BA34-7649-A8AD-0022DEC3005A}" type="datetimeFigureOut">
               <a:rPr lang="en-US" smtClean="0"/>
-              <a:t>7/31/19</a:t>
+              <a:t>8/1/19</a:t>
             </a:fld>
             <a:endParaRPr lang="en-US"/>
           </a:p>
@@ -2462,7 +3523,7 @@
           <a:p>
             <a:fld id="{5FD27F22-BA34-7649-A8AD-0022DEC3005A}" type="datetimeFigureOut">
               <a:rPr lang="en-US" smtClean="0"/>
-              <a:t>7/31/19</a:t>
+              <a:t>8/1/19</a:t>
             </a:fld>
             <a:endParaRPr lang="en-US"/>
           </a:p>
@@ -2632,7 +3693,7 @@
           <a:p>
             <a:fld id="{5FD27F22-BA34-7649-A8AD-0022DEC3005A}" type="datetimeFigureOut">
               <a:rPr lang="en-US" smtClean="0"/>
-              <a:t>7/31/19</a:t>
+              <a:t>8/1/19</a:t>
             </a:fld>
             <a:endParaRPr lang="en-US"/>
           </a:p>
@@ -2812,7 +3873,7 @@
           <a:p>
             <a:fld id="{5FD27F22-BA34-7649-A8AD-0022DEC3005A}" type="datetimeFigureOut">
               <a:rPr lang="en-US" smtClean="0"/>
-              <a:t>7/31/19</a:t>
+              <a:t>8/1/19</a:t>
             </a:fld>
             <a:endParaRPr lang="en-US"/>
           </a:p>
@@ -2988,7 +4049,7 @@
           <a:p>
             <a:fld id="{5FD27F22-BA34-7649-A8AD-0022DEC3005A}" type="datetimeFigureOut">
               <a:rPr lang="en-US" smtClean="0"/>
-              <a:t>7/31/19</a:t>
+              <a:t>8/1/19</a:t>
             </a:fld>
             <a:endParaRPr lang="en-US"/>
           </a:p>
@@ -3235,7 +4296,7 @@
           <a:p>
             <a:fld id="{5FD27F22-BA34-7649-A8AD-0022DEC3005A}" type="datetimeFigureOut">
               <a:rPr lang="en-US" smtClean="0"/>
-              <a:t>7/31/19</a:t>
+              <a:t>8/1/19</a:t>
             </a:fld>
             <a:endParaRPr lang="en-US"/>
           </a:p>
@@ -3467,7 +4528,7 @@
           <a:p>
             <a:fld id="{5FD27F22-BA34-7649-A8AD-0022DEC3005A}" type="datetimeFigureOut">
               <a:rPr lang="en-US" smtClean="0"/>
-              <a:t>7/31/19</a:t>
+              <a:t>8/1/19</a:t>
             </a:fld>
             <a:endParaRPr lang="en-US"/>
           </a:p>
@@ -3841,7 +4902,7 @@
           <a:p>
             <a:fld id="{5FD27F22-BA34-7649-A8AD-0022DEC3005A}" type="datetimeFigureOut">
               <a:rPr lang="en-US" smtClean="0"/>
-              <a:t>7/31/19</a:t>
+              <a:t>8/1/19</a:t>
             </a:fld>
             <a:endParaRPr lang="en-US"/>
           </a:p>
@@ -3964,7 +5025,7 @@
           <a:p>
             <a:fld id="{5FD27F22-BA34-7649-A8AD-0022DEC3005A}" type="datetimeFigureOut">
               <a:rPr lang="en-US" smtClean="0"/>
-              <a:t>7/31/19</a:t>
+              <a:t>8/1/19</a:t>
             </a:fld>
             <a:endParaRPr lang="en-US"/>
           </a:p>
@@ -4059,7 +5120,7 @@
           <a:p>
             <a:fld id="{5FD27F22-BA34-7649-A8AD-0022DEC3005A}" type="datetimeFigureOut">
               <a:rPr lang="en-US" smtClean="0"/>
-              <a:t>7/31/19</a:t>
+              <a:t>8/1/19</a:t>
             </a:fld>
             <a:endParaRPr lang="en-US"/>
           </a:p>
@@ -4314,7 +5375,7 @@
           <a:p>
             <a:fld id="{5FD27F22-BA34-7649-A8AD-0022DEC3005A}" type="datetimeFigureOut">
               <a:rPr lang="en-US" smtClean="0"/>
-              <a:t>7/31/19</a:t>
+              <a:t>8/1/19</a:t>
             </a:fld>
             <a:endParaRPr lang="en-US"/>
           </a:p>
@@ -4577,7 +5638,7 @@
           <a:p>
             <a:fld id="{5FD27F22-BA34-7649-A8AD-0022DEC3005A}" type="datetimeFigureOut">
               <a:rPr lang="en-US" smtClean="0"/>
-              <a:t>7/31/19</a:t>
+              <a:t>8/1/19</a:t>
             </a:fld>
             <a:endParaRPr lang="en-US"/>
           </a:p>
@@ -5320,7 +6381,7 @@
           <a:p>
             <a:fld id="{5FD27F22-BA34-7649-A8AD-0022DEC3005A}" type="datetimeFigureOut">
               <a:rPr lang="en-US" smtClean="0"/>
-              <a:t>7/31/19</a:t>
+              <a:t>8/1/19</a:t>
             </a:fld>
             <a:endParaRPr lang="en-US"/>
           </a:p>
@@ -6697,8 +7758,8 @@
           </a:p>
         </p:txBody>
       </p:sp>
-      <mc:AlternateContent xmlns:mc="http://schemas.openxmlformats.org/markup-compatibility/2006">
-        <mc:Choice xmlns:a14="http://schemas.microsoft.com/office/drawing/2010/main" Requires="a14">
+      <mc:AlternateContent xmlns:mc="http://schemas.openxmlformats.org/markup-compatibility/2006" xmlns:a14="http://schemas.microsoft.com/office/drawing/2010/main">
+        <mc:Choice Requires="a14">
           <p:sp>
             <p:nvSpPr>
               <p:cNvPr id="3" name="Content Placeholder 2">
@@ -7041,7 +8102,7 @@
             </p:txBody>
           </p:sp>
         </mc:Choice>
-        <mc:Fallback>
+        <mc:Fallback xmlns="">
           <p:sp>
             <p:nvSpPr>
               <p:cNvPr id="3" name="Content Placeholder 2">
@@ -8322,7 +9383,7 @@
           <p:cNvPr id="2" name="Title 1">
             <a:extLst>
               <a:ext uri="{FF2B5EF4-FFF2-40B4-BE49-F238E27FC236}">
-                <a16:creationId xmlns:a16="http://schemas.microsoft.com/office/drawing/2014/main" id="{C1BA5E16-C7E9-C84C-809A-742CCF51C73D}"/>
+                <a16:creationId xmlns:a16="http://schemas.microsoft.com/office/drawing/2014/main" id="{04D79C3B-0B95-3543-AAE8-EA6C3ADD0E3A}"/>
               </a:ext>
             </a:extLst>
           </p:cNvPr>
@@ -8340,7 +9401,7 @@
           <a:p>
             <a:r>
               <a:rPr lang="en-US" dirty="0"/>
-              <a:t>Improvements – Logic Expression</a:t>
+              <a:t>Improvement – Logic Expression</a:t>
             </a:r>
           </a:p>
         </p:txBody>
@@ -8350,7 +9411,7 @@
           <p:cNvPr id="3" name="Content Placeholder 2">
             <a:extLst>
               <a:ext uri="{FF2B5EF4-FFF2-40B4-BE49-F238E27FC236}">
-                <a16:creationId xmlns:a16="http://schemas.microsoft.com/office/drawing/2014/main" id="{27927968-AE74-E14A-B5E5-02E51B75B203}"/>
+                <a16:creationId xmlns:a16="http://schemas.microsoft.com/office/drawing/2014/main" id="{E7AD9EC8-3776-B644-A815-C5808431546A}"/>
               </a:ext>
             </a:extLst>
           </p:cNvPr>
@@ -8368,24 +9429,7 @@
           <a:p>
             <a:r>
               <a:rPr lang="en-US" dirty="0"/>
-              <a:t>First generate simple arithmetic expressions and push to an </a:t>
-            </a:r>
-            <a:r>
-              <a:rPr lang="en-US" dirty="0" err="1"/>
-              <a:t>ArrayList</a:t>
-            </a:r>
-            <a:r>
-              <a:rPr lang="en-US" dirty="0"/>
-              <a:t>.</a:t>
-            </a:r>
-          </a:p>
-          <a:p>
-            <a:endParaRPr lang="en-US" dirty="0"/>
-          </a:p>
-          <a:p>
-            <a:r>
-              <a:rPr lang="en-US" dirty="0"/>
-              <a:t>Value of an arithmetic expression = its index in the </a:t>
+              <a:t>First generate simple arithmetic expression and push to an </a:t>
             </a:r>
             <a:r>
               <a:rPr lang="en-US" dirty="0" err="1"/>
@@ -8397,6 +9441,4406 @@
             <a:endParaRPr lang="en-US" dirty="0"/>
           </a:p>
           <a:p>
+            <a:r>
+              <a:rPr lang="en-US" dirty="0"/>
+              <a:t>Generate logic expressions for lower triangle</a:t>
+            </a:r>
+          </a:p>
+          <a:p>
+            <a:endParaRPr lang="en-US" dirty="0"/>
+          </a:p>
+          <a:p>
+            <a:r>
+              <a:rPr lang="en-US" dirty="0"/>
+              <a:t>Ex. x + 1 != y is okay, y != x + 1 is not</a:t>
+            </a:r>
+          </a:p>
+        </p:txBody>
+      </p:sp>
+      <p:graphicFrame>
+        <p:nvGraphicFramePr>
+          <p:cNvPr id="4" name="Content Placeholder 10">
+            <a:extLst>
+              <a:ext uri="{FF2B5EF4-FFF2-40B4-BE49-F238E27FC236}">
+                <a16:creationId xmlns:a16="http://schemas.microsoft.com/office/drawing/2014/main" id="{665FCC25-CAA5-6447-843E-B98B6B76D7FA}"/>
+              </a:ext>
+            </a:extLst>
+          </p:cNvPr>
+          <p:cNvGraphicFramePr>
+            <a:graphicFrameLocks/>
+          </p:cNvGraphicFramePr>
+          <p:nvPr>
+            <p:extLst>
+              <p:ext uri="{D42A27DB-BD31-4B8C-83A1-F6EECF244321}">
+                <p14:modId xmlns:p14="http://schemas.microsoft.com/office/powerpoint/2010/main" val="2755441425"/>
+              </p:ext>
+            </p:extLst>
+          </p:nvPr>
+        </p:nvGraphicFramePr>
+        <p:xfrm>
+          <a:off x="6965577" y="2926896"/>
+          <a:ext cx="2902191" cy="2108240"/>
+        </p:xfrm>
+        <a:graphic>
+          <a:graphicData uri="http://schemas.openxmlformats.org/drawingml/2006/table">
+            <a:tbl>
+              <a:tblPr firstRow="1" firstCol="1" bandRow="1"/>
+              <a:tblGrid>
+                <a:gridCol w="363518">
+                  <a:extLst>
+                    <a:ext uri="{9D8B030D-6E8A-4147-A177-3AD203B41FA5}">
+                      <a16:colId xmlns:a16="http://schemas.microsoft.com/office/drawing/2014/main" val="2370303368"/>
+                    </a:ext>
+                  </a:extLst>
+                </a:gridCol>
+                <a:gridCol w="363518">
+                  <a:extLst>
+                    <a:ext uri="{9D8B030D-6E8A-4147-A177-3AD203B41FA5}">
+                      <a16:colId xmlns:a16="http://schemas.microsoft.com/office/drawing/2014/main" val="42354233"/>
+                    </a:ext>
+                  </a:extLst>
+                </a:gridCol>
+                <a:gridCol w="364455">
+                  <a:extLst>
+                    <a:ext uri="{9D8B030D-6E8A-4147-A177-3AD203B41FA5}">
+                      <a16:colId xmlns:a16="http://schemas.microsoft.com/office/drawing/2014/main" val="2969271874"/>
+                    </a:ext>
+                  </a:extLst>
+                </a:gridCol>
+                <a:gridCol w="364455">
+                  <a:extLst>
+                    <a:ext uri="{9D8B030D-6E8A-4147-A177-3AD203B41FA5}">
+                      <a16:colId xmlns:a16="http://schemas.microsoft.com/office/drawing/2014/main" val="3254492522"/>
+                    </a:ext>
+                  </a:extLst>
+                </a:gridCol>
+                <a:gridCol w="364455">
+                  <a:extLst>
+                    <a:ext uri="{9D8B030D-6E8A-4147-A177-3AD203B41FA5}">
+                      <a16:colId xmlns:a16="http://schemas.microsoft.com/office/drawing/2014/main" val="2445379208"/>
+                    </a:ext>
+                  </a:extLst>
+                </a:gridCol>
+                <a:gridCol w="364455">
+                  <a:extLst>
+                    <a:ext uri="{9D8B030D-6E8A-4147-A177-3AD203B41FA5}">
+                      <a16:colId xmlns:a16="http://schemas.microsoft.com/office/drawing/2014/main" val="2170585947"/>
+                    </a:ext>
+                  </a:extLst>
+                </a:gridCol>
+                <a:gridCol w="364455">
+                  <a:extLst>
+                    <a:ext uri="{9D8B030D-6E8A-4147-A177-3AD203B41FA5}">
+                      <a16:colId xmlns:a16="http://schemas.microsoft.com/office/drawing/2014/main" val="816172844"/>
+                    </a:ext>
+                  </a:extLst>
+                </a:gridCol>
+                <a:gridCol w="352880">
+                  <a:extLst>
+                    <a:ext uri="{9D8B030D-6E8A-4147-A177-3AD203B41FA5}">
+                      <a16:colId xmlns:a16="http://schemas.microsoft.com/office/drawing/2014/main" val="961530227"/>
+                    </a:ext>
+                  </a:extLst>
+                </a:gridCol>
+              </a:tblGrid>
+              <a:tr h="263530">
+                <a:tc>
+                  <a:txBody>
+                    <a:bodyPr/>
+                    <a:lstStyle/>
+                    <a:p>
+                      <a:pPr marL="0" marR="0" algn="l">
+                        <a:spcBef>
+                          <a:spcPts val="0"/>
+                        </a:spcBef>
+                        <a:spcAft>
+                          <a:spcPts val="0"/>
+                        </a:spcAft>
+                      </a:pPr>
+                      <a:r>
+                        <a:rPr lang="en-US" sz="1200" dirty="0">
+                          <a:effectLst/>
+                          <a:latin typeface="Calibri" panose="020F0502020204030204" pitchFamily="34" charset="0"/>
+                          <a:ea typeface="SimSun" panose="02010600030101010101" pitchFamily="2" charset="-122"/>
+                          <a:cs typeface="Times New Roman" panose="02020603050405020304" pitchFamily="18" charset="0"/>
+                        </a:rPr>
+                        <a:t> </a:t>
+                      </a:r>
+                    </a:p>
+                  </a:txBody>
+                  <a:tcPr marL="68580" marR="68580" marT="0" marB="0">
+                    <a:lnL w="12700" cap="flat" cmpd="sng" algn="ctr">
+                      <a:solidFill>
+                        <a:srgbClr val="000000"/>
+                      </a:solidFill>
+                      <a:prstDash val="solid"/>
+                      <a:round/>
+                      <a:headEnd type="none" w="med" len="med"/>
+                      <a:tailEnd type="none" w="med" len="med"/>
+                    </a:lnL>
+                    <a:lnR w="12700" cap="flat" cmpd="sng" algn="ctr">
+                      <a:solidFill>
+                        <a:srgbClr val="000000"/>
+                      </a:solidFill>
+                      <a:prstDash val="solid"/>
+                      <a:round/>
+                      <a:headEnd type="none" w="med" len="med"/>
+                      <a:tailEnd type="none" w="med" len="med"/>
+                    </a:lnR>
+                    <a:lnT w="12700" cap="flat" cmpd="sng" algn="ctr">
+                      <a:solidFill>
+                        <a:srgbClr val="000000"/>
+                      </a:solidFill>
+                      <a:prstDash val="solid"/>
+                      <a:round/>
+                      <a:headEnd type="none" w="med" len="med"/>
+                      <a:tailEnd type="none" w="med" len="med"/>
+                    </a:lnT>
+                    <a:lnB w="12700" cap="flat" cmpd="sng" algn="ctr">
+                      <a:solidFill>
+                        <a:srgbClr val="000000"/>
+                      </a:solidFill>
+                      <a:prstDash val="solid"/>
+                      <a:round/>
+                      <a:headEnd type="none" w="med" len="med"/>
+                      <a:tailEnd type="none" w="med" len="med"/>
+                    </a:lnB>
+                    <a:solidFill>
+                      <a:schemeClr val="accent2"/>
+                    </a:solidFill>
+                  </a:tcPr>
+                </a:tc>
+                <a:tc>
+                  <a:txBody>
+                    <a:bodyPr/>
+                    <a:lstStyle/>
+                    <a:p>
+                      <a:pPr marL="0" marR="0" algn="l">
+                        <a:spcBef>
+                          <a:spcPts val="0"/>
+                        </a:spcBef>
+                        <a:spcAft>
+                          <a:spcPts val="0"/>
+                        </a:spcAft>
+                      </a:pPr>
+                      <a:r>
+                        <a:rPr lang="en-US" sz="1200" dirty="0">
+                          <a:effectLst/>
+                          <a:latin typeface="Calibri" panose="020F0502020204030204" pitchFamily="34" charset="0"/>
+                          <a:ea typeface="SimSun" panose="02010600030101010101" pitchFamily="2" charset="-122"/>
+                          <a:cs typeface="Times New Roman" panose="02020603050405020304" pitchFamily="18" charset="0"/>
+                        </a:rPr>
+                        <a:t> </a:t>
+                      </a:r>
+                    </a:p>
+                  </a:txBody>
+                  <a:tcPr marL="68580" marR="68580" marT="0" marB="0">
+                    <a:lnL w="12700" cap="flat" cmpd="sng" algn="ctr">
+                      <a:solidFill>
+                        <a:srgbClr val="000000"/>
+                      </a:solidFill>
+                      <a:prstDash val="solid"/>
+                      <a:round/>
+                      <a:headEnd type="none" w="med" len="med"/>
+                      <a:tailEnd type="none" w="med" len="med"/>
+                    </a:lnL>
+                    <a:lnR w="12700" cap="flat" cmpd="sng" algn="ctr">
+                      <a:solidFill>
+                        <a:srgbClr val="000000"/>
+                      </a:solidFill>
+                      <a:prstDash val="solid"/>
+                      <a:round/>
+                      <a:headEnd type="none" w="med" len="med"/>
+                      <a:tailEnd type="none" w="med" len="med"/>
+                    </a:lnR>
+                    <a:lnT w="12700" cap="flat" cmpd="sng" algn="ctr">
+                      <a:solidFill>
+                        <a:srgbClr val="000000"/>
+                      </a:solidFill>
+                      <a:prstDash val="solid"/>
+                      <a:round/>
+                      <a:headEnd type="none" w="med" len="med"/>
+                      <a:tailEnd type="none" w="med" len="med"/>
+                    </a:lnT>
+                    <a:lnB w="12700" cap="flat" cmpd="sng" algn="ctr">
+                      <a:solidFill>
+                        <a:srgbClr val="000000"/>
+                      </a:solidFill>
+                      <a:prstDash val="solid"/>
+                      <a:round/>
+                      <a:headEnd type="none" w="med" len="med"/>
+                      <a:tailEnd type="none" w="med" len="med"/>
+                    </a:lnB>
+                  </a:tcPr>
+                </a:tc>
+                <a:tc>
+                  <a:txBody>
+                    <a:bodyPr/>
+                    <a:lstStyle/>
+                    <a:p>
+                      <a:pPr marL="0" marR="0" algn="l">
+                        <a:spcBef>
+                          <a:spcPts val="0"/>
+                        </a:spcBef>
+                        <a:spcAft>
+                          <a:spcPts val="0"/>
+                        </a:spcAft>
+                      </a:pPr>
+                      <a:r>
+                        <a:rPr lang="en-US" sz="1200">
+                          <a:effectLst/>
+                          <a:latin typeface="Calibri" panose="020F0502020204030204" pitchFamily="34" charset="0"/>
+                          <a:ea typeface="SimSun" panose="02010600030101010101" pitchFamily="2" charset="-122"/>
+                          <a:cs typeface="Times New Roman" panose="02020603050405020304" pitchFamily="18" charset="0"/>
+                        </a:rPr>
+                        <a:t> </a:t>
+                      </a:r>
+                      <a:endParaRPr lang="en-US" sz="1200" dirty="0">
+                        <a:effectLst/>
+                        <a:latin typeface="Calibri" panose="020F0502020204030204" pitchFamily="34" charset="0"/>
+                        <a:ea typeface="SimSun" panose="02010600030101010101" pitchFamily="2" charset="-122"/>
+                        <a:cs typeface="Times New Roman" panose="02020603050405020304" pitchFamily="18" charset="0"/>
+                      </a:endParaRPr>
+                    </a:p>
+                  </a:txBody>
+                  <a:tcPr marL="68580" marR="68580" marT="0" marB="0">
+                    <a:lnL w="12700" cap="flat" cmpd="sng" algn="ctr">
+                      <a:solidFill>
+                        <a:srgbClr val="000000"/>
+                      </a:solidFill>
+                      <a:prstDash val="solid"/>
+                      <a:round/>
+                      <a:headEnd type="none" w="med" len="med"/>
+                      <a:tailEnd type="none" w="med" len="med"/>
+                    </a:lnL>
+                    <a:lnR w="12700" cap="flat" cmpd="sng" algn="ctr">
+                      <a:solidFill>
+                        <a:srgbClr val="000000"/>
+                      </a:solidFill>
+                      <a:prstDash val="solid"/>
+                      <a:round/>
+                      <a:headEnd type="none" w="med" len="med"/>
+                      <a:tailEnd type="none" w="med" len="med"/>
+                    </a:lnR>
+                    <a:lnT w="12700" cap="flat" cmpd="sng" algn="ctr">
+                      <a:solidFill>
+                        <a:srgbClr val="000000"/>
+                      </a:solidFill>
+                      <a:prstDash val="solid"/>
+                      <a:round/>
+                      <a:headEnd type="none" w="med" len="med"/>
+                      <a:tailEnd type="none" w="med" len="med"/>
+                    </a:lnT>
+                    <a:lnB w="12700" cap="flat" cmpd="sng" algn="ctr">
+                      <a:solidFill>
+                        <a:srgbClr val="000000"/>
+                      </a:solidFill>
+                      <a:prstDash val="solid"/>
+                      <a:round/>
+                      <a:headEnd type="none" w="med" len="med"/>
+                      <a:tailEnd type="none" w="med" len="med"/>
+                    </a:lnB>
+                  </a:tcPr>
+                </a:tc>
+                <a:tc>
+                  <a:txBody>
+                    <a:bodyPr/>
+                    <a:lstStyle/>
+                    <a:p>
+                      <a:pPr marL="0" marR="0" algn="l">
+                        <a:spcBef>
+                          <a:spcPts val="0"/>
+                        </a:spcBef>
+                        <a:spcAft>
+                          <a:spcPts val="0"/>
+                        </a:spcAft>
+                      </a:pPr>
+                      <a:r>
+                        <a:rPr lang="en-US" sz="1200" dirty="0">
+                          <a:effectLst/>
+                          <a:latin typeface="Calibri" panose="020F0502020204030204" pitchFamily="34" charset="0"/>
+                          <a:ea typeface="SimSun" panose="02010600030101010101" pitchFamily="2" charset="-122"/>
+                          <a:cs typeface="Times New Roman" panose="02020603050405020304" pitchFamily="18" charset="0"/>
+                        </a:rPr>
+                        <a:t> </a:t>
+                      </a:r>
+                    </a:p>
+                  </a:txBody>
+                  <a:tcPr marL="68580" marR="68580" marT="0" marB="0">
+                    <a:lnL w="12700" cap="flat" cmpd="sng" algn="ctr">
+                      <a:solidFill>
+                        <a:srgbClr val="000000"/>
+                      </a:solidFill>
+                      <a:prstDash val="solid"/>
+                      <a:round/>
+                      <a:headEnd type="none" w="med" len="med"/>
+                      <a:tailEnd type="none" w="med" len="med"/>
+                    </a:lnL>
+                    <a:lnR w="12700" cap="flat" cmpd="sng" algn="ctr">
+                      <a:solidFill>
+                        <a:srgbClr val="000000"/>
+                      </a:solidFill>
+                      <a:prstDash val="solid"/>
+                      <a:round/>
+                      <a:headEnd type="none" w="med" len="med"/>
+                      <a:tailEnd type="none" w="med" len="med"/>
+                    </a:lnR>
+                    <a:lnT w="12700" cap="flat" cmpd="sng" algn="ctr">
+                      <a:solidFill>
+                        <a:srgbClr val="000000"/>
+                      </a:solidFill>
+                      <a:prstDash val="solid"/>
+                      <a:round/>
+                      <a:headEnd type="none" w="med" len="med"/>
+                      <a:tailEnd type="none" w="med" len="med"/>
+                    </a:lnT>
+                    <a:lnB w="12700" cap="flat" cmpd="sng" algn="ctr">
+                      <a:solidFill>
+                        <a:srgbClr val="000000"/>
+                      </a:solidFill>
+                      <a:prstDash val="solid"/>
+                      <a:round/>
+                      <a:headEnd type="none" w="med" len="med"/>
+                      <a:tailEnd type="none" w="med" len="med"/>
+                    </a:lnB>
+                  </a:tcPr>
+                </a:tc>
+                <a:tc>
+                  <a:txBody>
+                    <a:bodyPr/>
+                    <a:lstStyle/>
+                    <a:p>
+                      <a:pPr marL="0" marR="0" algn="l">
+                        <a:spcBef>
+                          <a:spcPts val="0"/>
+                        </a:spcBef>
+                        <a:spcAft>
+                          <a:spcPts val="0"/>
+                        </a:spcAft>
+                      </a:pPr>
+                      <a:r>
+                        <a:rPr lang="en-US" sz="1200">
+                          <a:effectLst/>
+                          <a:latin typeface="Calibri" panose="020F0502020204030204" pitchFamily="34" charset="0"/>
+                          <a:ea typeface="SimSun" panose="02010600030101010101" pitchFamily="2" charset="-122"/>
+                          <a:cs typeface="Times New Roman" panose="02020603050405020304" pitchFamily="18" charset="0"/>
+                        </a:rPr>
+                        <a:t> </a:t>
+                      </a:r>
+                    </a:p>
+                  </a:txBody>
+                  <a:tcPr marL="68580" marR="68580" marT="0" marB="0">
+                    <a:lnL w="12700" cap="flat" cmpd="sng" algn="ctr">
+                      <a:solidFill>
+                        <a:srgbClr val="000000"/>
+                      </a:solidFill>
+                      <a:prstDash val="solid"/>
+                      <a:round/>
+                      <a:headEnd type="none" w="med" len="med"/>
+                      <a:tailEnd type="none" w="med" len="med"/>
+                    </a:lnL>
+                    <a:lnR w="12700" cap="flat" cmpd="sng" algn="ctr">
+                      <a:solidFill>
+                        <a:srgbClr val="000000"/>
+                      </a:solidFill>
+                      <a:prstDash val="solid"/>
+                      <a:round/>
+                      <a:headEnd type="none" w="med" len="med"/>
+                      <a:tailEnd type="none" w="med" len="med"/>
+                    </a:lnR>
+                    <a:lnT w="12700" cap="flat" cmpd="sng" algn="ctr">
+                      <a:solidFill>
+                        <a:srgbClr val="000000"/>
+                      </a:solidFill>
+                      <a:prstDash val="solid"/>
+                      <a:round/>
+                      <a:headEnd type="none" w="med" len="med"/>
+                      <a:tailEnd type="none" w="med" len="med"/>
+                    </a:lnT>
+                    <a:lnB w="12700" cap="flat" cmpd="sng" algn="ctr">
+                      <a:solidFill>
+                        <a:srgbClr val="000000"/>
+                      </a:solidFill>
+                      <a:prstDash val="solid"/>
+                      <a:round/>
+                      <a:headEnd type="none" w="med" len="med"/>
+                      <a:tailEnd type="none" w="med" len="med"/>
+                    </a:lnB>
+                  </a:tcPr>
+                </a:tc>
+                <a:tc>
+                  <a:txBody>
+                    <a:bodyPr/>
+                    <a:lstStyle/>
+                    <a:p>
+                      <a:pPr marL="0" marR="0" algn="l">
+                        <a:spcBef>
+                          <a:spcPts val="0"/>
+                        </a:spcBef>
+                        <a:spcAft>
+                          <a:spcPts val="0"/>
+                        </a:spcAft>
+                      </a:pPr>
+                      <a:r>
+                        <a:rPr lang="en-US" sz="1200">
+                          <a:effectLst/>
+                          <a:latin typeface="Calibri" panose="020F0502020204030204" pitchFamily="34" charset="0"/>
+                          <a:ea typeface="SimSun" panose="02010600030101010101" pitchFamily="2" charset="-122"/>
+                          <a:cs typeface="Times New Roman" panose="02020603050405020304" pitchFamily="18" charset="0"/>
+                        </a:rPr>
+                        <a:t> </a:t>
+                      </a:r>
+                    </a:p>
+                  </a:txBody>
+                  <a:tcPr marL="68580" marR="68580" marT="0" marB="0">
+                    <a:lnL w="12700" cap="flat" cmpd="sng" algn="ctr">
+                      <a:solidFill>
+                        <a:srgbClr val="000000"/>
+                      </a:solidFill>
+                      <a:prstDash val="solid"/>
+                      <a:round/>
+                      <a:headEnd type="none" w="med" len="med"/>
+                      <a:tailEnd type="none" w="med" len="med"/>
+                    </a:lnL>
+                    <a:lnR w="12700" cap="flat" cmpd="sng" algn="ctr">
+                      <a:solidFill>
+                        <a:srgbClr val="000000"/>
+                      </a:solidFill>
+                      <a:prstDash val="solid"/>
+                      <a:round/>
+                      <a:headEnd type="none" w="med" len="med"/>
+                      <a:tailEnd type="none" w="med" len="med"/>
+                    </a:lnR>
+                    <a:lnT w="12700" cap="flat" cmpd="sng" algn="ctr">
+                      <a:solidFill>
+                        <a:srgbClr val="000000"/>
+                      </a:solidFill>
+                      <a:prstDash val="solid"/>
+                      <a:round/>
+                      <a:headEnd type="none" w="med" len="med"/>
+                      <a:tailEnd type="none" w="med" len="med"/>
+                    </a:lnT>
+                    <a:lnB w="12700" cap="flat" cmpd="sng" algn="ctr">
+                      <a:solidFill>
+                        <a:srgbClr val="000000"/>
+                      </a:solidFill>
+                      <a:prstDash val="solid"/>
+                      <a:round/>
+                      <a:headEnd type="none" w="med" len="med"/>
+                      <a:tailEnd type="none" w="med" len="med"/>
+                    </a:lnB>
+                  </a:tcPr>
+                </a:tc>
+                <a:tc>
+                  <a:txBody>
+                    <a:bodyPr/>
+                    <a:lstStyle/>
+                    <a:p>
+                      <a:pPr marL="0" marR="0" algn="l">
+                        <a:spcBef>
+                          <a:spcPts val="0"/>
+                        </a:spcBef>
+                        <a:spcAft>
+                          <a:spcPts val="0"/>
+                        </a:spcAft>
+                      </a:pPr>
+                      <a:r>
+                        <a:rPr lang="en-US" sz="1200">
+                          <a:effectLst/>
+                          <a:latin typeface="Calibri" panose="020F0502020204030204" pitchFamily="34" charset="0"/>
+                          <a:ea typeface="SimSun" panose="02010600030101010101" pitchFamily="2" charset="-122"/>
+                          <a:cs typeface="Times New Roman" panose="02020603050405020304" pitchFamily="18" charset="0"/>
+                        </a:rPr>
+                        <a:t> </a:t>
+                      </a:r>
+                    </a:p>
+                  </a:txBody>
+                  <a:tcPr marL="68580" marR="68580" marT="0" marB="0">
+                    <a:lnL w="12700" cap="flat" cmpd="sng" algn="ctr">
+                      <a:solidFill>
+                        <a:srgbClr val="000000"/>
+                      </a:solidFill>
+                      <a:prstDash val="solid"/>
+                      <a:round/>
+                      <a:headEnd type="none" w="med" len="med"/>
+                      <a:tailEnd type="none" w="med" len="med"/>
+                    </a:lnL>
+                    <a:lnR w="12700" cap="flat" cmpd="sng" algn="ctr">
+                      <a:solidFill>
+                        <a:srgbClr val="000000"/>
+                      </a:solidFill>
+                      <a:prstDash val="solid"/>
+                      <a:round/>
+                      <a:headEnd type="none" w="med" len="med"/>
+                      <a:tailEnd type="none" w="med" len="med"/>
+                    </a:lnR>
+                    <a:lnT w="12700" cap="flat" cmpd="sng" algn="ctr">
+                      <a:solidFill>
+                        <a:srgbClr val="000000"/>
+                      </a:solidFill>
+                      <a:prstDash val="solid"/>
+                      <a:round/>
+                      <a:headEnd type="none" w="med" len="med"/>
+                      <a:tailEnd type="none" w="med" len="med"/>
+                    </a:lnT>
+                    <a:lnB w="12700" cap="flat" cmpd="sng" algn="ctr">
+                      <a:solidFill>
+                        <a:srgbClr val="000000"/>
+                      </a:solidFill>
+                      <a:prstDash val="solid"/>
+                      <a:round/>
+                      <a:headEnd type="none" w="med" len="med"/>
+                      <a:tailEnd type="none" w="med" len="med"/>
+                    </a:lnB>
+                  </a:tcPr>
+                </a:tc>
+                <a:tc>
+                  <a:txBody>
+                    <a:bodyPr/>
+                    <a:lstStyle/>
+                    <a:p>
+                      <a:pPr marL="0" marR="0" algn="l">
+                        <a:spcBef>
+                          <a:spcPts val="0"/>
+                        </a:spcBef>
+                        <a:spcAft>
+                          <a:spcPts val="0"/>
+                        </a:spcAft>
+                      </a:pPr>
+                      <a:r>
+                        <a:rPr lang="en-US" sz="1200" dirty="0">
+                          <a:effectLst/>
+                          <a:latin typeface="Calibri" panose="020F0502020204030204" pitchFamily="34" charset="0"/>
+                          <a:ea typeface="SimSun" panose="02010600030101010101" pitchFamily="2" charset="-122"/>
+                          <a:cs typeface="Times New Roman" panose="02020603050405020304" pitchFamily="18" charset="0"/>
+                        </a:rPr>
+                        <a:t> </a:t>
+                      </a:r>
+                    </a:p>
+                  </a:txBody>
+                  <a:tcPr marL="68580" marR="68580" marT="0" marB="0">
+                    <a:lnL w="12700" cap="flat" cmpd="sng" algn="ctr">
+                      <a:solidFill>
+                        <a:srgbClr val="000000"/>
+                      </a:solidFill>
+                      <a:prstDash val="solid"/>
+                      <a:round/>
+                      <a:headEnd type="none" w="med" len="med"/>
+                      <a:tailEnd type="none" w="med" len="med"/>
+                    </a:lnL>
+                    <a:lnR w="12700" cap="flat" cmpd="sng" algn="ctr">
+                      <a:solidFill>
+                        <a:srgbClr val="000000"/>
+                      </a:solidFill>
+                      <a:prstDash val="solid"/>
+                      <a:round/>
+                      <a:headEnd type="none" w="med" len="med"/>
+                      <a:tailEnd type="none" w="med" len="med"/>
+                    </a:lnR>
+                    <a:lnT w="12700" cap="flat" cmpd="sng" algn="ctr">
+                      <a:solidFill>
+                        <a:srgbClr val="000000"/>
+                      </a:solidFill>
+                      <a:prstDash val="solid"/>
+                      <a:round/>
+                      <a:headEnd type="none" w="med" len="med"/>
+                      <a:tailEnd type="none" w="med" len="med"/>
+                    </a:lnT>
+                    <a:lnB w="12700" cap="flat" cmpd="sng" algn="ctr">
+                      <a:solidFill>
+                        <a:srgbClr val="000000"/>
+                      </a:solidFill>
+                      <a:prstDash val="solid"/>
+                      <a:round/>
+                      <a:headEnd type="none" w="med" len="med"/>
+                      <a:tailEnd type="none" w="med" len="med"/>
+                    </a:lnB>
+                  </a:tcPr>
+                </a:tc>
+                <a:extLst>
+                  <a:ext uri="{0D108BD9-81ED-4DB2-BD59-A6C34878D82A}">
+                    <a16:rowId xmlns:a16="http://schemas.microsoft.com/office/drawing/2014/main" val="2380474100"/>
+                  </a:ext>
+                </a:extLst>
+              </a:tr>
+              <a:tr h="263530">
+                <a:tc>
+                  <a:txBody>
+                    <a:bodyPr/>
+                    <a:lstStyle/>
+                    <a:p>
+                      <a:pPr marL="0" marR="0" algn="l">
+                        <a:spcBef>
+                          <a:spcPts val="0"/>
+                        </a:spcBef>
+                        <a:spcAft>
+                          <a:spcPts val="0"/>
+                        </a:spcAft>
+                      </a:pPr>
+                      <a:r>
+                        <a:rPr lang="en-US" sz="1200" dirty="0">
+                          <a:effectLst/>
+                          <a:latin typeface="Calibri" panose="020F0502020204030204" pitchFamily="34" charset="0"/>
+                          <a:ea typeface="SimSun" panose="02010600030101010101" pitchFamily="2" charset="-122"/>
+                          <a:cs typeface="Times New Roman" panose="02020603050405020304" pitchFamily="18" charset="0"/>
+                        </a:rPr>
+                        <a:t> </a:t>
+                      </a:r>
+                    </a:p>
+                  </a:txBody>
+                  <a:tcPr marL="68580" marR="68580" marT="0" marB="0">
+                    <a:lnL w="12700" cap="flat" cmpd="sng" algn="ctr">
+                      <a:solidFill>
+                        <a:srgbClr val="000000"/>
+                      </a:solidFill>
+                      <a:prstDash val="solid"/>
+                      <a:round/>
+                      <a:headEnd type="none" w="med" len="med"/>
+                      <a:tailEnd type="none" w="med" len="med"/>
+                    </a:lnL>
+                    <a:lnR w="12700" cap="flat" cmpd="sng" algn="ctr">
+                      <a:solidFill>
+                        <a:srgbClr val="000000"/>
+                      </a:solidFill>
+                      <a:prstDash val="solid"/>
+                      <a:round/>
+                      <a:headEnd type="none" w="med" len="med"/>
+                      <a:tailEnd type="none" w="med" len="med"/>
+                    </a:lnR>
+                    <a:lnT w="12700" cap="flat" cmpd="sng" algn="ctr">
+                      <a:solidFill>
+                        <a:srgbClr val="000000"/>
+                      </a:solidFill>
+                      <a:prstDash val="solid"/>
+                      <a:round/>
+                      <a:headEnd type="none" w="med" len="med"/>
+                      <a:tailEnd type="none" w="med" len="med"/>
+                    </a:lnT>
+                    <a:lnB w="12700" cap="flat" cmpd="sng" algn="ctr">
+                      <a:solidFill>
+                        <a:srgbClr val="000000"/>
+                      </a:solidFill>
+                      <a:prstDash val="solid"/>
+                      <a:round/>
+                      <a:headEnd type="none" w="med" len="med"/>
+                      <a:tailEnd type="none" w="med" len="med"/>
+                    </a:lnB>
+                    <a:solidFill>
+                      <a:schemeClr val="accent2"/>
+                    </a:solidFill>
+                  </a:tcPr>
+                </a:tc>
+                <a:tc>
+                  <a:txBody>
+                    <a:bodyPr/>
+                    <a:lstStyle/>
+                    <a:p>
+                      <a:pPr marL="0" marR="0" algn="l">
+                        <a:spcBef>
+                          <a:spcPts val="0"/>
+                        </a:spcBef>
+                        <a:spcAft>
+                          <a:spcPts val="0"/>
+                        </a:spcAft>
+                      </a:pPr>
+                      <a:r>
+                        <a:rPr lang="en-US" sz="1200" dirty="0">
+                          <a:effectLst/>
+                          <a:latin typeface="Calibri" panose="020F0502020204030204" pitchFamily="34" charset="0"/>
+                          <a:ea typeface="SimSun" panose="02010600030101010101" pitchFamily="2" charset="-122"/>
+                          <a:cs typeface="Times New Roman" panose="02020603050405020304" pitchFamily="18" charset="0"/>
+                        </a:rPr>
+                        <a:t> </a:t>
+                      </a:r>
+                    </a:p>
+                  </a:txBody>
+                  <a:tcPr marL="68580" marR="68580" marT="0" marB="0">
+                    <a:lnL w="12700" cap="flat" cmpd="sng" algn="ctr">
+                      <a:solidFill>
+                        <a:srgbClr val="000000"/>
+                      </a:solidFill>
+                      <a:prstDash val="solid"/>
+                      <a:round/>
+                      <a:headEnd type="none" w="med" len="med"/>
+                      <a:tailEnd type="none" w="med" len="med"/>
+                    </a:lnL>
+                    <a:lnR w="12700" cap="flat" cmpd="sng" algn="ctr">
+                      <a:solidFill>
+                        <a:srgbClr val="000000"/>
+                      </a:solidFill>
+                      <a:prstDash val="solid"/>
+                      <a:round/>
+                      <a:headEnd type="none" w="med" len="med"/>
+                      <a:tailEnd type="none" w="med" len="med"/>
+                    </a:lnR>
+                    <a:lnT w="12700" cap="flat" cmpd="sng" algn="ctr">
+                      <a:solidFill>
+                        <a:srgbClr val="000000"/>
+                      </a:solidFill>
+                      <a:prstDash val="solid"/>
+                      <a:round/>
+                      <a:headEnd type="none" w="med" len="med"/>
+                      <a:tailEnd type="none" w="med" len="med"/>
+                    </a:lnT>
+                    <a:lnB w="12700" cap="flat" cmpd="sng" algn="ctr">
+                      <a:solidFill>
+                        <a:srgbClr val="000000"/>
+                      </a:solidFill>
+                      <a:prstDash val="solid"/>
+                      <a:round/>
+                      <a:headEnd type="none" w="med" len="med"/>
+                      <a:tailEnd type="none" w="med" len="med"/>
+                    </a:lnB>
+                    <a:solidFill>
+                      <a:schemeClr val="accent2"/>
+                    </a:solidFill>
+                  </a:tcPr>
+                </a:tc>
+                <a:tc>
+                  <a:txBody>
+                    <a:bodyPr/>
+                    <a:lstStyle/>
+                    <a:p>
+                      <a:pPr marL="0" marR="0" algn="l">
+                        <a:spcBef>
+                          <a:spcPts val="0"/>
+                        </a:spcBef>
+                        <a:spcAft>
+                          <a:spcPts val="0"/>
+                        </a:spcAft>
+                      </a:pPr>
+                      <a:r>
+                        <a:rPr lang="en-US" sz="1200" dirty="0">
+                          <a:effectLst/>
+                          <a:latin typeface="Calibri" panose="020F0502020204030204" pitchFamily="34" charset="0"/>
+                          <a:ea typeface="SimSun" panose="02010600030101010101" pitchFamily="2" charset="-122"/>
+                          <a:cs typeface="Times New Roman" panose="02020603050405020304" pitchFamily="18" charset="0"/>
+                        </a:rPr>
+                        <a:t> </a:t>
+                      </a:r>
+                    </a:p>
+                  </a:txBody>
+                  <a:tcPr marL="68580" marR="68580" marT="0" marB="0">
+                    <a:lnL w="12700" cap="flat" cmpd="sng" algn="ctr">
+                      <a:solidFill>
+                        <a:srgbClr val="000000"/>
+                      </a:solidFill>
+                      <a:prstDash val="solid"/>
+                      <a:round/>
+                      <a:headEnd type="none" w="med" len="med"/>
+                      <a:tailEnd type="none" w="med" len="med"/>
+                    </a:lnL>
+                    <a:lnR w="12700" cap="flat" cmpd="sng" algn="ctr">
+                      <a:solidFill>
+                        <a:srgbClr val="000000"/>
+                      </a:solidFill>
+                      <a:prstDash val="solid"/>
+                      <a:round/>
+                      <a:headEnd type="none" w="med" len="med"/>
+                      <a:tailEnd type="none" w="med" len="med"/>
+                    </a:lnR>
+                    <a:lnT w="12700" cap="flat" cmpd="sng" algn="ctr">
+                      <a:solidFill>
+                        <a:srgbClr val="000000"/>
+                      </a:solidFill>
+                      <a:prstDash val="solid"/>
+                      <a:round/>
+                      <a:headEnd type="none" w="med" len="med"/>
+                      <a:tailEnd type="none" w="med" len="med"/>
+                    </a:lnT>
+                    <a:lnB w="12700" cap="flat" cmpd="sng" algn="ctr">
+                      <a:solidFill>
+                        <a:srgbClr val="000000"/>
+                      </a:solidFill>
+                      <a:prstDash val="solid"/>
+                      <a:round/>
+                      <a:headEnd type="none" w="med" len="med"/>
+                      <a:tailEnd type="none" w="med" len="med"/>
+                    </a:lnB>
+                  </a:tcPr>
+                </a:tc>
+                <a:tc>
+                  <a:txBody>
+                    <a:bodyPr/>
+                    <a:lstStyle/>
+                    <a:p>
+                      <a:pPr marL="0" marR="0" algn="l">
+                        <a:spcBef>
+                          <a:spcPts val="0"/>
+                        </a:spcBef>
+                        <a:spcAft>
+                          <a:spcPts val="0"/>
+                        </a:spcAft>
+                      </a:pPr>
+                      <a:r>
+                        <a:rPr lang="en-US" sz="1200">
+                          <a:effectLst/>
+                          <a:latin typeface="Calibri" panose="020F0502020204030204" pitchFamily="34" charset="0"/>
+                          <a:ea typeface="SimSun" panose="02010600030101010101" pitchFamily="2" charset="-122"/>
+                          <a:cs typeface="Times New Roman" panose="02020603050405020304" pitchFamily="18" charset="0"/>
+                        </a:rPr>
+                        <a:t> </a:t>
+                      </a:r>
+                      <a:endParaRPr lang="en-US" sz="1200" dirty="0">
+                        <a:effectLst/>
+                        <a:latin typeface="Calibri" panose="020F0502020204030204" pitchFamily="34" charset="0"/>
+                        <a:ea typeface="SimSun" panose="02010600030101010101" pitchFamily="2" charset="-122"/>
+                        <a:cs typeface="Times New Roman" panose="02020603050405020304" pitchFamily="18" charset="0"/>
+                      </a:endParaRPr>
+                    </a:p>
+                  </a:txBody>
+                  <a:tcPr marL="68580" marR="68580" marT="0" marB="0">
+                    <a:lnL w="12700" cap="flat" cmpd="sng" algn="ctr">
+                      <a:solidFill>
+                        <a:srgbClr val="000000"/>
+                      </a:solidFill>
+                      <a:prstDash val="solid"/>
+                      <a:round/>
+                      <a:headEnd type="none" w="med" len="med"/>
+                      <a:tailEnd type="none" w="med" len="med"/>
+                    </a:lnL>
+                    <a:lnR w="12700" cap="flat" cmpd="sng" algn="ctr">
+                      <a:solidFill>
+                        <a:srgbClr val="000000"/>
+                      </a:solidFill>
+                      <a:prstDash val="solid"/>
+                      <a:round/>
+                      <a:headEnd type="none" w="med" len="med"/>
+                      <a:tailEnd type="none" w="med" len="med"/>
+                    </a:lnR>
+                    <a:lnT w="12700" cap="flat" cmpd="sng" algn="ctr">
+                      <a:solidFill>
+                        <a:srgbClr val="000000"/>
+                      </a:solidFill>
+                      <a:prstDash val="solid"/>
+                      <a:round/>
+                      <a:headEnd type="none" w="med" len="med"/>
+                      <a:tailEnd type="none" w="med" len="med"/>
+                    </a:lnT>
+                    <a:lnB w="12700" cap="flat" cmpd="sng" algn="ctr">
+                      <a:solidFill>
+                        <a:srgbClr val="000000"/>
+                      </a:solidFill>
+                      <a:prstDash val="solid"/>
+                      <a:round/>
+                      <a:headEnd type="none" w="med" len="med"/>
+                      <a:tailEnd type="none" w="med" len="med"/>
+                    </a:lnB>
+                  </a:tcPr>
+                </a:tc>
+                <a:tc>
+                  <a:txBody>
+                    <a:bodyPr/>
+                    <a:lstStyle/>
+                    <a:p>
+                      <a:pPr marL="0" marR="0" algn="l">
+                        <a:spcBef>
+                          <a:spcPts val="0"/>
+                        </a:spcBef>
+                        <a:spcAft>
+                          <a:spcPts val="0"/>
+                        </a:spcAft>
+                      </a:pPr>
+                      <a:r>
+                        <a:rPr lang="en-US" sz="1200">
+                          <a:effectLst/>
+                          <a:latin typeface="Calibri" panose="020F0502020204030204" pitchFamily="34" charset="0"/>
+                          <a:ea typeface="SimSun" panose="02010600030101010101" pitchFamily="2" charset="-122"/>
+                          <a:cs typeface="Times New Roman" panose="02020603050405020304" pitchFamily="18" charset="0"/>
+                        </a:rPr>
+                        <a:t> </a:t>
+                      </a:r>
+                      <a:endParaRPr lang="en-US" sz="1200" dirty="0">
+                        <a:effectLst/>
+                        <a:latin typeface="Calibri" panose="020F0502020204030204" pitchFamily="34" charset="0"/>
+                        <a:ea typeface="SimSun" panose="02010600030101010101" pitchFamily="2" charset="-122"/>
+                        <a:cs typeface="Times New Roman" panose="02020603050405020304" pitchFamily="18" charset="0"/>
+                      </a:endParaRPr>
+                    </a:p>
+                  </a:txBody>
+                  <a:tcPr marL="68580" marR="68580" marT="0" marB="0">
+                    <a:lnL w="12700" cap="flat" cmpd="sng" algn="ctr">
+                      <a:solidFill>
+                        <a:srgbClr val="000000"/>
+                      </a:solidFill>
+                      <a:prstDash val="solid"/>
+                      <a:round/>
+                      <a:headEnd type="none" w="med" len="med"/>
+                      <a:tailEnd type="none" w="med" len="med"/>
+                    </a:lnL>
+                    <a:lnR w="12700" cap="flat" cmpd="sng" algn="ctr">
+                      <a:solidFill>
+                        <a:srgbClr val="000000"/>
+                      </a:solidFill>
+                      <a:prstDash val="solid"/>
+                      <a:round/>
+                      <a:headEnd type="none" w="med" len="med"/>
+                      <a:tailEnd type="none" w="med" len="med"/>
+                    </a:lnR>
+                    <a:lnT w="12700" cap="flat" cmpd="sng" algn="ctr">
+                      <a:solidFill>
+                        <a:srgbClr val="000000"/>
+                      </a:solidFill>
+                      <a:prstDash val="solid"/>
+                      <a:round/>
+                      <a:headEnd type="none" w="med" len="med"/>
+                      <a:tailEnd type="none" w="med" len="med"/>
+                    </a:lnT>
+                    <a:lnB w="12700" cap="flat" cmpd="sng" algn="ctr">
+                      <a:solidFill>
+                        <a:srgbClr val="000000"/>
+                      </a:solidFill>
+                      <a:prstDash val="solid"/>
+                      <a:round/>
+                      <a:headEnd type="none" w="med" len="med"/>
+                      <a:tailEnd type="none" w="med" len="med"/>
+                    </a:lnB>
+                  </a:tcPr>
+                </a:tc>
+                <a:tc>
+                  <a:txBody>
+                    <a:bodyPr/>
+                    <a:lstStyle/>
+                    <a:p>
+                      <a:pPr marL="0" marR="0" algn="l">
+                        <a:spcBef>
+                          <a:spcPts val="0"/>
+                        </a:spcBef>
+                        <a:spcAft>
+                          <a:spcPts val="0"/>
+                        </a:spcAft>
+                      </a:pPr>
+                      <a:r>
+                        <a:rPr lang="en-US" sz="1200">
+                          <a:effectLst/>
+                          <a:latin typeface="Calibri" panose="020F0502020204030204" pitchFamily="34" charset="0"/>
+                          <a:ea typeface="SimSun" panose="02010600030101010101" pitchFamily="2" charset="-122"/>
+                          <a:cs typeface="Times New Roman" panose="02020603050405020304" pitchFamily="18" charset="0"/>
+                        </a:rPr>
+                        <a:t> </a:t>
+                      </a:r>
+                    </a:p>
+                  </a:txBody>
+                  <a:tcPr marL="68580" marR="68580" marT="0" marB="0">
+                    <a:lnL w="12700" cap="flat" cmpd="sng" algn="ctr">
+                      <a:solidFill>
+                        <a:srgbClr val="000000"/>
+                      </a:solidFill>
+                      <a:prstDash val="solid"/>
+                      <a:round/>
+                      <a:headEnd type="none" w="med" len="med"/>
+                      <a:tailEnd type="none" w="med" len="med"/>
+                    </a:lnL>
+                    <a:lnR w="12700" cap="flat" cmpd="sng" algn="ctr">
+                      <a:solidFill>
+                        <a:srgbClr val="000000"/>
+                      </a:solidFill>
+                      <a:prstDash val="solid"/>
+                      <a:round/>
+                      <a:headEnd type="none" w="med" len="med"/>
+                      <a:tailEnd type="none" w="med" len="med"/>
+                    </a:lnR>
+                    <a:lnT w="12700" cap="flat" cmpd="sng" algn="ctr">
+                      <a:solidFill>
+                        <a:srgbClr val="000000"/>
+                      </a:solidFill>
+                      <a:prstDash val="solid"/>
+                      <a:round/>
+                      <a:headEnd type="none" w="med" len="med"/>
+                      <a:tailEnd type="none" w="med" len="med"/>
+                    </a:lnT>
+                    <a:lnB w="12700" cap="flat" cmpd="sng" algn="ctr">
+                      <a:solidFill>
+                        <a:srgbClr val="000000"/>
+                      </a:solidFill>
+                      <a:prstDash val="solid"/>
+                      <a:round/>
+                      <a:headEnd type="none" w="med" len="med"/>
+                      <a:tailEnd type="none" w="med" len="med"/>
+                    </a:lnB>
+                  </a:tcPr>
+                </a:tc>
+                <a:tc>
+                  <a:txBody>
+                    <a:bodyPr/>
+                    <a:lstStyle/>
+                    <a:p>
+                      <a:pPr marL="0" marR="0" algn="l">
+                        <a:spcBef>
+                          <a:spcPts val="0"/>
+                        </a:spcBef>
+                        <a:spcAft>
+                          <a:spcPts val="0"/>
+                        </a:spcAft>
+                      </a:pPr>
+                      <a:r>
+                        <a:rPr lang="en-US" sz="1200">
+                          <a:effectLst/>
+                          <a:latin typeface="Calibri" panose="020F0502020204030204" pitchFamily="34" charset="0"/>
+                          <a:ea typeface="SimSun" panose="02010600030101010101" pitchFamily="2" charset="-122"/>
+                          <a:cs typeface="Times New Roman" panose="02020603050405020304" pitchFamily="18" charset="0"/>
+                        </a:rPr>
+                        <a:t> </a:t>
+                      </a:r>
+                    </a:p>
+                  </a:txBody>
+                  <a:tcPr marL="68580" marR="68580" marT="0" marB="0">
+                    <a:lnL w="12700" cap="flat" cmpd="sng" algn="ctr">
+                      <a:solidFill>
+                        <a:srgbClr val="000000"/>
+                      </a:solidFill>
+                      <a:prstDash val="solid"/>
+                      <a:round/>
+                      <a:headEnd type="none" w="med" len="med"/>
+                      <a:tailEnd type="none" w="med" len="med"/>
+                    </a:lnL>
+                    <a:lnR w="12700" cap="flat" cmpd="sng" algn="ctr">
+                      <a:solidFill>
+                        <a:srgbClr val="000000"/>
+                      </a:solidFill>
+                      <a:prstDash val="solid"/>
+                      <a:round/>
+                      <a:headEnd type="none" w="med" len="med"/>
+                      <a:tailEnd type="none" w="med" len="med"/>
+                    </a:lnR>
+                    <a:lnT w="12700" cap="flat" cmpd="sng" algn="ctr">
+                      <a:solidFill>
+                        <a:srgbClr val="000000"/>
+                      </a:solidFill>
+                      <a:prstDash val="solid"/>
+                      <a:round/>
+                      <a:headEnd type="none" w="med" len="med"/>
+                      <a:tailEnd type="none" w="med" len="med"/>
+                    </a:lnT>
+                    <a:lnB w="12700" cap="flat" cmpd="sng" algn="ctr">
+                      <a:solidFill>
+                        <a:srgbClr val="000000"/>
+                      </a:solidFill>
+                      <a:prstDash val="solid"/>
+                      <a:round/>
+                      <a:headEnd type="none" w="med" len="med"/>
+                      <a:tailEnd type="none" w="med" len="med"/>
+                    </a:lnB>
+                  </a:tcPr>
+                </a:tc>
+                <a:tc>
+                  <a:txBody>
+                    <a:bodyPr/>
+                    <a:lstStyle/>
+                    <a:p>
+                      <a:pPr marL="0" marR="0" algn="l">
+                        <a:spcBef>
+                          <a:spcPts val="0"/>
+                        </a:spcBef>
+                        <a:spcAft>
+                          <a:spcPts val="0"/>
+                        </a:spcAft>
+                      </a:pPr>
+                      <a:r>
+                        <a:rPr lang="en-US" sz="1200">
+                          <a:effectLst/>
+                          <a:latin typeface="Calibri" panose="020F0502020204030204" pitchFamily="34" charset="0"/>
+                          <a:ea typeface="SimSun" panose="02010600030101010101" pitchFamily="2" charset="-122"/>
+                          <a:cs typeface="Times New Roman" panose="02020603050405020304" pitchFamily="18" charset="0"/>
+                        </a:rPr>
+                        <a:t> </a:t>
+                      </a:r>
+                    </a:p>
+                  </a:txBody>
+                  <a:tcPr marL="68580" marR="68580" marT="0" marB="0">
+                    <a:lnL w="12700" cap="flat" cmpd="sng" algn="ctr">
+                      <a:solidFill>
+                        <a:srgbClr val="000000"/>
+                      </a:solidFill>
+                      <a:prstDash val="solid"/>
+                      <a:round/>
+                      <a:headEnd type="none" w="med" len="med"/>
+                      <a:tailEnd type="none" w="med" len="med"/>
+                    </a:lnL>
+                    <a:lnR w="12700" cap="flat" cmpd="sng" algn="ctr">
+                      <a:solidFill>
+                        <a:srgbClr val="000000"/>
+                      </a:solidFill>
+                      <a:prstDash val="solid"/>
+                      <a:round/>
+                      <a:headEnd type="none" w="med" len="med"/>
+                      <a:tailEnd type="none" w="med" len="med"/>
+                    </a:lnR>
+                    <a:lnT w="12700" cap="flat" cmpd="sng" algn="ctr">
+                      <a:solidFill>
+                        <a:srgbClr val="000000"/>
+                      </a:solidFill>
+                      <a:prstDash val="solid"/>
+                      <a:round/>
+                      <a:headEnd type="none" w="med" len="med"/>
+                      <a:tailEnd type="none" w="med" len="med"/>
+                    </a:lnT>
+                    <a:lnB w="12700" cap="flat" cmpd="sng" algn="ctr">
+                      <a:solidFill>
+                        <a:srgbClr val="000000"/>
+                      </a:solidFill>
+                      <a:prstDash val="solid"/>
+                      <a:round/>
+                      <a:headEnd type="none" w="med" len="med"/>
+                      <a:tailEnd type="none" w="med" len="med"/>
+                    </a:lnB>
+                  </a:tcPr>
+                </a:tc>
+                <a:extLst>
+                  <a:ext uri="{0D108BD9-81ED-4DB2-BD59-A6C34878D82A}">
+                    <a16:rowId xmlns:a16="http://schemas.microsoft.com/office/drawing/2014/main" val="982750713"/>
+                  </a:ext>
+                </a:extLst>
+              </a:tr>
+              <a:tr h="263530">
+                <a:tc>
+                  <a:txBody>
+                    <a:bodyPr/>
+                    <a:lstStyle/>
+                    <a:p>
+                      <a:pPr marL="0" marR="0" algn="l">
+                        <a:spcBef>
+                          <a:spcPts val="0"/>
+                        </a:spcBef>
+                        <a:spcAft>
+                          <a:spcPts val="0"/>
+                        </a:spcAft>
+                      </a:pPr>
+                      <a:r>
+                        <a:rPr lang="en-US" sz="1200" dirty="0">
+                          <a:effectLst/>
+                          <a:latin typeface="Calibri" panose="020F0502020204030204" pitchFamily="34" charset="0"/>
+                          <a:ea typeface="SimSun" panose="02010600030101010101" pitchFamily="2" charset="-122"/>
+                          <a:cs typeface="Times New Roman" panose="02020603050405020304" pitchFamily="18" charset="0"/>
+                        </a:rPr>
+                        <a:t> </a:t>
+                      </a:r>
+                    </a:p>
+                  </a:txBody>
+                  <a:tcPr marL="68580" marR="68580" marT="0" marB="0">
+                    <a:lnL w="12700" cap="flat" cmpd="sng" algn="ctr">
+                      <a:solidFill>
+                        <a:srgbClr val="000000"/>
+                      </a:solidFill>
+                      <a:prstDash val="solid"/>
+                      <a:round/>
+                      <a:headEnd type="none" w="med" len="med"/>
+                      <a:tailEnd type="none" w="med" len="med"/>
+                    </a:lnL>
+                    <a:lnR w="12700" cap="flat" cmpd="sng" algn="ctr">
+                      <a:solidFill>
+                        <a:srgbClr val="000000"/>
+                      </a:solidFill>
+                      <a:prstDash val="solid"/>
+                      <a:round/>
+                      <a:headEnd type="none" w="med" len="med"/>
+                      <a:tailEnd type="none" w="med" len="med"/>
+                    </a:lnR>
+                    <a:lnT w="12700" cap="flat" cmpd="sng" algn="ctr">
+                      <a:solidFill>
+                        <a:srgbClr val="000000"/>
+                      </a:solidFill>
+                      <a:prstDash val="solid"/>
+                      <a:round/>
+                      <a:headEnd type="none" w="med" len="med"/>
+                      <a:tailEnd type="none" w="med" len="med"/>
+                    </a:lnT>
+                    <a:lnB w="12700" cap="flat" cmpd="sng" algn="ctr">
+                      <a:solidFill>
+                        <a:srgbClr val="000000"/>
+                      </a:solidFill>
+                      <a:prstDash val="solid"/>
+                      <a:round/>
+                      <a:headEnd type="none" w="med" len="med"/>
+                      <a:tailEnd type="none" w="med" len="med"/>
+                    </a:lnB>
+                    <a:solidFill>
+                      <a:schemeClr val="accent2"/>
+                    </a:solidFill>
+                  </a:tcPr>
+                </a:tc>
+                <a:tc>
+                  <a:txBody>
+                    <a:bodyPr/>
+                    <a:lstStyle/>
+                    <a:p>
+                      <a:pPr marL="0" marR="0" algn="l">
+                        <a:spcBef>
+                          <a:spcPts val="0"/>
+                        </a:spcBef>
+                        <a:spcAft>
+                          <a:spcPts val="0"/>
+                        </a:spcAft>
+                      </a:pPr>
+                      <a:r>
+                        <a:rPr lang="en-US" sz="1200" dirty="0">
+                          <a:effectLst/>
+                          <a:latin typeface="Calibri" panose="020F0502020204030204" pitchFamily="34" charset="0"/>
+                          <a:ea typeface="SimSun" panose="02010600030101010101" pitchFamily="2" charset="-122"/>
+                          <a:cs typeface="Times New Roman" panose="02020603050405020304" pitchFamily="18" charset="0"/>
+                        </a:rPr>
+                        <a:t> </a:t>
+                      </a:r>
+                    </a:p>
+                  </a:txBody>
+                  <a:tcPr marL="68580" marR="68580" marT="0" marB="0">
+                    <a:lnL w="12700" cap="flat" cmpd="sng" algn="ctr">
+                      <a:solidFill>
+                        <a:srgbClr val="000000"/>
+                      </a:solidFill>
+                      <a:prstDash val="solid"/>
+                      <a:round/>
+                      <a:headEnd type="none" w="med" len="med"/>
+                      <a:tailEnd type="none" w="med" len="med"/>
+                    </a:lnL>
+                    <a:lnR w="12700" cap="flat" cmpd="sng" algn="ctr">
+                      <a:solidFill>
+                        <a:srgbClr val="000000"/>
+                      </a:solidFill>
+                      <a:prstDash val="solid"/>
+                      <a:round/>
+                      <a:headEnd type="none" w="med" len="med"/>
+                      <a:tailEnd type="none" w="med" len="med"/>
+                    </a:lnR>
+                    <a:lnT w="12700" cap="flat" cmpd="sng" algn="ctr">
+                      <a:solidFill>
+                        <a:srgbClr val="000000"/>
+                      </a:solidFill>
+                      <a:prstDash val="solid"/>
+                      <a:round/>
+                      <a:headEnd type="none" w="med" len="med"/>
+                      <a:tailEnd type="none" w="med" len="med"/>
+                    </a:lnT>
+                    <a:lnB w="12700" cap="flat" cmpd="sng" algn="ctr">
+                      <a:solidFill>
+                        <a:srgbClr val="000000"/>
+                      </a:solidFill>
+                      <a:prstDash val="solid"/>
+                      <a:round/>
+                      <a:headEnd type="none" w="med" len="med"/>
+                      <a:tailEnd type="none" w="med" len="med"/>
+                    </a:lnB>
+                    <a:solidFill>
+                      <a:schemeClr val="accent2"/>
+                    </a:solidFill>
+                  </a:tcPr>
+                </a:tc>
+                <a:tc>
+                  <a:txBody>
+                    <a:bodyPr/>
+                    <a:lstStyle/>
+                    <a:p>
+                      <a:pPr marL="0" marR="0" algn="l">
+                        <a:spcBef>
+                          <a:spcPts val="0"/>
+                        </a:spcBef>
+                        <a:spcAft>
+                          <a:spcPts val="0"/>
+                        </a:spcAft>
+                      </a:pPr>
+                      <a:r>
+                        <a:rPr lang="en-US" sz="1200" dirty="0">
+                          <a:effectLst/>
+                          <a:latin typeface="Calibri" panose="020F0502020204030204" pitchFamily="34" charset="0"/>
+                          <a:ea typeface="SimSun" panose="02010600030101010101" pitchFamily="2" charset="-122"/>
+                          <a:cs typeface="Times New Roman" panose="02020603050405020304" pitchFamily="18" charset="0"/>
+                        </a:rPr>
+                        <a:t> </a:t>
+                      </a:r>
+                    </a:p>
+                  </a:txBody>
+                  <a:tcPr marL="68580" marR="68580" marT="0" marB="0">
+                    <a:lnL w="12700" cap="flat" cmpd="sng" algn="ctr">
+                      <a:solidFill>
+                        <a:srgbClr val="000000"/>
+                      </a:solidFill>
+                      <a:prstDash val="solid"/>
+                      <a:round/>
+                      <a:headEnd type="none" w="med" len="med"/>
+                      <a:tailEnd type="none" w="med" len="med"/>
+                    </a:lnL>
+                    <a:lnR w="12700" cap="flat" cmpd="sng" algn="ctr">
+                      <a:solidFill>
+                        <a:srgbClr val="000000"/>
+                      </a:solidFill>
+                      <a:prstDash val="solid"/>
+                      <a:round/>
+                      <a:headEnd type="none" w="med" len="med"/>
+                      <a:tailEnd type="none" w="med" len="med"/>
+                    </a:lnR>
+                    <a:lnT w="12700" cap="flat" cmpd="sng" algn="ctr">
+                      <a:solidFill>
+                        <a:srgbClr val="000000"/>
+                      </a:solidFill>
+                      <a:prstDash val="solid"/>
+                      <a:round/>
+                      <a:headEnd type="none" w="med" len="med"/>
+                      <a:tailEnd type="none" w="med" len="med"/>
+                    </a:lnT>
+                    <a:lnB w="12700" cap="flat" cmpd="sng" algn="ctr">
+                      <a:solidFill>
+                        <a:srgbClr val="000000"/>
+                      </a:solidFill>
+                      <a:prstDash val="solid"/>
+                      <a:round/>
+                      <a:headEnd type="none" w="med" len="med"/>
+                      <a:tailEnd type="none" w="med" len="med"/>
+                    </a:lnB>
+                    <a:solidFill>
+                      <a:schemeClr val="accent2"/>
+                    </a:solidFill>
+                  </a:tcPr>
+                </a:tc>
+                <a:tc>
+                  <a:txBody>
+                    <a:bodyPr/>
+                    <a:lstStyle/>
+                    <a:p>
+                      <a:pPr marL="0" marR="0" algn="l">
+                        <a:spcBef>
+                          <a:spcPts val="0"/>
+                        </a:spcBef>
+                        <a:spcAft>
+                          <a:spcPts val="0"/>
+                        </a:spcAft>
+                      </a:pPr>
+                      <a:r>
+                        <a:rPr lang="en-US" sz="1200" dirty="0">
+                          <a:effectLst/>
+                          <a:latin typeface="Calibri" panose="020F0502020204030204" pitchFamily="34" charset="0"/>
+                          <a:ea typeface="SimSun" panose="02010600030101010101" pitchFamily="2" charset="-122"/>
+                          <a:cs typeface="Times New Roman" panose="02020603050405020304" pitchFamily="18" charset="0"/>
+                        </a:rPr>
+                        <a:t> </a:t>
+                      </a:r>
+                    </a:p>
+                  </a:txBody>
+                  <a:tcPr marL="68580" marR="68580" marT="0" marB="0">
+                    <a:lnL w="12700" cap="flat" cmpd="sng" algn="ctr">
+                      <a:solidFill>
+                        <a:srgbClr val="000000"/>
+                      </a:solidFill>
+                      <a:prstDash val="solid"/>
+                      <a:round/>
+                      <a:headEnd type="none" w="med" len="med"/>
+                      <a:tailEnd type="none" w="med" len="med"/>
+                    </a:lnL>
+                    <a:lnR w="12700" cap="flat" cmpd="sng" algn="ctr">
+                      <a:solidFill>
+                        <a:srgbClr val="000000"/>
+                      </a:solidFill>
+                      <a:prstDash val="solid"/>
+                      <a:round/>
+                      <a:headEnd type="none" w="med" len="med"/>
+                      <a:tailEnd type="none" w="med" len="med"/>
+                    </a:lnR>
+                    <a:lnT w="12700" cap="flat" cmpd="sng" algn="ctr">
+                      <a:solidFill>
+                        <a:srgbClr val="000000"/>
+                      </a:solidFill>
+                      <a:prstDash val="solid"/>
+                      <a:round/>
+                      <a:headEnd type="none" w="med" len="med"/>
+                      <a:tailEnd type="none" w="med" len="med"/>
+                    </a:lnT>
+                    <a:lnB w="12700" cap="flat" cmpd="sng" algn="ctr">
+                      <a:solidFill>
+                        <a:srgbClr val="000000"/>
+                      </a:solidFill>
+                      <a:prstDash val="solid"/>
+                      <a:round/>
+                      <a:headEnd type="none" w="med" len="med"/>
+                      <a:tailEnd type="none" w="med" len="med"/>
+                    </a:lnB>
+                  </a:tcPr>
+                </a:tc>
+                <a:tc>
+                  <a:txBody>
+                    <a:bodyPr/>
+                    <a:lstStyle/>
+                    <a:p>
+                      <a:pPr marL="0" marR="0" algn="l">
+                        <a:spcBef>
+                          <a:spcPts val="0"/>
+                        </a:spcBef>
+                        <a:spcAft>
+                          <a:spcPts val="0"/>
+                        </a:spcAft>
+                      </a:pPr>
+                      <a:r>
+                        <a:rPr lang="en-US" sz="1200" dirty="0">
+                          <a:effectLst/>
+                          <a:latin typeface="Calibri" panose="020F0502020204030204" pitchFamily="34" charset="0"/>
+                          <a:ea typeface="SimSun" panose="02010600030101010101" pitchFamily="2" charset="-122"/>
+                          <a:cs typeface="Times New Roman" panose="02020603050405020304" pitchFamily="18" charset="0"/>
+                        </a:rPr>
+                        <a:t> </a:t>
+                      </a:r>
+                    </a:p>
+                  </a:txBody>
+                  <a:tcPr marL="68580" marR="68580" marT="0" marB="0">
+                    <a:lnL w="12700" cap="flat" cmpd="sng" algn="ctr">
+                      <a:solidFill>
+                        <a:srgbClr val="000000"/>
+                      </a:solidFill>
+                      <a:prstDash val="solid"/>
+                      <a:round/>
+                      <a:headEnd type="none" w="med" len="med"/>
+                      <a:tailEnd type="none" w="med" len="med"/>
+                    </a:lnL>
+                    <a:lnR w="12700" cap="flat" cmpd="sng" algn="ctr">
+                      <a:solidFill>
+                        <a:srgbClr val="000000"/>
+                      </a:solidFill>
+                      <a:prstDash val="solid"/>
+                      <a:round/>
+                      <a:headEnd type="none" w="med" len="med"/>
+                      <a:tailEnd type="none" w="med" len="med"/>
+                    </a:lnR>
+                    <a:lnT w="12700" cap="flat" cmpd="sng" algn="ctr">
+                      <a:solidFill>
+                        <a:srgbClr val="000000"/>
+                      </a:solidFill>
+                      <a:prstDash val="solid"/>
+                      <a:round/>
+                      <a:headEnd type="none" w="med" len="med"/>
+                      <a:tailEnd type="none" w="med" len="med"/>
+                    </a:lnT>
+                    <a:lnB w="12700" cap="flat" cmpd="sng" algn="ctr">
+                      <a:solidFill>
+                        <a:srgbClr val="000000"/>
+                      </a:solidFill>
+                      <a:prstDash val="solid"/>
+                      <a:round/>
+                      <a:headEnd type="none" w="med" len="med"/>
+                      <a:tailEnd type="none" w="med" len="med"/>
+                    </a:lnB>
+                  </a:tcPr>
+                </a:tc>
+                <a:tc>
+                  <a:txBody>
+                    <a:bodyPr/>
+                    <a:lstStyle/>
+                    <a:p>
+                      <a:pPr marL="0" marR="0" algn="l">
+                        <a:spcBef>
+                          <a:spcPts val="0"/>
+                        </a:spcBef>
+                        <a:spcAft>
+                          <a:spcPts val="0"/>
+                        </a:spcAft>
+                      </a:pPr>
+                      <a:r>
+                        <a:rPr lang="en-US" sz="1200">
+                          <a:effectLst/>
+                          <a:latin typeface="Calibri" panose="020F0502020204030204" pitchFamily="34" charset="0"/>
+                          <a:ea typeface="SimSun" panose="02010600030101010101" pitchFamily="2" charset="-122"/>
+                          <a:cs typeface="Times New Roman" panose="02020603050405020304" pitchFamily="18" charset="0"/>
+                        </a:rPr>
+                        <a:t> </a:t>
+                      </a:r>
+                    </a:p>
+                  </a:txBody>
+                  <a:tcPr marL="68580" marR="68580" marT="0" marB="0">
+                    <a:lnL w="12700" cap="flat" cmpd="sng" algn="ctr">
+                      <a:solidFill>
+                        <a:srgbClr val="000000"/>
+                      </a:solidFill>
+                      <a:prstDash val="solid"/>
+                      <a:round/>
+                      <a:headEnd type="none" w="med" len="med"/>
+                      <a:tailEnd type="none" w="med" len="med"/>
+                    </a:lnL>
+                    <a:lnR w="12700" cap="flat" cmpd="sng" algn="ctr">
+                      <a:solidFill>
+                        <a:srgbClr val="000000"/>
+                      </a:solidFill>
+                      <a:prstDash val="solid"/>
+                      <a:round/>
+                      <a:headEnd type="none" w="med" len="med"/>
+                      <a:tailEnd type="none" w="med" len="med"/>
+                    </a:lnR>
+                    <a:lnT w="12700" cap="flat" cmpd="sng" algn="ctr">
+                      <a:solidFill>
+                        <a:srgbClr val="000000"/>
+                      </a:solidFill>
+                      <a:prstDash val="solid"/>
+                      <a:round/>
+                      <a:headEnd type="none" w="med" len="med"/>
+                      <a:tailEnd type="none" w="med" len="med"/>
+                    </a:lnT>
+                    <a:lnB w="12700" cap="flat" cmpd="sng" algn="ctr">
+                      <a:solidFill>
+                        <a:srgbClr val="000000"/>
+                      </a:solidFill>
+                      <a:prstDash val="solid"/>
+                      <a:round/>
+                      <a:headEnd type="none" w="med" len="med"/>
+                      <a:tailEnd type="none" w="med" len="med"/>
+                    </a:lnB>
+                  </a:tcPr>
+                </a:tc>
+                <a:tc>
+                  <a:txBody>
+                    <a:bodyPr/>
+                    <a:lstStyle/>
+                    <a:p>
+                      <a:pPr marL="0" marR="0" algn="l">
+                        <a:spcBef>
+                          <a:spcPts val="0"/>
+                        </a:spcBef>
+                        <a:spcAft>
+                          <a:spcPts val="0"/>
+                        </a:spcAft>
+                      </a:pPr>
+                      <a:r>
+                        <a:rPr lang="en-US" sz="1200" dirty="0">
+                          <a:effectLst/>
+                          <a:latin typeface="Calibri" panose="020F0502020204030204" pitchFamily="34" charset="0"/>
+                          <a:ea typeface="SimSun" panose="02010600030101010101" pitchFamily="2" charset="-122"/>
+                          <a:cs typeface="Times New Roman" panose="02020603050405020304" pitchFamily="18" charset="0"/>
+                        </a:rPr>
+                        <a:t> </a:t>
+                      </a:r>
+                    </a:p>
+                  </a:txBody>
+                  <a:tcPr marL="68580" marR="68580" marT="0" marB="0">
+                    <a:lnL w="12700" cap="flat" cmpd="sng" algn="ctr">
+                      <a:solidFill>
+                        <a:srgbClr val="000000"/>
+                      </a:solidFill>
+                      <a:prstDash val="solid"/>
+                      <a:round/>
+                      <a:headEnd type="none" w="med" len="med"/>
+                      <a:tailEnd type="none" w="med" len="med"/>
+                    </a:lnL>
+                    <a:lnR w="12700" cap="flat" cmpd="sng" algn="ctr">
+                      <a:solidFill>
+                        <a:srgbClr val="000000"/>
+                      </a:solidFill>
+                      <a:prstDash val="solid"/>
+                      <a:round/>
+                      <a:headEnd type="none" w="med" len="med"/>
+                      <a:tailEnd type="none" w="med" len="med"/>
+                    </a:lnR>
+                    <a:lnT w="12700" cap="flat" cmpd="sng" algn="ctr">
+                      <a:solidFill>
+                        <a:srgbClr val="000000"/>
+                      </a:solidFill>
+                      <a:prstDash val="solid"/>
+                      <a:round/>
+                      <a:headEnd type="none" w="med" len="med"/>
+                      <a:tailEnd type="none" w="med" len="med"/>
+                    </a:lnT>
+                    <a:lnB w="12700" cap="flat" cmpd="sng" algn="ctr">
+                      <a:solidFill>
+                        <a:srgbClr val="000000"/>
+                      </a:solidFill>
+                      <a:prstDash val="solid"/>
+                      <a:round/>
+                      <a:headEnd type="none" w="med" len="med"/>
+                      <a:tailEnd type="none" w="med" len="med"/>
+                    </a:lnB>
+                  </a:tcPr>
+                </a:tc>
+                <a:tc>
+                  <a:txBody>
+                    <a:bodyPr/>
+                    <a:lstStyle/>
+                    <a:p>
+                      <a:pPr marL="0" marR="0" algn="l">
+                        <a:spcBef>
+                          <a:spcPts val="0"/>
+                        </a:spcBef>
+                        <a:spcAft>
+                          <a:spcPts val="0"/>
+                        </a:spcAft>
+                      </a:pPr>
+                      <a:r>
+                        <a:rPr lang="en-US" sz="1200">
+                          <a:effectLst/>
+                          <a:latin typeface="Calibri" panose="020F0502020204030204" pitchFamily="34" charset="0"/>
+                          <a:ea typeface="SimSun" panose="02010600030101010101" pitchFamily="2" charset="-122"/>
+                          <a:cs typeface="Times New Roman" panose="02020603050405020304" pitchFamily="18" charset="0"/>
+                        </a:rPr>
+                        <a:t> </a:t>
+                      </a:r>
+                    </a:p>
+                  </a:txBody>
+                  <a:tcPr marL="68580" marR="68580" marT="0" marB="0">
+                    <a:lnL w="12700" cap="flat" cmpd="sng" algn="ctr">
+                      <a:solidFill>
+                        <a:srgbClr val="000000"/>
+                      </a:solidFill>
+                      <a:prstDash val="solid"/>
+                      <a:round/>
+                      <a:headEnd type="none" w="med" len="med"/>
+                      <a:tailEnd type="none" w="med" len="med"/>
+                    </a:lnL>
+                    <a:lnR w="12700" cap="flat" cmpd="sng" algn="ctr">
+                      <a:solidFill>
+                        <a:srgbClr val="000000"/>
+                      </a:solidFill>
+                      <a:prstDash val="solid"/>
+                      <a:round/>
+                      <a:headEnd type="none" w="med" len="med"/>
+                      <a:tailEnd type="none" w="med" len="med"/>
+                    </a:lnR>
+                    <a:lnT w="12700" cap="flat" cmpd="sng" algn="ctr">
+                      <a:solidFill>
+                        <a:srgbClr val="000000"/>
+                      </a:solidFill>
+                      <a:prstDash val="solid"/>
+                      <a:round/>
+                      <a:headEnd type="none" w="med" len="med"/>
+                      <a:tailEnd type="none" w="med" len="med"/>
+                    </a:lnT>
+                    <a:lnB w="12700" cap="flat" cmpd="sng" algn="ctr">
+                      <a:solidFill>
+                        <a:srgbClr val="000000"/>
+                      </a:solidFill>
+                      <a:prstDash val="solid"/>
+                      <a:round/>
+                      <a:headEnd type="none" w="med" len="med"/>
+                      <a:tailEnd type="none" w="med" len="med"/>
+                    </a:lnB>
+                  </a:tcPr>
+                </a:tc>
+                <a:extLst>
+                  <a:ext uri="{0D108BD9-81ED-4DB2-BD59-A6C34878D82A}">
+                    <a16:rowId xmlns:a16="http://schemas.microsoft.com/office/drawing/2014/main" val="3523376213"/>
+                  </a:ext>
+                </a:extLst>
+              </a:tr>
+              <a:tr h="263530">
+                <a:tc>
+                  <a:txBody>
+                    <a:bodyPr/>
+                    <a:lstStyle/>
+                    <a:p>
+                      <a:pPr marL="0" marR="0" algn="l">
+                        <a:spcBef>
+                          <a:spcPts val="0"/>
+                        </a:spcBef>
+                        <a:spcAft>
+                          <a:spcPts val="0"/>
+                        </a:spcAft>
+                      </a:pPr>
+                      <a:r>
+                        <a:rPr lang="en-US" sz="1200" dirty="0">
+                          <a:effectLst/>
+                          <a:latin typeface="Calibri" panose="020F0502020204030204" pitchFamily="34" charset="0"/>
+                          <a:ea typeface="SimSun" panose="02010600030101010101" pitchFamily="2" charset="-122"/>
+                          <a:cs typeface="Times New Roman" panose="02020603050405020304" pitchFamily="18" charset="0"/>
+                        </a:rPr>
+                        <a:t> </a:t>
+                      </a:r>
+                    </a:p>
+                  </a:txBody>
+                  <a:tcPr marL="68580" marR="68580" marT="0" marB="0">
+                    <a:lnL w="12700" cap="flat" cmpd="sng" algn="ctr">
+                      <a:solidFill>
+                        <a:srgbClr val="000000"/>
+                      </a:solidFill>
+                      <a:prstDash val="solid"/>
+                      <a:round/>
+                      <a:headEnd type="none" w="med" len="med"/>
+                      <a:tailEnd type="none" w="med" len="med"/>
+                    </a:lnL>
+                    <a:lnR w="12700" cap="flat" cmpd="sng" algn="ctr">
+                      <a:solidFill>
+                        <a:srgbClr val="000000"/>
+                      </a:solidFill>
+                      <a:prstDash val="solid"/>
+                      <a:round/>
+                      <a:headEnd type="none" w="med" len="med"/>
+                      <a:tailEnd type="none" w="med" len="med"/>
+                    </a:lnR>
+                    <a:lnT w="12700" cap="flat" cmpd="sng" algn="ctr">
+                      <a:solidFill>
+                        <a:srgbClr val="000000"/>
+                      </a:solidFill>
+                      <a:prstDash val="solid"/>
+                      <a:round/>
+                      <a:headEnd type="none" w="med" len="med"/>
+                      <a:tailEnd type="none" w="med" len="med"/>
+                    </a:lnT>
+                    <a:lnB w="12700" cap="flat" cmpd="sng" algn="ctr">
+                      <a:solidFill>
+                        <a:srgbClr val="000000"/>
+                      </a:solidFill>
+                      <a:prstDash val="solid"/>
+                      <a:round/>
+                      <a:headEnd type="none" w="med" len="med"/>
+                      <a:tailEnd type="none" w="med" len="med"/>
+                    </a:lnB>
+                    <a:solidFill>
+                      <a:schemeClr val="accent2"/>
+                    </a:solidFill>
+                  </a:tcPr>
+                </a:tc>
+                <a:tc>
+                  <a:txBody>
+                    <a:bodyPr/>
+                    <a:lstStyle/>
+                    <a:p>
+                      <a:pPr marL="0" marR="0" algn="l">
+                        <a:spcBef>
+                          <a:spcPts val="0"/>
+                        </a:spcBef>
+                        <a:spcAft>
+                          <a:spcPts val="0"/>
+                        </a:spcAft>
+                      </a:pPr>
+                      <a:r>
+                        <a:rPr lang="en-US" sz="1200" dirty="0">
+                          <a:effectLst/>
+                          <a:latin typeface="Calibri" panose="020F0502020204030204" pitchFamily="34" charset="0"/>
+                          <a:ea typeface="SimSun" panose="02010600030101010101" pitchFamily="2" charset="-122"/>
+                          <a:cs typeface="Times New Roman" panose="02020603050405020304" pitchFamily="18" charset="0"/>
+                        </a:rPr>
+                        <a:t> </a:t>
+                      </a:r>
+                    </a:p>
+                  </a:txBody>
+                  <a:tcPr marL="68580" marR="68580" marT="0" marB="0">
+                    <a:lnL w="12700" cap="flat" cmpd="sng" algn="ctr">
+                      <a:solidFill>
+                        <a:srgbClr val="000000"/>
+                      </a:solidFill>
+                      <a:prstDash val="solid"/>
+                      <a:round/>
+                      <a:headEnd type="none" w="med" len="med"/>
+                      <a:tailEnd type="none" w="med" len="med"/>
+                    </a:lnL>
+                    <a:lnR w="12700" cap="flat" cmpd="sng" algn="ctr">
+                      <a:solidFill>
+                        <a:srgbClr val="000000"/>
+                      </a:solidFill>
+                      <a:prstDash val="solid"/>
+                      <a:round/>
+                      <a:headEnd type="none" w="med" len="med"/>
+                      <a:tailEnd type="none" w="med" len="med"/>
+                    </a:lnR>
+                    <a:lnT w="12700" cap="flat" cmpd="sng" algn="ctr">
+                      <a:solidFill>
+                        <a:srgbClr val="000000"/>
+                      </a:solidFill>
+                      <a:prstDash val="solid"/>
+                      <a:round/>
+                      <a:headEnd type="none" w="med" len="med"/>
+                      <a:tailEnd type="none" w="med" len="med"/>
+                    </a:lnT>
+                    <a:lnB w="12700" cap="flat" cmpd="sng" algn="ctr">
+                      <a:solidFill>
+                        <a:srgbClr val="000000"/>
+                      </a:solidFill>
+                      <a:prstDash val="solid"/>
+                      <a:round/>
+                      <a:headEnd type="none" w="med" len="med"/>
+                      <a:tailEnd type="none" w="med" len="med"/>
+                    </a:lnB>
+                    <a:solidFill>
+                      <a:schemeClr val="accent2"/>
+                    </a:solidFill>
+                  </a:tcPr>
+                </a:tc>
+                <a:tc>
+                  <a:txBody>
+                    <a:bodyPr/>
+                    <a:lstStyle/>
+                    <a:p>
+                      <a:pPr marL="0" marR="0" algn="l">
+                        <a:spcBef>
+                          <a:spcPts val="0"/>
+                        </a:spcBef>
+                        <a:spcAft>
+                          <a:spcPts val="0"/>
+                        </a:spcAft>
+                      </a:pPr>
+                      <a:r>
+                        <a:rPr lang="en-US" sz="1200" dirty="0">
+                          <a:effectLst/>
+                          <a:latin typeface="Calibri" panose="020F0502020204030204" pitchFamily="34" charset="0"/>
+                          <a:ea typeface="SimSun" panose="02010600030101010101" pitchFamily="2" charset="-122"/>
+                          <a:cs typeface="Times New Roman" panose="02020603050405020304" pitchFamily="18" charset="0"/>
+                        </a:rPr>
+                        <a:t> </a:t>
+                      </a:r>
+                    </a:p>
+                  </a:txBody>
+                  <a:tcPr marL="68580" marR="68580" marT="0" marB="0">
+                    <a:lnL w="12700" cap="flat" cmpd="sng" algn="ctr">
+                      <a:solidFill>
+                        <a:srgbClr val="000000"/>
+                      </a:solidFill>
+                      <a:prstDash val="solid"/>
+                      <a:round/>
+                      <a:headEnd type="none" w="med" len="med"/>
+                      <a:tailEnd type="none" w="med" len="med"/>
+                    </a:lnL>
+                    <a:lnR w="12700" cap="flat" cmpd="sng" algn="ctr">
+                      <a:solidFill>
+                        <a:srgbClr val="000000"/>
+                      </a:solidFill>
+                      <a:prstDash val="solid"/>
+                      <a:round/>
+                      <a:headEnd type="none" w="med" len="med"/>
+                      <a:tailEnd type="none" w="med" len="med"/>
+                    </a:lnR>
+                    <a:lnT w="12700" cap="flat" cmpd="sng" algn="ctr">
+                      <a:solidFill>
+                        <a:srgbClr val="000000"/>
+                      </a:solidFill>
+                      <a:prstDash val="solid"/>
+                      <a:round/>
+                      <a:headEnd type="none" w="med" len="med"/>
+                      <a:tailEnd type="none" w="med" len="med"/>
+                    </a:lnT>
+                    <a:lnB w="12700" cap="flat" cmpd="sng" algn="ctr">
+                      <a:solidFill>
+                        <a:srgbClr val="000000"/>
+                      </a:solidFill>
+                      <a:prstDash val="solid"/>
+                      <a:round/>
+                      <a:headEnd type="none" w="med" len="med"/>
+                      <a:tailEnd type="none" w="med" len="med"/>
+                    </a:lnB>
+                    <a:solidFill>
+                      <a:schemeClr val="accent2"/>
+                    </a:solidFill>
+                  </a:tcPr>
+                </a:tc>
+                <a:tc>
+                  <a:txBody>
+                    <a:bodyPr/>
+                    <a:lstStyle/>
+                    <a:p>
+                      <a:pPr marL="0" marR="0" algn="l">
+                        <a:spcBef>
+                          <a:spcPts val="0"/>
+                        </a:spcBef>
+                        <a:spcAft>
+                          <a:spcPts val="0"/>
+                        </a:spcAft>
+                      </a:pPr>
+                      <a:r>
+                        <a:rPr lang="en-US" sz="1200" dirty="0">
+                          <a:effectLst/>
+                          <a:latin typeface="Calibri" panose="020F0502020204030204" pitchFamily="34" charset="0"/>
+                          <a:ea typeface="SimSun" panose="02010600030101010101" pitchFamily="2" charset="-122"/>
+                          <a:cs typeface="Times New Roman" panose="02020603050405020304" pitchFamily="18" charset="0"/>
+                        </a:rPr>
+                        <a:t> </a:t>
+                      </a:r>
+                    </a:p>
+                  </a:txBody>
+                  <a:tcPr marL="68580" marR="68580" marT="0" marB="0">
+                    <a:lnL w="12700" cap="flat" cmpd="sng" algn="ctr">
+                      <a:solidFill>
+                        <a:srgbClr val="000000"/>
+                      </a:solidFill>
+                      <a:prstDash val="solid"/>
+                      <a:round/>
+                      <a:headEnd type="none" w="med" len="med"/>
+                      <a:tailEnd type="none" w="med" len="med"/>
+                    </a:lnL>
+                    <a:lnR w="12700" cap="flat" cmpd="sng" algn="ctr">
+                      <a:solidFill>
+                        <a:srgbClr val="000000"/>
+                      </a:solidFill>
+                      <a:prstDash val="solid"/>
+                      <a:round/>
+                      <a:headEnd type="none" w="med" len="med"/>
+                      <a:tailEnd type="none" w="med" len="med"/>
+                    </a:lnR>
+                    <a:lnT w="12700" cap="flat" cmpd="sng" algn="ctr">
+                      <a:solidFill>
+                        <a:srgbClr val="000000"/>
+                      </a:solidFill>
+                      <a:prstDash val="solid"/>
+                      <a:round/>
+                      <a:headEnd type="none" w="med" len="med"/>
+                      <a:tailEnd type="none" w="med" len="med"/>
+                    </a:lnT>
+                    <a:lnB w="12700" cap="flat" cmpd="sng" algn="ctr">
+                      <a:solidFill>
+                        <a:srgbClr val="000000"/>
+                      </a:solidFill>
+                      <a:prstDash val="solid"/>
+                      <a:round/>
+                      <a:headEnd type="none" w="med" len="med"/>
+                      <a:tailEnd type="none" w="med" len="med"/>
+                    </a:lnB>
+                    <a:solidFill>
+                      <a:schemeClr val="accent2"/>
+                    </a:solidFill>
+                  </a:tcPr>
+                </a:tc>
+                <a:tc>
+                  <a:txBody>
+                    <a:bodyPr/>
+                    <a:lstStyle/>
+                    <a:p>
+                      <a:pPr marL="0" marR="0" algn="l">
+                        <a:spcBef>
+                          <a:spcPts val="0"/>
+                        </a:spcBef>
+                        <a:spcAft>
+                          <a:spcPts val="0"/>
+                        </a:spcAft>
+                      </a:pPr>
+                      <a:r>
+                        <a:rPr lang="en-US" sz="1200" dirty="0">
+                          <a:effectLst/>
+                          <a:latin typeface="Calibri" panose="020F0502020204030204" pitchFamily="34" charset="0"/>
+                          <a:ea typeface="SimSun" panose="02010600030101010101" pitchFamily="2" charset="-122"/>
+                          <a:cs typeface="Times New Roman" panose="02020603050405020304" pitchFamily="18" charset="0"/>
+                        </a:rPr>
+                        <a:t> </a:t>
+                      </a:r>
+                    </a:p>
+                  </a:txBody>
+                  <a:tcPr marL="68580" marR="68580" marT="0" marB="0">
+                    <a:lnL w="12700" cap="flat" cmpd="sng" algn="ctr">
+                      <a:solidFill>
+                        <a:srgbClr val="000000"/>
+                      </a:solidFill>
+                      <a:prstDash val="solid"/>
+                      <a:round/>
+                      <a:headEnd type="none" w="med" len="med"/>
+                      <a:tailEnd type="none" w="med" len="med"/>
+                    </a:lnL>
+                    <a:lnR w="12700" cap="flat" cmpd="sng" algn="ctr">
+                      <a:solidFill>
+                        <a:srgbClr val="000000"/>
+                      </a:solidFill>
+                      <a:prstDash val="solid"/>
+                      <a:round/>
+                      <a:headEnd type="none" w="med" len="med"/>
+                      <a:tailEnd type="none" w="med" len="med"/>
+                    </a:lnR>
+                    <a:lnT w="12700" cap="flat" cmpd="sng" algn="ctr">
+                      <a:solidFill>
+                        <a:srgbClr val="000000"/>
+                      </a:solidFill>
+                      <a:prstDash val="solid"/>
+                      <a:round/>
+                      <a:headEnd type="none" w="med" len="med"/>
+                      <a:tailEnd type="none" w="med" len="med"/>
+                    </a:lnT>
+                    <a:lnB w="12700" cap="flat" cmpd="sng" algn="ctr">
+                      <a:solidFill>
+                        <a:srgbClr val="000000"/>
+                      </a:solidFill>
+                      <a:prstDash val="solid"/>
+                      <a:round/>
+                      <a:headEnd type="none" w="med" len="med"/>
+                      <a:tailEnd type="none" w="med" len="med"/>
+                    </a:lnB>
+                  </a:tcPr>
+                </a:tc>
+                <a:tc>
+                  <a:txBody>
+                    <a:bodyPr/>
+                    <a:lstStyle/>
+                    <a:p>
+                      <a:pPr marL="0" marR="0" algn="l">
+                        <a:spcBef>
+                          <a:spcPts val="0"/>
+                        </a:spcBef>
+                        <a:spcAft>
+                          <a:spcPts val="0"/>
+                        </a:spcAft>
+                      </a:pPr>
+                      <a:r>
+                        <a:rPr lang="en-US" sz="1200">
+                          <a:effectLst/>
+                          <a:latin typeface="Calibri" panose="020F0502020204030204" pitchFamily="34" charset="0"/>
+                          <a:ea typeface="SimSun" panose="02010600030101010101" pitchFamily="2" charset="-122"/>
+                          <a:cs typeface="Times New Roman" panose="02020603050405020304" pitchFamily="18" charset="0"/>
+                        </a:rPr>
+                        <a:t> </a:t>
+                      </a:r>
+                      <a:endParaRPr lang="en-US" sz="1200" dirty="0">
+                        <a:effectLst/>
+                        <a:latin typeface="Calibri" panose="020F0502020204030204" pitchFamily="34" charset="0"/>
+                        <a:ea typeface="SimSun" panose="02010600030101010101" pitchFamily="2" charset="-122"/>
+                        <a:cs typeface="Times New Roman" panose="02020603050405020304" pitchFamily="18" charset="0"/>
+                      </a:endParaRPr>
+                    </a:p>
+                  </a:txBody>
+                  <a:tcPr marL="68580" marR="68580" marT="0" marB="0">
+                    <a:lnL w="12700" cap="flat" cmpd="sng" algn="ctr">
+                      <a:solidFill>
+                        <a:srgbClr val="000000"/>
+                      </a:solidFill>
+                      <a:prstDash val="solid"/>
+                      <a:round/>
+                      <a:headEnd type="none" w="med" len="med"/>
+                      <a:tailEnd type="none" w="med" len="med"/>
+                    </a:lnL>
+                    <a:lnR w="12700" cap="flat" cmpd="sng" algn="ctr">
+                      <a:solidFill>
+                        <a:srgbClr val="000000"/>
+                      </a:solidFill>
+                      <a:prstDash val="solid"/>
+                      <a:round/>
+                      <a:headEnd type="none" w="med" len="med"/>
+                      <a:tailEnd type="none" w="med" len="med"/>
+                    </a:lnR>
+                    <a:lnT w="12700" cap="flat" cmpd="sng" algn="ctr">
+                      <a:solidFill>
+                        <a:srgbClr val="000000"/>
+                      </a:solidFill>
+                      <a:prstDash val="solid"/>
+                      <a:round/>
+                      <a:headEnd type="none" w="med" len="med"/>
+                      <a:tailEnd type="none" w="med" len="med"/>
+                    </a:lnT>
+                    <a:lnB w="12700" cap="flat" cmpd="sng" algn="ctr">
+                      <a:solidFill>
+                        <a:srgbClr val="000000"/>
+                      </a:solidFill>
+                      <a:prstDash val="solid"/>
+                      <a:round/>
+                      <a:headEnd type="none" w="med" len="med"/>
+                      <a:tailEnd type="none" w="med" len="med"/>
+                    </a:lnB>
+                  </a:tcPr>
+                </a:tc>
+                <a:tc>
+                  <a:txBody>
+                    <a:bodyPr/>
+                    <a:lstStyle/>
+                    <a:p>
+                      <a:pPr marL="0" marR="0" algn="l">
+                        <a:spcBef>
+                          <a:spcPts val="0"/>
+                        </a:spcBef>
+                        <a:spcAft>
+                          <a:spcPts val="0"/>
+                        </a:spcAft>
+                      </a:pPr>
+                      <a:r>
+                        <a:rPr lang="en-US" sz="1200">
+                          <a:effectLst/>
+                          <a:latin typeface="Calibri" panose="020F0502020204030204" pitchFamily="34" charset="0"/>
+                          <a:ea typeface="SimSun" panose="02010600030101010101" pitchFamily="2" charset="-122"/>
+                          <a:cs typeface="Times New Roman" panose="02020603050405020304" pitchFamily="18" charset="0"/>
+                        </a:rPr>
+                        <a:t> </a:t>
+                      </a:r>
+                      <a:endParaRPr lang="en-US" sz="1200" dirty="0">
+                        <a:effectLst/>
+                        <a:latin typeface="Calibri" panose="020F0502020204030204" pitchFamily="34" charset="0"/>
+                        <a:ea typeface="SimSun" panose="02010600030101010101" pitchFamily="2" charset="-122"/>
+                        <a:cs typeface="Times New Roman" panose="02020603050405020304" pitchFamily="18" charset="0"/>
+                      </a:endParaRPr>
+                    </a:p>
+                  </a:txBody>
+                  <a:tcPr marL="68580" marR="68580" marT="0" marB="0">
+                    <a:lnL w="12700" cap="flat" cmpd="sng" algn="ctr">
+                      <a:solidFill>
+                        <a:srgbClr val="000000"/>
+                      </a:solidFill>
+                      <a:prstDash val="solid"/>
+                      <a:round/>
+                      <a:headEnd type="none" w="med" len="med"/>
+                      <a:tailEnd type="none" w="med" len="med"/>
+                    </a:lnL>
+                    <a:lnR w="12700" cap="flat" cmpd="sng" algn="ctr">
+                      <a:solidFill>
+                        <a:srgbClr val="000000"/>
+                      </a:solidFill>
+                      <a:prstDash val="solid"/>
+                      <a:round/>
+                      <a:headEnd type="none" w="med" len="med"/>
+                      <a:tailEnd type="none" w="med" len="med"/>
+                    </a:lnR>
+                    <a:lnT w="12700" cap="flat" cmpd="sng" algn="ctr">
+                      <a:solidFill>
+                        <a:srgbClr val="000000"/>
+                      </a:solidFill>
+                      <a:prstDash val="solid"/>
+                      <a:round/>
+                      <a:headEnd type="none" w="med" len="med"/>
+                      <a:tailEnd type="none" w="med" len="med"/>
+                    </a:lnT>
+                    <a:lnB w="12700" cap="flat" cmpd="sng" algn="ctr">
+                      <a:solidFill>
+                        <a:srgbClr val="000000"/>
+                      </a:solidFill>
+                      <a:prstDash val="solid"/>
+                      <a:round/>
+                      <a:headEnd type="none" w="med" len="med"/>
+                      <a:tailEnd type="none" w="med" len="med"/>
+                    </a:lnB>
+                  </a:tcPr>
+                </a:tc>
+                <a:tc>
+                  <a:txBody>
+                    <a:bodyPr/>
+                    <a:lstStyle/>
+                    <a:p>
+                      <a:pPr marL="0" marR="0" algn="l">
+                        <a:spcBef>
+                          <a:spcPts val="0"/>
+                        </a:spcBef>
+                        <a:spcAft>
+                          <a:spcPts val="0"/>
+                        </a:spcAft>
+                      </a:pPr>
+                      <a:r>
+                        <a:rPr lang="en-US" sz="1200">
+                          <a:effectLst/>
+                          <a:latin typeface="Calibri" panose="020F0502020204030204" pitchFamily="34" charset="0"/>
+                          <a:ea typeface="SimSun" panose="02010600030101010101" pitchFamily="2" charset="-122"/>
+                          <a:cs typeface="Times New Roman" panose="02020603050405020304" pitchFamily="18" charset="0"/>
+                        </a:rPr>
+                        <a:t> </a:t>
+                      </a:r>
+                    </a:p>
+                  </a:txBody>
+                  <a:tcPr marL="68580" marR="68580" marT="0" marB="0">
+                    <a:lnL w="12700" cap="flat" cmpd="sng" algn="ctr">
+                      <a:solidFill>
+                        <a:srgbClr val="000000"/>
+                      </a:solidFill>
+                      <a:prstDash val="solid"/>
+                      <a:round/>
+                      <a:headEnd type="none" w="med" len="med"/>
+                      <a:tailEnd type="none" w="med" len="med"/>
+                    </a:lnL>
+                    <a:lnR w="12700" cap="flat" cmpd="sng" algn="ctr">
+                      <a:solidFill>
+                        <a:srgbClr val="000000"/>
+                      </a:solidFill>
+                      <a:prstDash val="solid"/>
+                      <a:round/>
+                      <a:headEnd type="none" w="med" len="med"/>
+                      <a:tailEnd type="none" w="med" len="med"/>
+                    </a:lnR>
+                    <a:lnT w="12700" cap="flat" cmpd="sng" algn="ctr">
+                      <a:solidFill>
+                        <a:srgbClr val="000000"/>
+                      </a:solidFill>
+                      <a:prstDash val="solid"/>
+                      <a:round/>
+                      <a:headEnd type="none" w="med" len="med"/>
+                      <a:tailEnd type="none" w="med" len="med"/>
+                    </a:lnT>
+                    <a:lnB w="12700" cap="flat" cmpd="sng" algn="ctr">
+                      <a:solidFill>
+                        <a:srgbClr val="000000"/>
+                      </a:solidFill>
+                      <a:prstDash val="solid"/>
+                      <a:round/>
+                      <a:headEnd type="none" w="med" len="med"/>
+                      <a:tailEnd type="none" w="med" len="med"/>
+                    </a:lnB>
+                  </a:tcPr>
+                </a:tc>
+                <a:extLst>
+                  <a:ext uri="{0D108BD9-81ED-4DB2-BD59-A6C34878D82A}">
+                    <a16:rowId xmlns:a16="http://schemas.microsoft.com/office/drawing/2014/main" val="3418350714"/>
+                  </a:ext>
+                </a:extLst>
+              </a:tr>
+              <a:tr h="263530">
+                <a:tc>
+                  <a:txBody>
+                    <a:bodyPr/>
+                    <a:lstStyle/>
+                    <a:p>
+                      <a:pPr marL="0" marR="0" algn="l">
+                        <a:spcBef>
+                          <a:spcPts val="0"/>
+                        </a:spcBef>
+                        <a:spcAft>
+                          <a:spcPts val="0"/>
+                        </a:spcAft>
+                      </a:pPr>
+                      <a:r>
+                        <a:rPr lang="en-US" sz="1200" dirty="0">
+                          <a:effectLst/>
+                          <a:latin typeface="Calibri" panose="020F0502020204030204" pitchFamily="34" charset="0"/>
+                          <a:ea typeface="SimSun" panose="02010600030101010101" pitchFamily="2" charset="-122"/>
+                          <a:cs typeface="Times New Roman" panose="02020603050405020304" pitchFamily="18" charset="0"/>
+                        </a:rPr>
+                        <a:t> </a:t>
+                      </a:r>
+                    </a:p>
+                  </a:txBody>
+                  <a:tcPr marL="68580" marR="68580" marT="0" marB="0">
+                    <a:lnL w="12700" cap="flat" cmpd="sng" algn="ctr">
+                      <a:solidFill>
+                        <a:srgbClr val="000000"/>
+                      </a:solidFill>
+                      <a:prstDash val="solid"/>
+                      <a:round/>
+                      <a:headEnd type="none" w="med" len="med"/>
+                      <a:tailEnd type="none" w="med" len="med"/>
+                    </a:lnL>
+                    <a:lnR w="12700" cap="flat" cmpd="sng" algn="ctr">
+                      <a:solidFill>
+                        <a:srgbClr val="000000"/>
+                      </a:solidFill>
+                      <a:prstDash val="solid"/>
+                      <a:round/>
+                      <a:headEnd type="none" w="med" len="med"/>
+                      <a:tailEnd type="none" w="med" len="med"/>
+                    </a:lnR>
+                    <a:lnT w="12700" cap="flat" cmpd="sng" algn="ctr">
+                      <a:solidFill>
+                        <a:srgbClr val="000000"/>
+                      </a:solidFill>
+                      <a:prstDash val="solid"/>
+                      <a:round/>
+                      <a:headEnd type="none" w="med" len="med"/>
+                      <a:tailEnd type="none" w="med" len="med"/>
+                    </a:lnT>
+                    <a:lnB w="12700" cap="flat" cmpd="sng" algn="ctr">
+                      <a:solidFill>
+                        <a:srgbClr val="000000"/>
+                      </a:solidFill>
+                      <a:prstDash val="solid"/>
+                      <a:round/>
+                      <a:headEnd type="none" w="med" len="med"/>
+                      <a:tailEnd type="none" w="med" len="med"/>
+                    </a:lnB>
+                    <a:solidFill>
+                      <a:schemeClr val="accent2"/>
+                    </a:solidFill>
+                  </a:tcPr>
+                </a:tc>
+                <a:tc>
+                  <a:txBody>
+                    <a:bodyPr/>
+                    <a:lstStyle/>
+                    <a:p>
+                      <a:pPr marL="0" marR="0" algn="l">
+                        <a:spcBef>
+                          <a:spcPts val="0"/>
+                        </a:spcBef>
+                        <a:spcAft>
+                          <a:spcPts val="0"/>
+                        </a:spcAft>
+                      </a:pPr>
+                      <a:r>
+                        <a:rPr lang="en-US" sz="1200" dirty="0">
+                          <a:effectLst/>
+                          <a:latin typeface="Calibri" panose="020F0502020204030204" pitchFamily="34" charset="0"/>
+                          <a:ea typeface="SimSun" panose="02010600030101010101" pitchFamily="2" charset="-122"/>
+                          <a:cs typeface="Times New Roman" panose="02020603050405020304" pitchFamily="18" charset="0"/>
+                        </a:rPr>
+                        <a:t> </a:t>
+                      </a:r>
+                    </a:p>
+                  </a:txBody>
+                  <a:tcPr marL="68580" marR="68580" marT="0" marB="0">
+                    <a:lnL w="12700" cap="flat" cmpd="sng" algn="ctr">
+                      <a:solidFill>
+                        <a:srgbClr val="000000"/>
+                      </a:solidFill>
+                      <a:prstDash val="solid"/>
+                      <a:round/>
+                      <a:headEnd type="none" w="med" len="med"/>
+                      <a:tailEnd type="none" w="med" len="med"/>
+                    </a:lnL>
+                    <a:lnR w="12700" cap="flat" cmpd="sng" algn="ctr">
+                      <a:solidFill>
+                        <a:srgbClr val="000000"/>
+                      </a:solidFill>
+                      <a:prstDash val="solid"/>
+                      <a:round/>
+                      <a:headEnd type="none" w="med" len="med"/>
+                      <a:tailEnd type="none" w="med" len="med"/>
+                    </a:lnR>
+                    <a:lnT w="12700" cap="flat" cmpd="sng" algn="ctr">
+                      <a:solidFill>
+                        <a:srgbClr val="000000"/>
+                      </a:solidFill>
+                      <a:prstDash val="solid"/>
+                      <a:round/>
+                      <a:headEnd type="none" w="med" len="med"/>
+                      <a:tailEnd type="none" w="med" len="med"/>
+                    </a:lnT>
+                    <a:lnB w="12700" cap="flat" cmpd="sng" algn="ctr">
+                      <a:solidFill>
+                        <a:srgbClr val="000000"/>
+                      </a:solidFill>
+                      <a:prstDash val="solid"/>
+                      <a:round/>
+                      <a:headEnd type="none" w="med" len="med"/>
+                      <a:tailEnd type="none" w="med" len="med"/>
+                    </a:lnB>
+                    <a:solidFill>
+                      <a:schemeClr val="accent2"/>
+                    </a:solidFill>
+                  </a:tcPr>
+                </a:tc>
+                <a:tc>
+                  <a:txBody>
+                    <a:bodyPr/>
+                    <a:lstStyle/>
+                    <a:p>
+                      <a:pPr marL="0" marR="0" algn="l">
+                        <a:spcBef>
+                          <a:spcPts val="0"/>
+                        </a:spcBef>
+                        <a:spcAft>
+                          <a:spcPts val="0"/>
+                        </a:spcAft>
+                      </a:pPr>
+                      <a:r>
+                        <a:rPr lang="en-US" sz="1200" dirty="0">
+                          <a:effectLst/>
+                          <a:latin typeface="Calibri" panose="020F0502020204030204" pitchFamily="34" charset="0"/>
+                          <a:ea typeface="SimSun" panose="02010600030101010101" pitchFamily="2" charset="-122"/>
+                          <a:cs typeface="Times New Roman" panose="02020603050405020304" pitchFamily="18" charset="0"/>
+                        </a:rPr>
+                        <a:t> </a:t>
+                      </a:r>
+                    </a:p>
+                  </a:txBody>
+                  <a:tcPr marL="68580" marR="68580" marT="0" marB="0">
+                    <a:lnL w="12700" cap="flat" cmpd="sng" algn="ctr">
+                      <a:solidFill>
+                        <a:srgbClr val="000000"/>
+                      </a:solidFill>
+                      <a:prstDash val="solid"/>
+                      <a:round/>
+                      <a:headEnd type="none" w="med" len="med"/>
+                      <a:tailEnd type="none" w="med" len="med"/>
+                    </a:lnL>
+                    <a:lnR w="12700" cap="flat" cmpd="sng" algn="ctr">
+                      <a:solidFill>
+                        <a:srgbClr val="000000"/>
+                      </a:solidFill>
+                      <a:prstDash val="solid"/>
+                      <a:round/>
+                      <a:headEnd type="none" w="med" len="med"/>
+                      <a:tailEnd type="none" w="med" len="med"/>
+                    </a:lnR>
+                    <a:lnT w="12700" cap="flat" cmpd="sng" algn="ctr">
+                      <a:solidFill>
+                        <a:srgbClr val="000000"/>
+                      </a:solidFill>
+                      <a:prstDash val="solid"/>
+                      <a:round/>
+                      <a:headEnd type="none" w="med" len="med"/>
+                      <a:tailEnd type="none" w="med" len="med"/>
+                    </a:lnT>
+                    <a:lnB w="12700" cap="flat" cmpd="sng" algn="ctr">
+                      <a:solidFill>
+                        <a:srgbClr val="000000"/>
+                      </a:solidFill>
+                      <a:prstDash val="solid"/>
+                      <a:round/>
+                      <a:headEnd type="none" w="med" len="med"/>
+                      <a:tailEnd type="none" w="med" len="med"/>
+                    </a:lnB>
+                    <a:solidFill>
+                      <a:schemeClr val="accent2"/>
+                    </a:solidFill>
+                  </a:tcPr>
+                </a:tc>
+                <a:tc>
+                  <a:txBody>
+                    <a:bodyPr/>
+                    <a:lstStyle/>
+                    <a:p>
+                      <a:pPr marL="0" marR="0" algn="l">
+                        <a:spcBef>
+                          <a:spcPts val="0"/>
+                        </a:spcBef>
+                        <a:spcAft>
+                          <a:spcPts val="0"/>
+                        </a:spcAft>
+                      </a:pPr>
+                      <a:r>
+                        <a:rPr lang="en-US" sz="1200" dirty="0">
+                          <a:effectLst/>
+                          <a:latin typeface="Calibri" panose="020F0502020204030204" pitchFamily="34" charset="0"/>
+                          <a:ea typeface="SimSun" panose="02010600030101010101" pitchFamily="2" charset="-122"/>
+                          <a:cs typeface="Times New Roman" panose="02020603050405020304" pitchFamily="18" charset="0"/>
+                        </a:rPr>
+                        <a:t> </a:t>
+                      </a:r>
+                    </a:p>
+                  </a:txBody>
+                  <a:tcPr marL="68580" marR="68580" marT="0" marB="0">
+                    <a:lnL w="12700" cap="flat" cmpd="sng" algn="ctr">
+                      <a:solidFill>
+                        <a:srgbClr val="000000"/>
+                      </a:solidFill>
+                      <a:prstDash val="solid"/>
+                      <a:round/>
+                      <a:headEnd type="none" w="med" len="med"/>
+                      <a:tailEnd type="none" w="med" len="med"/>
+                    </a:lnL>
+                    <a:lnR w="12700" cap="flat" cmpd="sng" algn="ctr">
+                      <a:solidFill>
+                        <a:srgbClr val="000000"/>
+                      </a:solidFill>
+                      <a:prstDash val="solid"/>
+                      <a:round/>
+                      <a:headEnd type="none" w="med" len="med"/>
+                      <a:tailEnd type="none" w="med" len="med"/>
+                    </a:lnR>
+                    <a:lnT w="12700" cap="flat" cmpd="sng" algn="ctr">
+                      <a:solidFill>
+                        <a:srgbClr val="000000"/>
+                      </a:solidFill>
+                      <a:prstDash val="solid"/>
+                      <a:round/>
+                      <a:headEnd type="none" w="med" len="med"/>
+                      <a:tailEnd type="none" w="med" len="med"/>
+                    </a:lnT>
+                    <a:lnB w="12700" cap="flat" cmpd="sng" algn="ctr">
+                      <a:solidFill>
+                        <a:srgbClr val="000000"/>
+                      </a:solidFill>
+                      <a:prstDash val="solid"/>
+                      <a:round/>
+                      <a:headEnd type="none" w="med" len="med"/>
+                      <a:tailEnd type="none" w="med" len="med"/>
+                    </a:lnB>
+                    <a:solidFill>
+                      <a:schemeClr val="accent2"/>
+                    </a:solidFill>
+                  </a:tcPr>
+                </a:tc>
+                <a:tc>
+                  <a:txBody>
+                    <a:bodyPr/>
+                    <a:lstStyle/>
+                    <a:p>
+                      <a:pPr marL="0" marR="0" algn="l">
+                        <a:spcBef>
+                          <a:spcPts val="0"/>
+                        </a:spcBef>
+                        <a:spcAft>
+                          <a:spcPts val="0"/>
+                        </a:spcAft>
+                      </a:pPr>
+                      <a:r>
+                        <a:rPr lang="en-US" sz="1200" dirty="0">
+                          <a:effectLst/>
+                          <a:latin typeface="Calibri" panose="020F0502020204030204" pitchFamily="34" charset="0"/>
+                          <a:ea typeface="SimSun" panose="02010600030101010101" pitchFamily="2" charset="-122"/>
+                          <a:cs typeface="Times New Roman" panose="02020603050405020304" pitchFamily="18" charset="0"/>
+                        </a:rPr>
+                        <a:t> </a:t>
+                      </a:r>
+                    </a:p>
+                  </a:txBody>
+                  <a:tcPr marL="68580" marR="68580" marT="0" marB="0">
+                    <a:lnL w="12700" cap="flat" cmpd="sng" algn="ctr">
+                      <a:solidFill>
+                        <a:srgbClr val="000000"/>
+                      </a:solidFill>
+                      <a:prstDash val="solid"/>
+                      <a:round/>
+                      <a:headEnd type="none" w="med" len="med"/>
+                      <a:tailEnd type="none" w="med" len="med"/>
+                    </a:lnL>
+                    <a:lnR w="12700" cap="flat" cmpd="sng" algn="ctr">
+                      <a:solidFill>
+                        <a:srgbClr val="000000"/>
+                      </a:solidFill>
+                      <a:prstDash val="solid"/>
+                      <a:round/>
+                      <a:headEnd type="none" w="med" len="med"/>
+                      <a:tailEnd type="none" w="med" len="med"/>
+                    </a:lnR>
+                    <a:lnT w="12700" cap="flat" cmpd="sng" algn="ctr">
+                      <a:solidFill>
+                        <a:srgbClr val="000000"/>
+                      </a:solidFill>
+                      <a:prstDash val="solid"/>
+                      <a:round/>
+                      <a:headEnd type="none" w="med" len="med"/>
+                      <a:tailEnd type="none" w="med" len="med"/>
+                    </a:lnT>
+                    <a:lnB w="12700" cap="flat" cmpd="sng" algn="ctr">
+                      <a:solidFill>
+                        <a:srgbClr val="000000"/>
+                      </a:solidFill>
+                      <a:prstDash val="solid"/>
+                      <a:round/>
+                      <a:headEnd type="none" w="med" len="med"/>
+                      <a:tailEnd type="none" w="med" len="med"/>
+                    </a:lnB>
+                    <a:solidFill>
+                      <a:schemeClr val="accent2"/>
+                    </a:solidFill>
+                  </a:tcPr>
+                </a:tc>
+                <a:tc>
+                  <a:txBody>
+                    <a:bodyPr/>
+                    <a:lstStyle/>
+                    <a:p>
+                      <a:pPr marL="0" marR="0" algn="l">
+                        <a:spcBef>
+                          <a:spcPts val="0"/>
+                        </a:spcBef>
+                        <a:spcAft>
+                          <a:spcPts val="0"/>
+                        </a:spcAft>
+                      </a:pPr>
+                      <a:r>
+                        <a:rPr lang="en-US" sz="1200" dirty="0">
+                          <a:effectLst/>
+                          <a:latin typeface="Calibri" panose="020F0502020204030204" pitchFamily="34" charset="0"/>
+                          <a:ea typeface="SimSun" panose="02010600030101010101" pitchFamily="2" charset="-122"/>
+                          <a:cs typeface="Times New Roman" panose="02020603050405020304" pitchFamily="18" charset="0"/>
+                        </a:rPr>
+                        <a:t> </a:t>
+                      </a:r>
+                    </a:p>
+                  </a:txBody>
+                  <a:tcPr marL="68580" marR="68580" marT="0" marB="0">
+                    <a:lnL w="12700" cap="flat" cmpd="sng" algn="ctr">
+                      <a:solidFill>
+                        <a:srgbClr val="000000"/>
+                      </a:solidFill>
+                      <a:prstDash val="solid"/>
+                      <a:round/>
+                      <a:headEnd type="none" w="med" len="med"/>
+                      <a:tailEnd type="none" w="med" len="med"/>
+                    </a:lnL>
+                    <a:lnR w="12700" cap="flat" cmpd="sng" algn="ctr">
+                      <a:solidFill>
+                        <a:srgbClr val="000000"/>
+                      </a:solidFill>
+                      <a:prstDash val="solid"/>
+                      <a:round/>
+                      <a:headEnd type="none" w="med" len="med"/>
+                      <a:tailEnd type="none" w="med" len="med"/>
+                    </a:lnR>
+                    <a:lnT w="12700" cap="flat" cmpd="sng" algn="ctr">
+                      <a:solidFill>
+                        <a:srgbClr val="000000"/>
+                      </a:solidFill>
+                      <a:prstDash val="solid"/>
+                      <a:round/>
+                      <a:headEnd type="none" w="med" len="med"/>
+                      <a:tailEnd type="none" w="med" len="med"/>
+                    </a:lnT>
+                    <a:lnB w="12700" cap="flat" cmpd="sng" algn="ctr">
+                      <a:solidFill>
+                        <a:srgbClr val="000000"/>
+                      </a:solidFill>
+                      <a:prstDash val="solid"/>
+                      <a:round/>
+                      <a:headEnd type="none" w="med" len="med"/>
+                      <a:tailEnd type="none" w="med" len="med"/>
+                    </a:lnB>
+                  </a:tcPr>
+                </a:tc>
+                <a:tc>
+                  <a:txBody>
+                    <a:bodyPr/>
+                    <a:lstStyle/>
+                    <a:p>
+                      <a:pPr marL="0" marR="0" algn="l">
+                        <a:spcBef>
+                          <a:spcPts val="0"/>
+                        </a:spcBef>
+                        <a:spcAft>
+                          <a:spcPts val="0"/>
+                        </a:spcAft>
+                      </a:pPr>
+                      <a:r>
+                        <a:rPr lang="en-US" sz="1200">
+                          <a:effectLst/>
+                          <a:latin typeface="Calibri" panose="020F0502020204030204" pitchFamily="34" charset="0"/>
+                          <a:ea typeface="SimSun" panose="02010600030101010101" pitchFamily="2" charset="-122"/>
+                          <a:cs typeface="Times New Roman" panose="02020603050405020304" pitchFamily="18" charset="0"/>
+                        </a:rPr>
+                        <a:t> </a:t>
+                      </a:r>
+                      <a:endParaRPr lang="en-US" sz="1200" dirty="0">
+                        <a:effectLst/>
+                        <a:latin typeface="Calibri" panose="020F0502020204030204" pitchFamily="34" charset="0"/>
+                        <a:ea typeface="SimSun" panose="02010600030101010101" pitchFamily="2" charset="-122"/>
+                        <a:cs typeface="Times New Roman" panose="02020603050405020304" pitchFamily="18" charset="0"/>
+                      </a:endParaRPr>
+                    </a:p>
+                  </a:txBody>
+                  <a:tcPr marL="68580" marR="68580" marT="0" marB="0">
+                    <a:lnL w="12700" cap="flat" cmpd="sng" algn="ctr">
+                      <a:solidFill>
+                        <a:srgbClr val="000000"/>
+                      </a:solidFill>
+                      <a:prstDash val="solid"/>
+                      <a:round/>
+                      <a:headEnd type="none" w="med" len="med"/>
+                      <a:tailEnd type="none" w="med" len="med"/>
+                    </a:lnL>
+                    <a:lnR w="12700" cap="flat" cmpd="sng" algn="ctr">
+                      <a:solidFill>
+                        <a:srgbClr val="000000"/>
+                      </a:solidFill>
+                      <a:prstDash val="solid"/>
+                      <a:round/>
+                      <a:headEnd type="none" w="med" len="med"/>
+                      <a:tailEnd type="none" w="med" len="med"/>
+                    </a:lnR>
+                    <a:lnT w="12700" cap="flat" cmpd="sng" algn="ctr">
+                      <a:solidFill>
+                        <a:srgbClr val="000000"/>
+                      </a:solidFill>
+                      <a:prstDash val="solid"/>
+                      <a:round/>
+                      <a:headEnd type="none" w="med" len="med"/>
+                      <a:tailEnd type="none" w="med" len="med"/>
+                    </a:lnT>
+                    <a:lnB w="12700" cap="flat" cmpd="sng" algn="ctr">
+                      <a:solidFill>
+                        <a:srgbClr val="000000"/>
+                      </a:solidFill>
+                      <a:prstDash val="solid"/>
+                      <a:round/>
+                      <a:headEnd type="none" w="med" len="med"/>
+                      <a:tailEnd type="none" w="med" len="med"/>
+                    </a:lnB>
+                  </a:tcPr>
+                </a:tc>
+                <a:tc>
+                  <a:txBody>
+                    <a:bodyPr/>
+                    <a:lstStyle/>
+                    <a:p>
+                      <a:pPr marL="0" marR="0" algn="l">
+                        <a:spcBef>
+                          <a:spcPts val="0"/>
+                        </a:spcBef>
+                        <a:spcAft>
+                          <a:spcPts val="0"/>
+                        </a:spcAft>
+                      </a:pPr>
+                      <a:r>
+                        <a:rPr lang="en-US" sz="1200" dirty="0">
+                          <a:effectLst/>
+                          <a:latin typeface="Calibri" panose="020F0502020204030204" pitchFamily="34" charset="0"/>
+                          <a:ea typeface="SimSun" panose="02010600030101010101" pitchFamily="2" charset="-122"/>
+                          <a:cs typeface="Times New Roman" panose="02020603050405020304" pitchFamily="18" charset="0"/>
+                        </a:rPr>
+                        <a:t> </a:t>
+                      </a:r>
+                    </a:p>
+                  </a:txBody>
+                  <a:tcPr marL="68580" marR="68580" marT="0" marB="0">
+                    <a:lnL w="12700" cap="flat" cmpd="sng" algn="ctr">
+                      <a:solidFill>
+                        <a:srgbClr val="000000"/>
+                      </a:solidFill>
+                      <a:prstDash val="solid"/>
+                      <a:round/>
+                      <a:headEnd type="none" w="med" len="med"/>
+                      <a:tailEnd type="none" w="med" len="med"/>
+                    </a:lnL>
+                    <a:lnR w="12700" cap="flat" cmpd="sng" algn="ctr">
+                      <a:solidFill>
+                        <a:srgbClr val="000000"/>
+                      </a:solidFill>
+                      <a:prstDash val="solid"/>
+                      <a:round/>
+                      <a:headEnd type="none" w="med" len="med"/>
+                      <a:tailEnd type="none" w="med" len="med"/>
+                    </a:lnR>
+                    <a:lnT w="12700" cap="flat" cmpd="sng" algn="ctr">
+                      <a:solidFill>
+                        <a:srgbClr val="000000"/>
+                      </a:solidFill>
+                      <a:prstDash val="solid"/>
+                      <a:round/>
+                      <a:headEnd type="none" w="med" len="med"/>
+                      <a:tailEnd type="none" w="med" len="med"/>
+                    </a:lnT>
+                    <a:lnB w="12700" cap="flat" cmpd="sng" algn="ctr">
+                      <a:solidFill>
+                        <a:srgbClr val="000000"/>
+                      </a:solidFill>
+                      <a:prstDash val="solid"/>
+                      <a:round/>
+                      <a:headEnd type="none" w="med" len="med"/>
+                      <a:tailEnd type="none" w="med" len="med"/>
+                    </a:lnB>
+                  </a:tcPr>
+                </a:tc>
+                <a:extLst>
+                  <a:ext uri="{0D108BD9-81ED-4DB2-BD59-A6C34878D82A}">
+                    <a16:rowId xmlns:a16="http://schemas.microsoft.com/office/drawing/2014/main" val="2041937406"/>
+                  </a:ext>
+                </a:extLst>
+              </a:tr>
+              <a:tr h="263530">
+                <a:tc>
+                  <a:txBody>
+                    <a:bodyPr/>
+                    <a:lstStyle/>
+                    <a:p>
+                      <a:pPr marL="0" marR="0" algn="l">
+                        <a:spcBef>
+                          <a:spcPts val="0"/>
+                        </a:spcBef>
+                        <a:spcAft>
+                          <a:spcPts val="0"/>
+                        </a:spcAft>
+                      </a:pPr>
+                      <a:r>
+                        <a:rPr lang="en-US" sz="1200" dirty="0">
+                          <a:effectLst/>
+                          <a:latin typeface="Calibri" panose="020F0502020204030204" pitchFamily="34" charset="0"/>
+                          <a:ea typeface="SimSun" panose="02010600030101010101" pitchFamily="2" charset="-122"/>
+                          <a:cs typeface="Times New Roman" panose="02020603050405020304" pitchFamily="18" charset="0"/>
+                        </a:rPr>
+                        <a:t> </a:t>
+                      </a:r>
+                    </a:p>
+                  </a:txBody>
+                  <a:tcPr marL="68580" marR="68580" marT="0" marB="0">
+                    <a:lnL w="12700" cap="flat" cmpd="sng" algn="ctr">
+                      <a:solidFill>
+                        <a:srgbClr val="000000"/>
+                      </a:solidFill>
+                      <a:prstDash val="solid"/>
+                      <a:round/>
+                      <a:headEnd type="none" w="med" len="med"/>
+                      <a:tailEnd type="none" w="med" len="med"/>
+                    </a:lnL>
+                    <a:lnR w="12700" cap="flat" cmpd="sng" algn="ctr">
+                      <a:solidFill>
+                        <a:srgbClr val="000000"/>
+                      </a:solidFill>
+                      <a:prstDash val="solid"/>
+                      <a:round/>
+                      <a:headEnd type="none" w="med" len="med"/>
+                      <a:tailEnd type="none" w="med" len="med"/>
+                    </a:lnR>
+                    <a:lnT w="12700" cap="flat" cmpd="sng" algn="ctr">
+                      <a:solidFill>
+                        <a:srgbClr val="000000"/>
+                      </a:solidFill>
+                      <a:prstDash val="solid"/>
+                      <a:round/>
+                      <a:headEnd type="none" w="med" len="med"/>
+                      <a:tailEnd type="none" w="med" len="med"/>
+                    </a:lnT>
+                    <a:lnB w="12700" cap="flat" cmpd="sng" algn="ctr">
+                      <a:solidFill>
+                        <a:srgbClr val="000000"/>
+                      </a:solidFill>
+                      <a:prstDash val="solid"/>
+                      <a:round/>
+                      <a:headEnd type="none" w="med" len="med"/>
+                      <a:tailEnd type="none" w="med" len="med"/>
+                    </a:lnB>
+                    <a:solidFill>
+                      <a:schemeClr val="accent2"/>
+                    </a:solidFill>
+                  </a:tcPr>
+                </a:tc>
+                <a:tc>
+                  <a:txBody>
+                    <a:bodyPr/>
+                    <a:lstStyle/>
+                    <a:p>
+                      <a:pPr marL="0" marR="0" algn="l">
+                        <a:spcBef>
+                          <a:spcPts val="0"/>
+                        </a:spcBef>
+                        <a:spcAft>
+                          <a:spcPts val="0"/>
+                        </a:spcAft>
+                      </a:pPr>
+                      <a:r>
+                        <a:rPr lang="en-US" sz="1200" dirty="0">
+                          <a:effectLst/>
+                          <a:latin typeface="Calibri" panose="020F0502020204030204" pitchFamily="34" charset="0"/>
+                          <a:ea typeface="SimSun" panose="02010600030101010101" pitchFamily="2" charset="-122"/>
+                          <a:cs typeface="Times New Roman" panose="02020603050405020304" pitchFamily="18" charset="0"/>
+                        </a:rPr>
+                        <a:t> </a:t>
+                      </a:r>
+                    </a:p>
+                  </a:txBody>
+                  <a:tcPr marL="68580" marR="68580" marT="0" marB="0">
+                    <a:lnL w="12700" cap="flat" cmpd="sng" algn="ctr">
+                      <a:solidFill>
+                        <a:srgbClr val="000000"/>
+                      </a:solidFill>
+                      <a:prstDash val="solid"/>
+                      <a:round/>
+                      <a:headEnd type="none" w="med" len="med"/>
+                      <a:tailEnd type="none" w="med" len="med"/>
+                    </a:lnL>
+                    <a:lnR w="12700" cap="flat" cmpd="sng" algn="ctr">
+                      <a:solidFill>
+                        <a:srgbClr val="000000"/>
+                      </a:solidFill>
+                      <a:prstDash val="solid"/>
+                      <a:round/>
+                      <a:headEnd type="none" w="med" len="med"/>
+                      <a:tailEnd type="none" w="med" len="med"/>
+                    </a:lnR>
+                    <a:lnT w="12700" cap="flat" cmpd="sng" algn="ctr">
+                      <a:solidFill>
+                        <a:srgbClr val="000000"/>
+                      </a:solidFill>
+                      <a:prstDash val="solid"/>
+                      <a:round/>
+                      <a:headEnd type="none" w="med" len="med"/>
+                      <a:tailEnd type="none" w="med" len="med"/>
+                    </a:lnT>
+                    <a:lnB w="12700" cap="flat" cmpd="sng" algn="ctr">
+                      <a:solidFill>
+                        <a:srgbClr val="000000"/>
+                      </a:solidFill>
+                      <a:prstDash val="solid"/>
+                      <a:round/>
+                      <a:headEnd type="none" w="med" len="med"/>
+                      <a:tailEnd type="none" w="med" len="med"/>
+                    </a:lnB>
+                    <a:solidFill>
+                      <a:schemeClr val="accent2"/>
+                    </a:solidFill>
+                  </a:tcPr>
+                </a:tc>
+                <a:tc>
+                  <a:txBody>
+                    <a:bodyPr/>
+                    <a:lstStyle/>
+                    <a:p>
+                      <a:pPr marL="0" marR="0" algn="l">
+                        <a:spcBef>
+                          <a:spcPts val="0"/>
+                        </a:spcBef>
+                        <a:spcAft>
+                          <a:spcPts val="0"/>
+                        </a:spcAft>
+                      </a:pPr>
+                      <a:r>
+                        <a:rPr lang="en-US" sz="1200" dirty="0">
+                          <a:effectLst/>
+                          <a:latin typeface="Calibri" panose="020F0502020204030204" pitchFamily="34" charset="0"/>
+                          <a:ea typeface="SimSun" panose="02010600030101010101" pitchFamily="2" charset="-122"/>
+                          <a:cs typeface="Times New Roman" panose="02020603050405020304" pitchFamily="18" charset="0"/>
+                        </a:rPr>
+                        <a:t> </a:t>
+                      </a:r>
+                    </a:p>
+                  </a:txBody>
+                  <a:tcPr marL="68580" marR="68580" marT="0" marB="0">
+                    <a:lnL w="12700" cap="flat" cmpd="sng" algn="ctr">
+                      <a:solidFill>
+                        <a:srgbClr val="000000"/>
+                      </a:solidFill>
+                      <a:prstDash val="solid"/>
+                      <a:round/>
+                      <a:headEnd type="none" w="med" len="med"/>
+                      <a:tailEnd type="none" w="med" len="med"/>
+                    </a:lnL>
+                    <a:lnR w="12700" cap="flat" cmpd="sng" algn="ctr">
+                      <a:solidFill>
+                        <a:srgbClr val="000000"/>
+                      </a:solidFill>
+                      <a:prstDash val="solid"/>
+                      <a:round/>
+                      <a:headEnd type="none" w="med" len="med"/>
+                      <a:tailEnd type="none" w="med" len="med"/>
+                    </a:lnR>
+                    <a:lnT w="12700" cap="flat" cmpd="sng" algn="ctr">
+                      <a:solidFill>
+                        <a:srgbClr val="000000"/>
+                      </a:solidFill>
+                      <a:prstDash val="solid"/>
+                      <a:round/>
+                      <a:headEnd type="none" w="med" len="med"/>
+                      <a:tailEnd type="none" w="med" len="med"/>
+                    </a:lnT>
+                    <a:lnB w="12700" cap="flat" cmpd="sng" algn="ctr">
+                      <a:solidFill>
+                        <a:srgbClr val="000000"/>
+                      </a:solidFill>
+                      <a:prstDash val="solid"/>
+                      <a:round/>
+                      <a:headEnd type="none" w="med" len="med"/>
+                      <a:tailEnd type="none" w="med" len="med"/>
+                    </a:lnB>
+                    <a:solidFill>
+                      <a:schemeClr val="accent2"/>
+                    </a:solidFill>
+                  </a:tcPr>
+                </a:tc>
+                <a:tc>
+                  <a:txBody>
+                    <a:bodyPr/>
+                    <a:lstStyle/>
+                    <a:p>
+                      <a:pPr marL="0" marR="0" algn="l">
+                        <a:spcBef>
+                          <a:spcPts val="0"/>
+                        </a:spcBef>
+                        <a:spcAft>
+                          <a:spcPts val="0"/>
+                        </a:spcAft>
+                      </a:pPr>
+                      <a:r>
+                        <a:rPr lang="en-US" sz="1200" dirty="0">
+                          <a:effectLst/>
+                          <a:latin typeface="Calibri" panose="020F0502020204030204" pitchFamily="34" charset="0"/>
+                          <a:ea typeface="SimSun" panose="02010600030101010101" pitchFamily="2" charset="-122"/>
+                          <a:cs typeface="Times New Roman" panose="02020603050405020304" pitchFamily="18" charset="0"/>
+                        </a:rPr>
+                        <a:t> </a:t>
+                      </a:r>
+                    </a:p>
+                  </a:txBody>
+                  <a:tcPr marL="68580" marR="68580" marT="0" marB="0">
+                    <a:lnL w="12700" cap="flat" cmpd="sng" algn="ctr">
+                      <a:solidFill>
+                        <a:srgbClr val="000000"/>
+                      </a:solidFill>
+                      <a:prstDash val="solid"/>
+                      <a:round/>
+                      <a:headEnd type="none" w="med" len="med"/>
+                      <a:tailEnd type="none" w="med" len="med"/>
+                    </a:lnL>
+                    <a:lnR w="12700" cap="flat" cmpd="sng" algn="ctr">
+                      <a:solidFill>
+                        <a:srgbClr val="000000"/>
+                      </a:solidFill>
+                      <a:prstDash val="solid"/>
+                      <a:round/>
+                      <a:headEnd type="none" w="med" len="med"/>
+                      <a:tailEnd type="none" w="med" len="med"/>
+                    </a:lnR>
+                    <a:lnT w="12700" cap="flat" cmpd="sng" algn="ctr">
+                      <a:solidFill>
+                        <a:srgbClr val="000000"/>
+                      </a:solidFill>
+                      <a:prstDash val="solid"/>
+                      <a:round/>
+                      <a:headEnd type="none" w="med" len="med"/>
+                      <a:tailEnd type="none" w="med" len="med"/>
+                    </a:lnT>
+                    <a:lnB w="12700" cap="flat" cmpd="sng" algn="ctr">
+                      <a:solidFill>
+                        <a:srgbClr val="000000"/>
+                      </a:solidFill>
+                      <a:prstDash val="solid"/>
+                      <a:round/>
+                      <a:headEnd type="none" w="med" len="med"/>
+                      <a:tailEnd type="none" w="med" len="med"/>
+                    </a:lnB>
+                    <a:solidFill>
+                      <a:schemeClr val="accent2"/>
+                    </a:solidFill>
+                  </a:tcPr>
+                </a:tc>
+                <a:tc>
+                  <a:txBody>
+                    <a:bodyPr/>
+                    <a:lstStyle/>
+                    <a:p>
+                      <a:pPr marL="0" marR="0" algn="l">
+                        <a:spcBef>
+                          <a:spcPts val="0"/>
+                        </a:spcBef>
+                        <a:spcAft>
+                          <a:spcPts val="0"/>
+                        </a:spcAft>
+                      </a:pPr>
+                      <a:r>
+                        <a:rPr lang="en-US" sz="1200" dirty="0">
+                          <a:effectLst/>
+                          <a:latin typeface="Calibri" panose="020F0502020204030204" pitchFamily="34" charset="0"/>
+                          <a:ea typeface="SimSun" panose="02010600030101010101" pitchFamily="2" charset="-122"/>
+                          <a:cs typeface="Times New Roman" panose="02020603050405020304" pitchFamily="18" charset="0"/>
+                        </a:rPr>
+                        <a:t> </a:t>
+                      </a:r>
+                    </a:p>
+                  </a:txBody>
+                  <a:tcPr marL="68580" marR="68580" marT="0" marB="0">
+                    <a:lnL w="12700" cap="flat" cmpd="sng" algn="ctr">
+                      <a:solidFill>
+                        <a:srgbClr val="000000"/>
+                      </a:solidFill>
+                      <a:prstDash val="solid"/>
+                      <a:round/>
+                      <a:headEnd type="none" w="med" len="med"/>
+                      <a:tailEnd type="none" w="med" len="med"/>
+                    </a:lnL>
+                    <a:lnR w="12700" cap="flat" cmpd="sng" algn="ctr">
+                      <a:solidFill>
+                        <a:srgbClr val="000000"/>
+                      </a:solidFill>
+                      <a:prstDash val="solid"/>
+                      <a:round/>
+                      <a:headEnd type="none" w="med" len="med"/>
+                      <a:tailEnd type="none" w="med" len="med"/>
+                    </a:lnR>
+                    <a:lnT w="12700" cap="flat" cmpd="sng" algn="ctr">
+                      <a:solidFill>
+                        <a:srgbClr val="000000"/>
+                      </a:solidFill>
+                      <a:prstDash val="solid"/>
+                      <a:round/>
+                      <a:headEnd type="none" w="med" len="med"/>
+                      <a:tailEnd type="none" w="med" len="med"/>
+                    </a:lnT>
+                    <a:lnB w="12700" cap="flat" cmpd="sng" algn="ctr">
+                      <a:solidFill>
+                        <a:srgbClr val="000000"/>
+                      </a:solidFill>
+                      <a:prstDash val="solid"/>
+                      <a:round/>
+                      <a:headEnd type="none" w="med" len="med"/>
+                      <a:tailEnd type="none" w="med" len="med"/>
+                    </a:lnB>
+                    <a:solidFill>
+                      <a:schemeClr val="accent2"/>
+                    </a:solidFill>
+                  </a:tcPr>
+                </a:tc>
+                <a:tc>
+                  <a:txBody>
+                    <a:bodyPr/>
+                    <a:lstStyle/>
+                    <a:p>
+                      <a:pPr marL="0" marR="0" algn="l">
+                        <a:spcBef>
+                          <a:spcPts val="0"/>
+                        </a:spcBef>
+                        <a:spcAft>
+                          <a:spcPts val="0"/>
+                        </a:spcAft>
+                      </a:pPr>
+                      <a:r>
+                        <a:rPr lang="en-US" sz="1200" dirty="0">
+                          <a:effectLst/>
+                          <a:latin typeface="Calibri" panose="020F0502020204030204" pitchFamily="34" charset="0"/>
+                          <a:ea typeface="SimSun" panose="02010600030101010101" pitchFamily="2" charset="-122"/>
+                          <a:cs typeface="Times New Roman" panose="02020603050405020304" pitchFamily="18" charset="0"/>
+                        </a:rPr>
+                        <a:t> </a:t>
+                      </a:r>
+                    </a:p>
+                  </a:txBody>
+                  <a:tcPr marL="68580" marR="68580" marT="0" marB="0">
+                    <a:lnL w="12700" cap="flat" cmpd="sng" algn="ctr">
+                      <a:solidFill>
+                        <a:srgbClr val="000000"/>
+                      </a:solidFill>
+                      <a:prstDash val="solid"/>
+                      <a:round/>
+                      <a:headEnd type="none" w="med" len="med"/>
+                      <a:tailEnd type="none" w="med" len="med"/>
+                    </a:lnL>
+                    <a:lnR w="12700" cap="flat" cmpd="sng" algn="ctr">
+                      <a:solidFill>
+                        <a:srgbClr val="000000"/>
+                      </a:solidFill>
+                      <a:prstDash val="solid"/>
+                      <a:round/>
+                      <a:headEnd type="none" w="med" len="med"/>
+                      <a:tailEnd type="none" w="med" len="med"/>
+                    </a:lnR>
+                    <a:lnT w="12700" cap="flat" cmpd="sng" algn="ctr">
+                      <a:solidFill>
+                        <a:srgbClr val="000000"/>
+                      </a:solidFill>
+                      <a:prstDash val="solid"/>
+                      <a:round/>
+                      <a:headEnd type="none" w="med" len="med"/>
+                      <a:tailEnd type="none" w="med" len="med"/>
+                    </a:lnT>
+                    <a:lnB w="12700" cap="flat" cmpd="sng" algn="ctr">
+                      <a:solidFill>
+                        <a:srgbClr val="000000"/>
+                      </a:solidFill>
+                      <a:prstDash val="solid"/>
+                      <a:round/>
+                      <a:headEnd type="none" w="med" len="med"/>
+                      <a:tailEnd type="none" w="med" len="med"/>
+                    </a:lnB>
+                    <a:solidFill>
+                      <a:schemeClr val="accent2"/>
+                    </a:solidFill>
+                  </a:tcPr>
+                </a:tc>
+                <a:tc>
+                  <a:txBody>
+                    <a:bodyPr/>
+                    <a:lstStyle/>
+                    <a:p>
+                      <a:pPr marL="0" marR="0" algn="l">
+                        <a:spcBef>
+                          <a:spcPts val="0"/>
+                        </a:spcBef>
+                        <a:spcAft>
+                          <a:spcPts val="0"/>
+                        </a:spcAft>
+                      </a:pPr>
+                      <a:r>
+                        <a:rPr lang="en-US" sz="1200" dirty="0">
+                          <a:effectLst/>
+                          <a:latin typeface="Calibri" panose="020F0502020204030204" pitchFamily="34" charset="0"/>
+                          <a:ea typeface="SimSun" panose="02010600030101010101" pitchFamily="2" charset="-122"/>
+                          <a:cs typeface="Times New Roman" panose="02020603050405020304" pitchFamily="18" charset="0"/>
+                        </a:rPr>
+                        <a:t> </a:t>
+                      </a:r>
+                    </a:p>
+                  </a:txBody>
+                  <a:tcPr marL="68580" marR="68580" marT="0" marB="0">
+                    <a:lnL w="12700" cap="flat" cmpd="sng" algn="ctr">
+                      <a:solidFill>
+                        <a:srgbClr val="000000"/>
+                      </a:solidFill>
+                      <a:prstDash val="solid"/>
+                      <a:round/>
+                      <a:headEnd type="none" w="med" len="med"/>
+                      <a:tailEnd type="none" w="med" len="med"/>
+                    </a:lnL>
+                    <a:lnR w="12700" cap="flat" cmpd="sng" algn="ctr">
+                      <a:solidFill>
+                        <a:srgbClr val="000000"/>
+                      </a:solidFill>
+                      <a:prstDash val="solid"/>
+                      <a:round/>
+                      <a:headEnd type="none" w="med" len="med"/>
+                      <a:tailEnd type="none" w="med" len="med"/>
+                    </a:lnR>
+                    <a:lnT w="12700" cap="flat" cmpd="sng" algn="ctr">
+                      <a:solidFill>
+                        <a:srgbClr val="000000"/>
+                      </a:solidFill>
+                      <a:prstDash val="solid"/>
+                      <a:round/>
+                      <a:headEnd type="none" w="med" len="med"/>
+                      <a:tailEnd type="none" w="med" len="med"/>
+                    </a:lnT>
+                    <a:lnB w="12700" cap="flat" cmpd="sng" algn="ctr">
+                      <a:solidFill>
+                        <a:srgbClr val="000000"/>
+                      </a:solidFill>
+                      <a:prstDash val="solid"/>
+                      <a:round/>
+                      <a:headEnd type="none" w="med" len="med"/>
+                      <a:tailEnd type="none" w="med" len="med"/>
+                    </a:lnB>
+                  </a:tcPr>
+                </a:tc>
+                <a:tc>
+                  <a:txBody>
+                    <a:bodyPr/>
+                    <a:lstStyle/>
+                    <a:p>
+                      <a:pPr marL="0" marR="0" algn="l">
+                        <a:spcBef>
+                          <a:spcPts val="0"/>
+                        </a:spcBef>
+                        <a:spcAft>
+                          <a:spcPts val="0"/>
+                        </a:spcAft>
+                      </a:pPr>
+                      <a:r>
+                        <a:rPr lang="en-US" sz="1200">
+                          <a:effectLst/>
+                          <a:latin typeface="Calibri" panose="020F0502020204030204" pitchFamily="34" charset="0"/>
+                          <a:ea typeface="SimSun" panose="02010600030101010101" pitchFamily="2" charset="-122"/>
+                          <a:cs typeface="Times New Roman" panose="02020603050405020304" pitchFamily="18" charset="0"/>
+                        </a:rPr>
+                        <a:t> </a:t>
+                      </a:r>
+                      <a:endParaRPr lang="en-US" sz="1200" dirty="0">
+                        <a:effectLst/>
+                        <a:latin typeface="Calibri" panose="020F0502020204030204" pitchFamily="34" charset="0"/>
+                        <a:ea typeface="SimSun" panose="02010600030101010101" pitchFamily="2" charset="-122"/>
+                        <a:cs typeface="Times New Roman" panose="02020603050405020304" pitchFamily="18" charset="0"/>
+                      </a:endParaRPr>
+                    </a:p>
+                  </a:txBody>
+                  <a:tcPr marL="68580" marR="68580" marT="0" marB="0">
+                    <a:lnL w="12700" cap="flat" cmpd="sng" algn="ctr">
+                      <a:solidFill>
+                        <a:srgbClr val="000000"/>
+                      </a:solidFill>
+                      <a:prstDash val="solid"/>
+                      <a:round/>
+                      <a:headEnd type="none" w="med" len="med"/>
+                      <a:tailEnd type="none" w="med" len="med"/>
+                    </a:lnL>
+                    <a:lnR w="12700" cap="flat" cmpd="sng" algn="ctr">
+                      <a:solidFill>
+                        <a:srgbClr val="000000"/>
+                      </a:solidFill>
+                      <a:prstDash val="solid"/>
+                      <a:round/>
+                      <a:headEnd type="none" w="med" len="med"/>
+                      <a:tailEnd type="none" w="med" len="med"/>
+                    </a:lnR>
+                    <a:lnT w="12700" cap="flat" cmpd="sng" algn="ctr">
+                      <a:solidFill>
+                        <a:srgbClr val="000000"/>
+                      </a:solidFill>
+                      <a:prstDash val="solid"/>
+                      <a:round/>
+                      <a:headEnd type="none" w="med" len="med"/>
+                      <a:tailEnd type="none" w="med" len="med"/>
+                    </a:lnT>
+                    <a:lnB w="12700" cap="flat" cmpd="sng" algn="ctr">
+                      <a:solidFill>
+                        <a:srgbClr val="000000"/>
+                      </a:solidFill>
+                      <a:prstDash val="solid"/>
+                      <a:round/>
+                      <a:headEnd type="none" w="med" len="med"/>
+                      <a:tailEnd type="none" w="med" len="med"/>
+                    </a:lnB>
+                  </a:tcPr>
+                </a:tc>
+                <a:extLst>
+                  <a:ext uri="{0D108BD9-81ED-4DB2-BD59-A6C34878D82A}">
+                    <a16:rowId xmlns:a16="http://schemas.microsoft.com/office/drawing/2014/main" val="2591641576"/>
+                  </a:ext>
+                </a:extLst>
+              </a:tr>
+              <a:tr h="263530">
+                <a:tc>
+                  <a:txBody>
+                    <a:bodyPr/>
+                    <a:lstStyle/>
+                    <a:p>
+                      <a:pPr marL="0" marR="0" algn="l">
+                        <a:spcBef>
+                          <a:spcPts val="0"/>
+                        </a:spcBef>
+                        <a:spcAft>
+                          <a:spcPts val="0"/>
+                        </a:spcAft>
+                      </a:pPr>
+                      <a:r>
+                        <a:rPr lang="en-US" sz="1200" dirty="0">
+                          <a:effectLst/>
+                          <a:latin typeface="Calibri" panose="020F0502020204030204" pitchFamily="34" charset="0"/>
+                          <a:ea typeface="SimSun" panose="02010600030101010101" pitchFamily="2" charset="-122"/>
+                          <a:cs typeface="Times New Roman" panose="02020603050405020304" pitchFamily="18" charset="0"/>
+                        </a:rPr>
+                        <a:t> </a:t>
+                      </a:r>
+                    </a:p>
+                  </a:txBody>
+                  <a:tcPr marL="68580" marR="68580" marT="0" marB="0">
+                    <a:lnL w="12700" cap="flat" cmpd="sng" algn="ctr">
+                      <a:solidFill>
+                        <a:srgbClr val="000000"/>
+                      </a:solidFill>
+                      <a:prstDash val="solid"/>
+                      <a:round/>
+                      <a:headEnd type="none" w="med" len="med"/>
+                      <a:tailEnd type="none" w="med" len="med"/>
+                    </a:lnL>
+                    <a:lnR w="12700" cap="flat" cmpd="sng" algn="ctr">
+                      <a:solidFill>
+                        <a:srgbClr val="000000"/>
+                      </a:solidFill>
+                      <a:prstDash val="solid"/>
+                      <a:round/>
+                      <a:headEnd type="none" w="med" len="med"/>
+                      <a:tailEnd type="none" w="med" len="med"/>
+                    </a:lnR>
+                    <a:lnT w="12700" cap="flat" cmpd="sng" algn="ctr">
+                      <a:solidFill>
+                        <a:srgbClr val="000000"/>
+                      </a:solidFill>
+                      <a:prstDash val="solid"/>
+                      <a:round/>
+                      <a:headEnd type="none" w="med" len="med"/>
+                      <a:tailEnd type="none" w="med" len="med"/>
+                    </a:lnT>
+                    <a:lnB w="12700" cap="flat" cmpd="sng" algn="ctr">
+                      <a:solidFill>
+                        <a:srgbClr val="000000"/>
+                      </a:solidFill>
+                      <a:prstDash val="solid"/>
+                      <a:round/>
+                      <a:headEnd type="none" w="med" len="med"/>
+                      <a:tailEnd type="none" w="med" len="med"/>
+                    </a:lnB>
+                    <a:solidFill>
+                      <a:schemeClr val="accent2"/>
+                    </a:solidFill>
+                  </a:tcPr>
+                </a:tc>
+                <a:tc>
+                  <a:txBody>
+                    <a:bodyPr/>
+                    <a:lstStyle/>
+                    <a:p>
+                      <a:pPr marL="0" marR="0" algn="l">
+                        <a:spcBef>
+                          <a:spcPts val="0"/>
+                        </a:spcBef>
+                        <a:spcAft>
+                          <a:spcPts val="0"/>
+                        </a:spcAft>
+                      </a:pPr>
+                      <a:r>
+                        <a:rPr lang="en-US" sz="1200" dirty="0">
+                          <a:effectLst/>
+                          <a:latin typeface="Calibri" panose="020F0502020204030204" pitchFamily="34" charset="0"/>
+                          <a:ea typeface="SimSun" panose="02010600030101010101" pitchFamily="2" charset="-122"/>
+                          <a:cs typeface="Times New Roman" panose="02020603050405020304" pitchFamily="18" charset="0"/>
+                        </a:rPr>
+                        <a:t> </a:t>
+                      </a:r>
+                    </a:p>
+                  </a:txBody>
+                  <a:tcPr marL="68580" marR="68580" marT="0" marB="0">
+                    <a:lnL w="12700" cap="flat" cmpd="sng" algn="ctr">
+                      <a:solidFill>
+                        <a:srgbClr val="000000"/>
+                      </a:solidFill>
+                      <a:prstDash val="solid"/>
+                      <a:round/>
+                      <a:headEnd type="none" w="med" len="med"/>
+                      <a:tailEnd type="none" w="med" len="med"/>
+                    </a:lnL>
+                    <a:lnR w="12700" cap="flat" cmpd="sng" algn="ctr">
+                      <a:solidFill>
+                        <a:srgbClr val="000000"/>
+                      </a:solidFill>
+                      <a:prstDash val="solid"/>
+                      <a:round/>
+                      <a:headEnd type="none" w="med" len="med"/>
+                      <a:tailEnd type="none" w="med" len="med"/>
+                    </a:lnR>
+                    <a:lnT w="12700" cap="flat" cmpd="sng" algn="ctr">
+                      <a:solidFill>
+                        <a:srgbClr val="000000"/>
+                      </a:solidFill>
+                      <a:prstDash val="solid"/>
+                      <a:round/>
+                      <a:headEnd type="none" w="med" len="med"/>
+                      <a:tailEnd type="none" w="med" len="med"/>
+                    </a:lnT>
+                    <a:lnB w="12700" cap="flat" cmpd="sng" algn="ctr">
+                      <a:solidFill>
+                        <a:srgbClr val="000000"/>
+                      </a:solidFill>
+                      <a:prstDash val="solid"/>
+                      <a:round/>
+                      <a:headEnd type="none" w="med" len="med"/>
+                      <a:tailEnd type="none" w="med" len="med"/>
+                    </a:lnB>
+                    <a:solidFill>
+                      <a:schemeClr val="accent2"/>
+                    </a:solidFill>
+                  </a:tcPr>
+                </a:tc>
+                <a:tc>
+                  <a:txBody>
+                    <a:bodyPr/>
+                    <a:lstStyle/>
+                    <a:p>
+                      <a:pPr marL="0" marR="0" algn="l">
+                        <a:spcBef>
+                          <a:spcPts val="0"/>
+                        </a:spcBef>
+                        <a:spcAft>
+                          <a:spcPts val="0"/>
+                        </a:spcAft>
+                      </a:pPr>
+                      <a:r>
+                        <a:rPr lang="en-US" sz="1200" dirty="0">
+                          <a:effectLst/>
+                          <a:latin typeface="Calibri" panose="020F0502020204030204" pitchFamily="34" charset="0"/>
+                          <a:ea typeface="SimSun" panose="02010600030101010101" pitchFamily="2" charset="-122"/>
+                          <a:cs typeface="Times New Roman" panose="02020603050405020304" pitchFamily="18" charset="0"/>
+                        </a:rPr>
+                        <a:t> </a:t>
+                      </a:r>
+                    </a:p>
+                  </a:txBody>
+                  <a:tcPr marL="68580" marR="68580" marT="0" marB="0">
+                    <a:lnL w="12700" cap="flat" cmpd="sng" algn="ctr">
+                      <a:solidFill>
+                        <a:srgbClr val="000000"/>
+                      </a:solidFill>
+                      <a:prstDash val="solid"/>
+                      <a:round/>
+                      <a:headEnd type="none" w="med" len="med"/>
+                      <a:tailEnd type="none" w="med" len="med"/>
+                    </a:lnL>
+                    <a:lnR w="12700" cap="flat" cmpd="sng" algn="ctr">
+                      <a:solidFill>
+                        <a:srgbClr val="000000"/>
+                      </a:solidFill>
+                      <a:prstDash val="solid"/>
+                      <a:round/>
+                      <a:headEnd type="none" w="med" len="med"/>
+                      <a:tailEnd type="none" w="med" len="med"/>
+                    </a:lnR>
+                    <a:lnT w="12700" cap="flat" cmpd="sng" algn="ctr">
+                      <a:solidFill>
+                        <a:srgbClr val="000000"/>
+                      </a:solidFill>
+                      <a:prstDash val="solid"/>
+                      <a:round/>
+                      <a:headEnd type="none" w="med" len="med"/>
+                      <a:tailEnd type="none" w="med" len="med"/>
+                    </a:lnT>
+                    <a:lnB w="12700" cap="flat" cmpd="sng" algn="ctr">
+                      <a:solidFill>
+                        <a:srgbClr val="000000"/>
+                      </a:solidFill>
+                      <a:prstDash val="solid"/>
+                      <a:round/>
+                      <a:headEnd type="none" w="med" len="med"/>
+                      <a:tailEnd type="none" w="med" len="med"/>
+                    </a:lnB>
+                    <a:solidFill>
+                      <a:schemeClr val="accent2"/>
+                    </a:solidFill>
+                  </a:tcPr>
+                </a:tc>
+                <a:tc>
+                  <a:txBody>
+                    <a:bodyPr/>
+                    <a:lstStyle/>
+                    <a:p>
+                      <a:pPr marL="0" marR="0" algn="l">
+                        <a:spcBef>
+                          <a:spcPts val="0"/>
+                        </a:spcBef>
+                        <a:spcAft>
+                          <a:spcPts val="0"/>
+                        </a:spcAft>
+                      </a:pPr>
+                      <a:r>
+                        <a:rPr lang="en-US" sz="1200" dirty="0">
+                          <a:effectLst/>
+                          <a:latin typeface="Calibri" panose="020F0502020204030204" pitchFamily="34" charset="0"/>
+                          <a:ea typeface="SimSun" panose="02010600030101010101" pitchFamily="2" charset="-122"/>
+                          <a:cs typeface="Times New Roman" panose="02020603050405020304" pitchFamily="18" charset="0"/>
+                        </a:rPr>
+                        <a:t> </a:t>
+                      </a:r>
+                    </a:p>
+                  </a:txBody>
+                  <a:tcPr marL="68580" marR="68580" marT="0" marB="0">
+                    <a:lnL w="12700" cap="flat" cmpd="sng" algn="ctr">
+                      <a:solidFill>
+                        <a:srgbClr val="000000"/>
+                      </a:solidFill>
+                      <a:prstDash val="solid"/>
+                      <a:round/>
+                      <a:headEnd type="none" w="med" len="med"/>
+                      <a:tailEnd type="none" w="med" len="med"/>
+                    </a:lnL>
+                    <a:lnR w="12700" cap="flat" cmpd="sng" algn="ctr">
+                      <a:solidFill>
+                        <a:srgbClr val="000000"/>
+                      </a:solidFill>
+                      <a:prstDash val="solid"/>
+                      <a:round/>
+                      <a:headEnd type="none" w="med" len="med"/>
+                      <a:tailEnd type="none" w="med" len="med"/>
+                    </a:lnR>
+                    <a:lnT w="12700" cap="flat" cmpd="sng" algn="ctr">
+                      <a:solidFill>
+                        <a:srgbClr val="000000"/>
+                      </a:solidFill>
+                      <a:prstDash val="solid"/>
+                      <a:round/>
+                      <a:headEnd type="none" w="med" len="med"/>
+                      <a:tailEnd type="none" w="med" len="med"/>
+                    </a:lnT>
+                    <a:lnB w="12700" cap="flat" cmpd="sng" algn="ctr">
+                      <a:solidFill>
+                        <a:srgbClr val="000000"/>
+                      </a:solidFill>
+                      <a:prstDash val="solid"/>
+                      <a:round/>
+                      <a:headEnd type="none" w="med" len="med"/>
+                      <a:tailEnd type="none" w="med" len="med"/>
+                    </a:lnB>
+                    <a:solidFill>
+                      <a:schemeClr val="accent2"/>
+                    </a:solidFill>
+                  </a:tcPr>
+                </a:tc>
+                <a:tc>
+                  <a:txBody>
+                    <a:bodyPr/>
+                    <a:lstStyle/>
+                    <a:p>
+                      <a:pPr marL="0" marR="0" algn="l">
+                        <a:spcBef>
+                          <a:spcPts val="0"/>
+                        </a:spcBef>
+                        <a:spcAft>
+                          <a:spcPts val="0"/>
+                        </a:spcAft>
+                      </a:pPr>
+                      <a:r>
+                        <a:rPr lang="en-US" sz="1200" dirty="0">
+                          <a:effectLst/>
+                          <a:latin typeface="Calibri" panose="020F0502020204030204" pitchFamily="34" charset="0"/>
+                          <a:ea typeface="SimSun" panose="02010600030101010101" pitchFamily="2" charset="-122"/>
+                          <a:cs typeface="Times New Roman" panose="02020603050405020304" pitchFamily="18" charset="0"/>
+                        </a:rPr>
+                        <a:t> </a:t>
+                      </a:r>
+                    </a:p>
+                  </a:txBody>
+                  <a:tcPr marL="68580" marR="68580" marT="0" marB="0">
+                    <a:lnL w="12700" cap="flat" cmpd="sng" algn="ctr">
+                      <a:solidFill>
+                        <a:srgbClr val="000000"/>
+                      </a:solidFill>
+                      <a:prstDash val="solid"/>
+                      <a:round/>
+                      <a:headEnd type="none" w="med" len="med"/>
+                      <a:tailEnd type="none" w="med" len="med"/>
+                    </a:lnL>
+                    <a:lnR w="12700" cap="flat" cmpd="sng" algn="ctr">
+                      <a:solidFill>
+                        <a:srgbClr val="000000"/>
+                      </a:solidFill>
+                      <a:prstDash val="solid"/>
+                      <a:round/>
+                      <a:headEnd type="none" w="med" len="med"/>
+                      <a:tailEnd type="none" w="med" len="med"/>
+                    </a:lnR>
+                    <a:lnT w="12700" cap="flat" cmpd="sng" algn="ctr">
+                      <a:solidFill>
+                        <a:srgbClr val="000000"/>
+                      </a:solidFill>
+                      <a:prstDash val="solid"/>
+                      <a:round/>
+                      <a:headEnd type="none" w="med" len="med"/>
+                      <a:tailEnd type="none" w="med" len="med"/>
+                    </a:lnT>
+                    <a:lnB w="12700" cap="flat" cmpd="sng" algn="ctr">
+                      <a:solidFill>
+                        <a:srgbClr val="000000"/>
+                      </a:solidFill>
+                      <a:prstDash val="solid"/>
+                      <a:round/>
+                      <a:headEnd type="none" w="med" len="med"/>
+                      <a:tailEnd type="none" w="med" len="med"/>
+                    </a:lnB>
+                    <a:solidFill>
+                      <a:schemeClr val="accent2"/>
+                    </a:solidFill>
+                  </a:tcPr>
+                </a:tc>
+                <a:tc>
+                  <a:txBody>
+                    <a:bodyPr/>
+                    <a:lstStyle/>
+                    <a:p>
+                      <a:pPr marL="0" marR="0" algn="l">
+                        <a:spcBef>
+                          <a:spcPts val="0"/>
+                        </a:spcBef>
+                        <a:spcAft>
+                          <a:spcPts val="0"/>
+                        </a:spcAft>
+                      </a:pPr>
+                      <a:r>
+                        <a:rPr lang="en-US" sz="1200" dirty="0">
+                          <a:effectLst/>
+                          <a:latin typeface="Calibri" panose="020F0502020204030204" pitchFamily="34" charset="0"/>
+                          <a:ea typeface="SimSun" panose="02010600030101010101" pitchFamily="2" charset="-122"/>
+                          <a:cs typeface="Times New Roman" panose="02020603050405020304" pitchFamily="18" charset="0"/>
+                        </a:rPr>
+                        <a:t> </a:t>
+                      </a:r>
+                    </a:p>
+                  </a:txBody>
+                  <a:tcPr marL="68580" marR="68580" marT="0" marB="0">
+                    <a:lnL w="12700" cap="flat" cmpd="sng" algn="ctr">
+                      <a:solidFill>
+                        <a:srgbClr val="000000"/>
+                      </a:solidFill>
+                      <a:prstDash val="solid"/>
+                      <a:round/>
+                      <a:headEnd type="none" w="med" len="med"/>
+                      <a:tailEnd type="none" w="med" len="med"/>
+                    </a:lnL>
+                    <a:lnR w="12700" cap="flat" cmpd="sng" algn="ctr">
+                      <a:solidFill>
+                        <a:srgbClr val="000000"/>
+                      </a:solidFill>
+                      <a:prstDash val="solid"/>
+                      <a:round/>
+                      <a:headEnd type="none" w="med" len="med"/>
+                      <a:tailEnd type="none" w="med" len="med"/>
+                    </a:lnR>
+                    <a:lnT w="12700" cap="flat" cmpd="sng" algn="ctr">
+                      <a:solidFill>
+                        <a:srgbClr val="000000"/>
+                      </a:solidFill>
+                      <a:prstDash val="solid"/>
+                      <a:round/>
+                      <a:headEnd type="none" w="med" len="med"/>
+                      <a:tailEnd type="none" w="med" len="med"/>
+                    </a:lnT>
+                    <a:lnB w="12700" cap="flat" cmpd="sng" algn="ctr">
+                      <a:solidFill>
+                        <a:srgbClr val="000000"/>
+                      </a:solidFill>
+                      <a:prstDash val="solid"/>
+                      <a:round/>
+                      <a:headEnd type="none" w="med" len="med"/>
+                      <a:tailEnd type="none" w="med" len="med"/>
+                    </a:lnB>
+                    <a:solidFill>
+                      <a:schemeClr val="accent2"/>
+                    </a:solidFill>
+                  </a:tcPr>
+                </a:tc>
+                <a:tc>
+                  <a:txBody>
+                    <a:bodyPr/>
+                    <a:lstStyle/>
+                    <a:p>
+                      <a:pPr marL="0" marR="0" algn="l">
+                        <a:spcBef>
+                          <a:spcPts val="0"/>
+                        </a:spcBef>
+                        <a:spcAft>
+                          <a:spcPts val="0"/>
+                        </a:spcAft>
+                      </a:pPr>
+                      <a:r>
+                        <a:rPr lang="en-US" sz="1200" dirty="0">
+                          <a:effectLst/>
+                          <a:latin typeface="Calibri" panose="020F0502020204030204" pitchFamily="34" charset="0"/>
+                          <a:ea typeface="SimSun" panose="02010600030101010101" pitchFamily="2" charset="-122"/>
+                          <a:cs typeface="Times New Roman" panose="02020603050405020304" pitchFamily="18" charset="0"/>
+                        </a:rPr>
+                        <a:t> </a:t>
+                      </a:r>
+                    </a:p>
+                  </a:txBody>
+                  <a:tcPr marL="68580" marR="68580" marT="0" marB="0">
+                    <a:lnL w="12700" cap="flat" cmpd="sng" algn="ctr">
+                      <a:solidFill>
+                        <a:srgbClr val="000000"/>
+                      </a:solidFill>
+                      <a:prstDash val="solid"/>
+                      <a:round/>
+                      <a:headEnd type="none" w="med" len="med"/>
+                      <a:tailEnd type="none" w="med" len="med"/>
+                    </a:lnL>
+                    <a:lnR w="12700" cap="flat" cmpd="sng" algn="ctr">
+                      <a:solidFill>
+                        <a:srgbClr val="000000"/>
+                      </a:solidFill>
+                      <a:prstDash val="solid"/>
+                      <a:round/>
+                      <a:headEnd type="none" w="med" len="med"/>
+                      <a:tailEnd type="none" w="med" len="med"/>
+                    </a:lnR>
+                    <a:lnT w="12700" cap="flat" cmpd="sng" algn="ctr">
+                      <a:solidFill>
+                        <a:srgbClr val="000000"/>
+                      </a:solidFill>
+                      <a:prstDash val="solid"/>
+                      <a:round/>
+                      <a:headEnd type="none" w="med" len="med"/>
+                      <a:tailEnd type="none" w="med" len="med"/>
+                    </a:lnT>
+                    <a:lnB w="12700" cap="flat" cmpd="sng" algn="ctr">
+                      <a:solidFill>
+                        <a:srgbClr val="000000"/>
+                      </a:solidFill>
+                      <a:prstDash val="solid"/>
+                      <a:round/>
+                      <a:headEnd type="none" w="med" len="med"/>
+                      <a:tailEnd type="none" w="med" len="med"/>
+                    </a:lnB>
+                    <a:solidFill>
+                      <a:schemeClr val="accent2"/>
+                    </a:solidFill>
+                  </a:tcPr>
+                </a:tc>
+                <a:tc>
+                  <a:txBody>
+                    <a:bodyPr/>
+                    <a:lstStyle/>
+                    <a:p>
+                      <a:pPr marL="0" marR="0" algn="l">
+                        <a:spcBef>
+                          <a:spcPts val="0"/>
+                        </a:spcBef>
+                        <a:spcAft>
+                          <a:spcPts val="0"/>
+                        </a:spcAft>
+                      </a:pPr>
+                      <a:r>
+                        <a:rPr lang="en-US" sz="1200" dirty="0">
+                          <a:effectLst/>
+                          <a:latin typeface="Calibri" panose="020F0502020204030204" pitchFamily="34" charset="0"/>
+                          <a:ea typeface="SimSun" panose="02010600030101010101" pitchFamily="2" charset="-122"/>
+                          <a:cs typeface="Times New Roman" panose="02020603050405020304" pitchFamily="18" charset="0"/>
+                        </a:rPr>
+                        <a:t> </a:t>
+                      </a:r>
+                    </a:p>
+                  </a:txBody>
+                  <a:tcPr marL="68580" marR="68580" marT="0" marB="0">
+                    <a:lnL w="12700" cap="flat" cmpd="sng" algn="ctr">
+                      <a:solidFill>
+                        <a:srgbClr val="000000"/>
+                      </a:solidFill>
+                      <a:prstDash val="solid"/>
+                      <a:round/>
+                      <a:headEnd type="none" w="med" len="med"/>
+                      <a:tailEnd type="none" w="med" len="med"/>
+                    </a:lnL>
+                    <a:lnR w="12700" cap="flat" cmpd="sng" algn="ctr">
+                      <a:solidFill>
+                        <a:srgbClr val="000000"/>
+                      </a:solidFill>
+                      <a:prstDash val="solid"/>
+                      <a:round/>
+                      <a:headEnd type="none" w="med" len="med"/>
+                      <a:tailEnd type="none" w="med" len="med"/>
+                    </a:lnR>
+                    <a:lnT w="12700" cap="flat" cmpd="sng" algn="ctr">
+                      <a:solidFill>
+                        <a:srgbClr val="000000"/>
+                      </a:solidFill>
+                      <a:prstDash val="solid"/>
+                      <a:round/>
+                      <a:headEnd type="none" w="med" len="med"/>
+                      <a:tailEnd type="none" w="med" len="med"/>
+                    </a:lnT>
+                    <a:lnB w="12700" cap="flat" cmpd="sng" algn="ctr">
+                      <a:solidFill>
+                        <a:srgbClr val="000000"/>
+                      </a:solidFill>
+                      <a:prstDash val="solid"/>
+                      <a:round/>
+                      <a:headEnd type="none" w="med" len="med"/>
+                      <a:tailEnd type="none" w="med" len="med"/>
+                    </a:lnB>
+                  </a:tcPr>
+                </a:tc>
+                <a:extLst>
+                  <a:ext uri="{0D108BD9-81ED-4DB2-BD59-A6C34878D82A}">
+                    <a16:rowId xmlns:a16="http://schemas.microsoft.com/office/drawing/2014/main" val="2143801702"/>
+                  </a:ext>
+                </a:extLst>
+              </a:tr>
+              <a:tr h="263530">
+                <a:tc>
+                  <a:txBody>
+                    <a:bodyPr/>
+                    <a:lstStyle/>
+                    <a:p>
+                      <a:pPr marL="0" marR="0" algn="l">
+                        <a:spcBef>
+                          <a:spcPts val="0"/>
+                        </a:spcBef>
+                        <a:spcAft>
+                          <a:spcPts val="0"/>
+                        </a:spcAft>
+                      </a:pPr>
+                      <a:endParaRPr lang="en-US" sz="1200" dirty="0">
+                        <a:effectLst/>
+                        <a:latin typeface="Calibri" panose="020F0502020204030204" pitchFamily="34" charset="0"/>
+                        <a:ea typeface="SimSun" panose="02010600030101010101" pitchFamily="2" charset="-122"/>
+                        <a:cs typeface="Times New Roman" panose="02020603050405020304" pitchFamily="18" charset="0"/>
+                      </a:endParaRPr>
+                    </a:p>
+                  </a:txBody>
+                  <a:tcPr marL="68580" marR="68580" marT="0" marB="0">
+                    <a:lnL w="12700" cap="flat" cmpd="sng" algn="ctr">
+                      <a:solidFill>
+                        <a:srgbClr val="000000"/>
+                      </a:solidFill>
+                      <a:prstDash val="solid"/>
+                      <a:round/>
+                      <a:headEnd type="none" w="med" len="med"/>
+                      <a:tailEnd type="none" w="med" len="med"/>
+                    </a:lnL>
+                    <a:lnR w="12700" cap="flat" cmpd="sng" algn="ctr">
+                      <a:solidFill>
+                        <a:srgbClr val="000000"/>
+                      </a:solidFill>
+                      <a:prstDash val="solid"/>
+                      <a:round/>
+                      <a:headEnd type="none" w="med" len="med"/>
+                      <a:tailEnd type="none" w="med" len="med"/>
+                    </a:lnR>
+                    <a:lnT w="12700" cap="flat" cmpd="sng" algn="ctr">
+                      <a:solidFill>
+                        <a:srgbClr val="000000"/>
+                      </a:solidFill>
+                      <a:prstDash val="solid"/>
+                      <a:round/>
+                      <a:headEnd type="none" w="med" len="med"/>
+                      <a:tailEnd type="none" w="med" len="med"/>
+                    </a:lnT>
+                    <a:lnB w="12700" cap="flat" cmpd="sng" algn="ctr">
+                      <a:solidFill>
+                        <a:srgbClr val="000000"/>
+                      </a:solidFill>
+                      <a:prstDash val="solid"/>
+                      <a:round/>
+                      <a:headEnd type="none" w="med" len="med"/>
+                      <a:tailEnd type="none" w="med" len="med"/>
+                    </a:lnB>
+                    <a:solidFill>
+                      <a:schemeClr val="accent2"/>
+                    </a:solidFill>
+                  </a:tcPr>
+                </a:tc>
+                <a:tc>
+                  <a:txBody>
+                    <a:bodyPr/>
+                    <a:lstStyle/>
+                    <a:p>
+                      <a:pPr marL="0" marR="0" algn="l">
+                        <a:spcBef>
+                          <a:spcPts val="0"/>
+                        </a:spcBef>
+                        <a:spcAft>
+                          <a:spcPts val="0"/>
+                        </a:spcAft>
+                      </a:pPr>
+                      <a:endParaRPr lang="en-US" sz="1200" dirty="0">
+                        <a:effectLst/>
+                        <a:latin typeface="Calibri" panose="020F0502020204030204" pitchFamily="34" charset="0"/>
+                        <a:ea typeface="SimSun" panose="02010600030101010101" pitchFamily="2" charset="-122"/>
+                        <a:cs typeface="Times New Roman" panose="02020603050405020304" pitchFamily="18" charset="0"/>
+                      </a:endParaRPr>
+                    </a:p>
+                  </a:txBody>
+                  <a:tcPr marL="68580" marR="68580" marT="0" marB="0">
+                    <a:lnL w="12700" cap="flat" cmpd="sng" algn="ctr">
+                      <a:solidFill>
+                        <a:srgbClr val="000000"/>
+                      </a:solidFill>
+                      <a:prstDash val="solid"/>
+                      <a:round/>
+                      <a:headEnd type="none" w="med" len="med"/>
+                      <a:tailEnd type="none" w="med" len="med"/>
+                    </a:lnL>
+                    <a:lnR w="12700" cap="flat" cmpd="sng" algn="ctr">
+                      <a:solidFill>
+                        <a:srgbClr val="000000"/>
+                      </a:solidFill>
+                      <a:prstDash val="solid"/>
+                      <a:round/>
+                      <a:headEnd type="none" w="med" len="med"/>
+                      <a:tailEnd type="none" w="med" len="med"/>
+                    </a:lnR>
+                    <a:lnT w="12700" cap="flat" cmpd="sng" algn="ctr">
+                      <a:solidFill>
+                        <a:srgbClr val="000000"/>
+                      </a:solidFill>
+                      <a:prstDash val="solid"/>
+                      <a:round/>
+                      <a:headEnd type="none" w="med" len="med"/>
+                      <a:tailEnd type="none" w="med" len="med"/>
+                    </a:lnT>
+                    <a:lnB w="12700" cap="flat" cmpd="sng" algn="ctr">
+                      <a:solidFill>
+                        <a:srgbClr val="000000"/>
+                      </a:solidFill>
+                      <a:prstDash val="solid"/>
+                      <a:round/>
+                      <a:headEnd type="none" w="med" len="med"/>
+                      <a:tailEnd type="none" w="med" len="med"/>
+                    </a:lnB>
+                    <a:solidFill>
+                      <a:schemeClr val="accent2"/>
+                    </a:solidFill>
+                  </a:tcPr>
+                </a:tc>
+                <a:tc>
+                  <a:txBody>
+                    <a:bodyPr/>
+                    <a:lstStyle/>
+                    <a:p>
+                      <a:pPr marL="0" marR="0" algn="l">
+                        <a:spcBef>
+                          <a:spcPts val="0"/>
+                        </a:spcBef>
+                        <a:spcAft>
+                          <a:spcPts val="0"/>
+                        </a:spcAft>
+                      </a:pPr>
+                      <a:endParaRPr lang="en-US" sz="1200" dirty="0">
+                        <a:effectLst/>
+                        <a:latin typeface="Calibri" panose="020F0502020204030204" pitchFamily="34" charset="0"/>
+                        <a:ea typeface="SimSun" panose="02010600030101010101" pitchFamily="2" charset="-122"/>
+                        <a:cs typeface="Times New Roman" panose="02020603050405020304" pitchFamily="18" charset="0"/>
+                      </a:endParaRPr>
+                    </a:p>
+                  </a:txBody>
+                  <a:tcPr marL="68580" marR="68580" marT="0" marB="0">
+                    <a:lnL w="12700" cap="flat" cmpd="sng" algn="ctr">
+                      <a:solidFill>
+                        <a:srgbClr val="000000"/>
+                      </a:solidFill>
+                      <a:prstDash val="solid"/>
+                      <a:round/>
+                      <a:headEnd type="none" w="med" len="med"/>
+                      <a:tailEnd type="none" w="med" len="med"/>
+                    </a:lnL>
+                    <a:lnR w="12700" cap="flat" cmpd="sng" algn="ctr">
+                      <a:solidFill>
+                        <a:srgbClr val="000000"/>
+                      </a:solidFill>
+                      <a:prstDash val="solid"/>
+                      <a:round/>
+                      <a:headEnd type="none" w="med" len="med"/>
+                      <a:tailEnd type="none" w="med" len="med"/>
+                    </a:lnR>
+                    <a:lnT w="12700" cap="flat" cmpd="sng" algn="ctr">
+                      <a:solidFill>
+                        <a:srgbClr val="000000"/>
+                      </a:solidFill>
+                      <a:prstDash val="solid"/>
+                      <a:round/>
+                      <a:headEnd type="none" w="med" len="med"/>
+                      <a:tailEnd type="none" w="med" len="med"/>
+                    </a:lnT>
+                    <a:lnB w="12700" cap="flat" cmpd="sng" algn="ctr">
+                      <a:solidFill>
+                        <a:srgbClr val="000000"/>
+                      </a:solidFill>
+                      <a:prstDash val="solid"/>
+                      <a:round/>
+                      <a:headEnd type="none" w="med" len="med"/>
+                      <a:tailEnd type="none" w="med" len="med"/>
+                    </a:lnB>
+                    <a:solidFill>
+                      <a:schemeClr val="accent2"/>
+                    </a:solidFill>
+                  </a:tcPr>
+                </a:tc>
+                <a:tc>
+                  <a:txBody>
+                    <a:bodyPr/>
+                    <a:lstStyle/>
+                    <a:p>
+                      <a:pPr marL="0" marR="0" algn="l">
+                        <a:spcBef>
+                          <a:spcPts val="0"/>
+                        </a:spcBef>
+                        <a:spcAft>
+                          <a:spcPts val="0"/>
+                        </a:spcAft>
+                      </a:pPr>
+                      <a:endParaRPr lang="en-US" sz="1200" dirty="0">
+                        <a:effectLst/>
+                        <a:latin typeface="Calibri" panose="020F0502020204030204" pitchFamily="34" charset="0"/>
+                        <a:ea typeface="SimSun" panose="02010600030101010101" pitchFamily="2" charset="-122"/>
+                        <a:cs typeface="Times New Roman" panose="02020603050405020304" pitchFamily="18" charset="0"/>
+                      </a:endParaRPr>
+                    </a:p>
+                  </a:txBody>
+                  <a:tcPr marL="68580" marR="68580" marT="0" marB="0">
+                    <a:lnL w="12700" cap="flat" cmpd="sng" algn="ctr">
+                      <a:solidFill>
+                        <a:srgbClr val="000000"/>
+                      </a:solidFill>
+                      <a:prstDash val="solid"/>
+                      <a:round/>
+                      <a:headEnd type="none" w="med" len="med"/>
+                      <a:tailEnd type="none" w="med" len="med"/>
+                    </a:lnL>
+                    <a:lnR w="12700" cap="flat" cmpd="sng" algn="ctr">
+                      <a:solidFill>
+                        <a:srgbClr val="000000"/>
+                      </a:solidFill>
+                      <a:prstDash val="solid"/>
+                      <a:round/>
+                      <a:headEnd type="none" w="med" len="med"/>
+                      <a:tailEnd type="none" w="med" len="med"/>
+                    </a:lnR>
+                    <a:lnT w="12700" cap="flat" cmpd="sng" algn="ctr">
+                      <a:solidFill>
+                        <a:srgbClr val="000000"/>
+                      </a:solidFill>
+                      <a:prstDash val="solid"/>
+                      <a:round/>
+                      <a:headEnd type="none" w="med" len="med"/>
+                      <a:tailEnd type="none" w="med" len="med"/>
+                    </a:lnT>
+                    <a:lnB w="12700" cap="flat" cmpd="sng" algn="ctr">
+                      <a:solidFill>
+                        <a:srgbClr val="000000"/>
+                      </a:solidFill>
+                      <a:prstDash val="solid"/>
+                      <a:round/>
+                      <a:headEnd type="none" w="med" len="med"/>
+                      <a:tailEnd type="none" w="med" len="med"/>
+                    </a:lnB>
+                    <a:solidFill>
+                      <a:schemeClr val="accent2"/>
+                    </a:solidFill>
+                  </a:tcPr>
+                </a:tc>
+                <a:tc>
+                  <a:txBody>
+                    <a:bodyPr/>
+                    <a:lstStyle/>
+                    <a:p>
+                      <a:pPr marL="0" marR="0" algn="l">
+                        <a:spcBef>
+                          <a:spcPts val="0"/>
+                        </a:spcBef>
+                        <a:spcAft>
+                          <a:spcPts val="0"/>
+                        </a:spcAft>
+                      </a:pPr>
+                      <a:endParaRPr lang="en-US" sz="1200" dirty="0">
+                        <a:effectLst/>
+                        <a:latin typeface="Calibri" panose="020F0502020204030204" pitchFamily="34" charset="0"/>
+                        <a:ea typeface="SimSun" panose="02010600030101010101" pitchFamily="2" charset="-122"/>
+                        <a:cs typeface="Times New Roman" panose="02020603050405020304" pitchFamily="18" charset="0"/>
+                      </a:endParaRPr>
+                    </a:p>
+                  </a:txBody>
+                  <a:tcPr marL="68580" marR="68580" marT="0" marB="0">
+                    <a:lnL w="12700" cap="flat" cmpd="sng" algn="ctr">
+                      <a:solidFill>
+                        <a:srgbClr val="000000"/>
+                      </a:solidFill>
+                      <a:prstDash val="solid"/>
+                      <a:round/>
+                      <a:headEnd type="none" w="med" len="med"/>
+                      <a:tailEnd type="none" w="med" len="med"/>
+                    </a:lnL>
+                    <a:lnR w="12700" cap="flat" cmpd="sng" algn="ctr">
+                      <a:solidFill>
+                        <a:srgbClr val="000000"/>
+                      </a:solidFill>
+                      <a:prstDash val="solid"/>
+                      <a:round/>
+                      <a:headEnd type="none" w="med" len="med"/>
+                      <a:tailEnd type="none" w="med" len="med"/>
+                    </a:lnR>
+                    <a:lnT w="12700" cap="flat" cmpd="sng" algn="ctr">
+                      <a:solidFill>
+                        <a:srgbClr val="000000"/>
+                      </a:solidFill>
+                      <a:prstDash val="solid"/>
+                      <a:round/>
+                      <a:headEnd type="none" w="med" len="med"/>
+                      <a:tailEnd type="none" w="med" len="med"/>
+                    </a:lnT>
+                    <a:lnB w="12700" cap="flat" cmpd="sng" algn="ctr">
+                      <a:solidFill>
+                        <a:srgbClr val="000000"/>
+                      </a:solidFill>
+                      <a:prstDash val="solid"/>
+                      <a:round/>
+                      <a:headEnd type="none" w="med" len="med"/>
+                      <a:tailEnd type="none" w="med" len="med"/>
+                    </a:lnB>
+                    <a:solidFill>
+                      <a:schemeClr val="accent2"/>
+                    </a:solidFill>
+                  </a:tcPr>
+                </a:tc>
+                <a:tc>
+                  <a:txBody>
+                    <a:bodyPr/>
+                    <a:lstStyle/>
+                    <a:p>
+                      <a:pPr marL="0" marR="0" algn="l">
+                        <a:spcBef>
+                          <a:spcPts val="0"/>
+                        </a:spcBef>
+                        <a:spcAft>
+                          <a:spcPts val="0"/>
+                        </a:spcAft>
+                      </a:pPr>
+                      <a:endParaRPr lang="en-US" sz="1200" dirty="0">
+                        <a:effectLst/>
+                        <a:latin typeface="Calibri" panose="020F0502020204030204" pitchFamily="34" charset="0"/>
+                        <a:ea typeface="SimSun" panose="02010600030101010101" pitchFamily="2" charset="-122"/>
+                        <a:cs typeface="Times New Roman" panose="02020603050405020304" pitchFamily="18" charset="0"/>
+                      </a:endParaRPr>
+                    </a:p>
+                  </a:txBody>
+                  <a:tcPr marL="68580" marR="68580" marT="0" marB="0">
+                    <a:lnL w="12700" cap="flat" cmpd="sng" algn="ctr">
+                      <a:solidFill>
+                        <a:srgbClr val="000000"/>
+                      </a:solidFill>
+                      <a:prstDash val="solid"/>
+                      <a:round/>
+                      <a:headEnd type="none" w="med" len="med"/>
+                      <a:tailEnd type="none" w="med" len="med"/>
+                    </a:lnL>
+                    <a:lnR w="12700" cap="flat" cmpd="sng" algn="ctr">
+                      <a:solidFill>
+                        <a:srgbClr val="000000"/>
+                      </a:solidFill>
+                      <a:prstDash val="solid"/>
+                      <a:round/>
+                      <a:headEnd type="none" w="med" len="med"/>
+                      <a:tailEnd type="none" w="med" len="med"/>
+                    </a:lnR>
+                    <a:lnT w="12700" cap="flat" cmpd="sng" algn="ctr">
+                      <a:solidFill>
+                        <a:srgbClr val="000000"/>
+                      </a:solidFill>
+                      <a:prstDash val="solid"/>
+                      <a:round/>
+                      <a:headEnd type="none" w="med" len="med"/>
+                      <a:tailEnd type="none" w="med" len="med"/>
+                    </a:lnT>
+                    <a:lnB w="12700" cap="flat" cmpd="sng" algn="ctr">
+                      <a:solidFill>
+                        <a:srgbClr val="000000"/>
+                      </a:solidFill>
+                      <a:prstDash val="solid"/>
+                      <a:round/>
+                      <a:headEnd type="none" w="med" len="med"/>
+                      <a:tailEnd type="none" w="med" len="med"/>
+                    </a:lnB>
+                    <a:solidFill>
+                      <a:schemeClr val="accent2"/>
+                    </a:solidFill>
+                  </a:tcPr>
+                </a:tc>
+                <a:tc>
+                  <a:txBody>
+                    <a:bodyPr/>
+                    <a:lstStyle/>
+                    <a:p>
+                      <a:pPr marL="0" marR="0" algn="l">
+                        <a:spcBef>
+                          <a:spcPts val="0"/>
+                        </a:spcBef>
+                        <a:spcAft>
+                          <a:spcPts val="0"/>
+                        </a:spcAft>
+                      </a:pPr>
+                      <a:endParaRPr lang="en-US" sz="1200" dirty="0">
+                        <a:effectLst/>
+                        <a:latin typeface="Calibri" panose="020F0502020204030204" pitchFamily="34" charset="0"/>
+                        <a:ea typeface="SimSun" panose="02010600030101010101" pitchFamily="2" charset="-122"/>
+                        <a:cs typeface="Times New Roman" panose="02020603050405020304" pitchFamily="18" charset="0"/>
+                      </a:endParaRPr>
+                    </a:p>
+                  </a:txBody>
+                  <a:tcPr marL="68580" marR="68580" marT="0" marB="0">
+                    <a:lnL w="12700" cap="flat" cmpd="sng" algn="ctr">
+                      <a:solidFill>
+                        <a:srgbClr val="000000"/>
+                      </a:solidFill>
+                      <a:prstDash val="solid"/>
+                      <a:round/>
+                      <a:headEnd type="none" w="med" len="med"/>
+                      <a:tailEnd type="none" w="med" len="med"/>
+                    </a:lnL>
+                    <a:lnR w="12700" cap="flat" cmpd="sng" algn="ctr">
+                      <a:solidFill>
+                        <a:srgbClr val="000000"/>
+                      </a:solidFill>
+                      <a:prstDash val="solid"/>
+                      <a:round/>
+                      <a:headEnd type="none" w="med" len="med"/>
+                      <a:tailEnd type="none" w="med" len="med"/>
+                    </a:lnR>
+                    <a:lnT w="12700" cap="flat" cmpd="sng" algn="ctr">
+                      <a:solidFill>
+                        <a:srgbClr val="000000"/>
+                      </a:solidFill>
+                      <a:prstDash val="solid"/>
+                      <a:round/>
+                      <a:headEnd type="none" w="med" len="med"/>
+                      <a:tailEnd type="none" w="med" len="med"/>
+                    </a:lnT>
+                    <a:lnB w="12700" cap="flat" cmpd="sng" algn="ctr">
+                      <a:solidFill>
+                        <a:srgbClr val="000000"/>
+                      </a:solidFill>
+                      <a:prstDash val="solid"/>
+                      <a:round/>
+                      <a:headEnd type="none" w="med" len="med"/>
+                      <a:tailEnd type="none" w="med" len="med"/>
+                    </a:lnB>
+                    <a:solidFill>
+                      <a:schemeClr val="accent2"/>
+                    </a:solidFill>
+                  </a:tcPr>
+                </a:tc>
+                <a:tc>
+                  <a:txBody>
+                    <a:bodyPr/>
+                    <a:lstStyle/>
+                    <a:p>
+                      <a:pPr marL="0" marR="0" algn="l">
+                        <a:spcBef>
+                          <a:spcPts val="0"/>
+                        </a:spcBef>
+                        <a:spcAft>
+                          <a:spcPts val="0"/>
+                        </a:spcAft>
+                      </a:pPr>
+                      <a:endParaRPr lang="en-US" sz="1200" dirty="0">
+                        <a:effectLst/>
+                        <a:latin typeface="Calibri" panose="020F0502020204030204" pitchFamily="34" charset="0"/>
+                        <a:ea typeface="SimSun" panose="02010600030101010101" pitchFamily="2" charset="-122"/>
+                        <a:cs typeface="Times New Roman" panose="02020603050405020304" pitchFamily="18" charset="0"/>
+                      </a:endParaRPr>
+                    </a:p>
+                  </a:txBody>
+                  <a:tcPr marL="68580" marR="68580" marT="0" marB="0">
+                    <a:lnL w="12700" cap="flat" cmpd="sng" algn="ctr">
+                      <a:solidFill>
+                        <a:srgbClr val="000000"/>
+                      </a:solidFill>
+                      <a:prstDash val="solid"/>
+                      <a:round/>
+                      <a:headEnd type="none" w="med" len="med"/>
+                      <a:tailEnd type="none" w="med" len="med"/>
+                    </a:lnL>
+                    <a:lnR w="12700" cap="flat" cmpd="sng" algn="ctr">
+                      <a:solidFill>
+                        <a:srgbClr val="000000"/>
+                      </a:solidFill>
+                      <a:prstDash val="solid"/>
+                      <a:round/>
+                      <a:headEnd type="none" w="med" len="med"/>
+                      <a:tailEnd type="none" w="med" len="med"/>
+                    </a:lnR>
+                    <a:lnT w="12700" cap="flat" cmpd="sng" algn="ctr">
+                      <a:solidFill>
+                        <a:srgbClr val="000000"/>
+                      </a:solidFill>
+                      <a:prstDash val="solid"/>
+                      <a:round/>
+                      <a:headEnd type="none" w="med" len="med"/>
+                      <a:tailEnd type="none" w="med" len="med"/>
+                    </a:lnT>
+                    <a:lnB w="12700" cap="flat" cmpd="sng" algn="ctr">
+                      <a:solidFill>
+                        <a:srgbClr val="000000"/>
+                      </a:solidFill>
+                      <a:prstDash val="solid"/>
+                      <a:round/>
+                      <a:headEnd type="none" w="med" len="med"/>
+                      <a:tailEnd type="none" w="med" len="med"/>
+                    </a:lnB>
+                    <a:solidFill>
+                      <a:schemeClr val="accent2"/>
+                    </a:solidFill>
+                  </a:tcPr>
+                </a:tc>
+                <a:extLst>
+                  <a:ext uri="{0D108BD9-81ED-4DB2-BD59-A6C34878D82A}">
+                    <a16:rowId xmlns:a16="http://schemas.microsoft.com/office/drawing/2014/main" val="312918275"/>
+                  </a:ext>
+                </a:extLst>
+              </a:tr>
+            </a:tbl>
+          </a:graphicData>
+        </a:graphic>
+      </p:graphicFrame>
+      <p:sp>
+        <p:nvSpPr>
+          <p:cNvPr id="5" name="TextBox 4">
+            <a:extLst>
+              <a:ext uri="{FF2B5EF4-FFF2-40B4-BE49-F238E27FC236}">
+                <a16:creationId xmlns:a16="http://schemas.microsoft.com/office/drawing/2014/main" id="{E846D214-5D8D-4D43-8700-1B42621019BE}"/>
+              </a:ext>
+            </a:extLst>
+          </p:cNvPr>
+          <p:cNvSpPr txBox="1"/>
+          <p:nvPr/>
+        </p:nvSpPr>
+        <p:spPr>
+          <a:xfrm>
+            <a:off x="6965577" y="2557564"/>
+            <a:ext cx="3187826" cy="369332"/>
+          </a:xfrm>
+          <a:prstGeom prst="rect">
+            <a:avLst/>
+          </a:prstGeom>
+          <a:noFill/>
+        </p:spPr>
+        <p:txBody>
+          <a:bodyPr wrap="square" rtlCol="0">
+            <a:spAutoFit/>
+          </a:bodyPr>
+          <a:lstStyle/>
+          <a:p>
+            <a:r>
+              <a:rPr lang="en-US" dirty="0"/>
+              <a:t>Arithmetic Expressions </a:t>
+            </a:r>
+            <a:r>
+              <a:rPr lang="en-US" dirty="0">
+                <a:sym typeface="Wingdings" pitchFamily="2" charset="2"/>
+              </a:rPr>
+              <a:t></a:t>
+            </a:r>
+            <a:endParaRPr lang="en-US" dirty="0"/>
+          </a:p>
+        </p:txBody>
+      </p:sp>
+      <p:sp>
+        <p:nvSpPr>
+          <p:cNvPr id="6" name="TextBox 5">
+            <a:extLst>
+              <a:ext uri="{FF2B5EF4-FFF2-40B4-BE49-F238E27FC236}">
+                <a16:creationId xmlns:a16="http://schemas.microsoft.com/office/drawing/2014/main" id="{39C0D120-F9D1-8A4B-8AC4-C2B23CE22B24}"/>
+              </a:ext>
+            </a:extLst>
+          </p:cNvPr>
+          <p:cNvSpPr txBox="1"/>
+          <p:nvPr/>
+        </p:nvSpPr>
+        <p:spPr>
+          <a:xfrm rot="5400000">
+            <a:off x="5339449" y="4038404"/>
+            <a:ext cx="2882924" cy="369332"/>
+          </a:xfrm>
+          <a:prstGeom prst="rect">
+            <a:avLst/>
+          </a:prstGeom>
+          <a:noFill/>
+        </p:spPr>
+        <p:txBody>
+          <a:bodyPr wrap="square" rtlCol="0">
+            <a:spAutoFit/>
+          </a:bodyPr>
+          <a:lstStyle/>
+          <a:p>
+            <a:r>
+              <a:rPr lang="en-US" dirty="0"/>
+              <a:t>Arithmetic Expressions </a:t>
+            </a:r>
+            <a:r>
+              <a:rPr lang="en-US" dirty="0">
+                <a:sym typeface="Wingdings" pitchFamily="2" charset="2"/>
+              </a:rPr>
+              <a:t></a:t>
+            </a:r>
             <a:endParaRPr lang="en-US" dirty="0"/>
           </a:p>
         </p:txBody>
@@ -8404,7 +13848,96 @@
     </p:spTree>
     <p:extLst>
       <p:ext uri="{BB962C8B-B14F-4D97-AF65-F5344CB8AC3E}">
-        <p14:creationId xmlns:p14="http://schemas.microsoft.com/office/powerpoint/2010/main" val="1186332892"/>
+        <p14:creationId xmlns:p14="http://schemas.microsoft.com/office/powerpoint/2010/main" val="2406523336"/>
+      </p:ext>
+    </p:extLst>
+  </p:cSld>
+  <p:clrMapOvr>
+    <a:masterClrMapping/>
+  </p:clrMapOvr>
+</p:sld>
+</file>
+
+<file path=ppt/slides/slide22.xml><?xml version="1.0" encoding="utf-8"?>
+<p:sld xmlns:a="http://schemas.openxmlformats.org/drawingml/2006/main" xmlns:r="http://schemas.openxmlformats.org/officeDocument/2006/relationships" xmlns:p="http://schemas.openxmlformats.org/presentationml/2006/main">
+  <p:cSld>
+    <p:spTree>
+      <p:nvGrpSpPr>
+        <p:cNvPr id="1" name=""/>
+        <p:cNvGrpSpPr/>
+        <p:nvPr/>
+      </p:nvGrpSpPr>
+      <p:grpSpPr>
+        <a:xfrm>
+          <a:off x="0" y="0"/>
+          <a:ext cx="0" cy="0"/>
+          <a:chOff x="0" y="0"/>
+          <a:chExt cx="0" cy="0"/>
+        </a:xfrm>
+      </p:grpSpPr>
+      <p:sp>
+        <p:nvSpPr>
+          <p:cNvPr id="2" name="Title 1">
+            <a:extLst>
+              <a:ext uri="{FF2B5EF4-FFF2-40B4-BE49-F238E27FC236}">
+                <a16:creationId xmlns:a16="http://schemas.microsoft.com/office/drawing/2014/main" id="{58029759-5008-FC4E-A127-57E0BAAC3932}"/>
+              </a:ext>
+            </a:extLst>
+          </p:cNvPr>
+          <p:cNvSpPr>
+            <a:spLocks noGrp="1"/>
+          </p:cNvSpPr>
+          <p:nvPr>
+            <p:ph type="title"/>
+          </p:nvPr>
+        </p:nvSpPr>
+        <p:spPr/>
+        <p:txBody>
+          <a:bodyPr/>
+          <a:lstStyle/>
+          <a:p>
+            <a:r>
+              <a:rPr lang="en-US" dirty="0"/>
+              <a:t>Benchmark</a:t>
+            </a:r>
+          </a:p>
+        </p:txBody>
+      </p:sp>
+      <p:graphicFrame>
+        <p:nvGraphicFramePr>
+          <p:cNvPr id="4" name="Content Placeholder 3">
+            <a:extLst>
+              <a:ext uri="{FF2B5EF4-FFF2-40B4-BE49-F238E27FC236}">
+                <a16:creationId xmlns:a16="http://schemas.microsoft.com/office/drawing/2014/main" id="{55233C06-E4AF-A04F-8E09-D52FB6D42CC8}"/>
+              </a:ext>
+            </a:extLst>
+          </p:cNvPr>
+          <p:cNvGraphicFramePr>
+            <a:graphicFrameLocks noGrp="1"/>
+          </p:cNvGraphicFramePr>
+          <p:nvPr>
+            <p:ph idx="1"/>
+            <p:extLst>
+              <p:ext uri="{D42A27DB-BD31-4B8C-83A1-F6EECF244321}">
+                <p14:modId xmlns:p14="http://schemas.microsoft.com/office/powerpoint/2010/main" val="4221183872"/>
+              </p:ext>
+            </p:extLst>
+          </p:nvPr>
+        </p:nvGraphicFramePr>
+        <p:xfrm>
+          <a:off x="677334" y="1270000"/>
+          <a:ext cx="8109878" cy="4901994"/>
+        </p:xfrm>
+        <a:graphic>
+          <a:graphicData uri="http://schemas.openxmlformats.org/drawingml/2006/chart">
+            <c:chart xmlns:c="http://schemas.openxmlformats.org/drawingml/2006/chart" xmlns:r="http://schemas.openxmlformats.org/officeDocument/2006/relationships" r:id="rId2"/>
+          </a:graphicData>
+        </a:graphic>
+      </p:graphicFrame>
+    </p:spTree>
+    <p:extLst>
+      <p:ext uri="{BB962C8B-B14F-4D97-AF65-F5344CB8AC3E}">
+        <p14:creationId xmlns:p14="http://schemas.microsoft.com/office/powerpoint/2010/main" val="119167982"/>
       </p:ext>
     </p:extLst>
   </p:cSld>
@@ -8507,7 +14040,7 @@
           <a:p>
             <a:r>
               <a:rPr lang="en-US" dirty="0"/>
-              <a:t>Each thread has a unique </a:t>
+              <a:t>Each thread has a thread id, and </a:t>
             </a:r>
             <a:r>
               <a:rPr lang="en-US" dirty="0" err="1"/>
@@ -9984,7 +15517,70 @@
                         </a:spcAft>
                       </a:pPr>
                       <a:r>
-                        <a:rPr lang="en-US" sz="1200">
+                        <a:rPr lang="en-US" sz="1200" dirty="0">
+                          <a:effectLst/>
+                          <a:latin typeface="Calibri" panose="020F0502020204030204" pitchFamily="34" charset="0"/>
+                          <a:ea typeface="SimSun" panose="02010600030101010101" pitchFamily="2" charset="-122"/>
+                          <a:cs typeface="Times New Roman" panose="02020603050405020304" pitchFamily="18" charset="0"/>
+                        </a:rPr>
+                        <a:t> </a:t>
+                      </a:r>
+                    </a:p>
+                  </a:txBody>
+                  <a:tcPr marL="68580" marR="68580" marT="0" marB="0">
+                    <a:lnL w="12700" cap="flat" cmpd="sng" algn="ctr">
+                      <a:solidFill>
+                        <a:srgbClr val="000000"/>
+                      </a:solidFill>
+                      <a:prstDash val="solid"/>
+                      <a:round/>
+                      <a:headEnd type="none" w="med" len="med"/>
+                      <a:tailEnd type="none" w="med" len="med"/>
+                    </a:lnL>
+                    <a:lnR w="12700" cap="flat" cmpd="sng" algn="ctr">
+                      <a:solidFill>
+                        <a:srgbClr val="000000"/>
+                      </a:solidFill>
+                      <a:prstDash val="solid"/>
+                      <a:round/>
+                      <a:headEnd type="none" w="med" len="med"/>
+                      <a:tailEnd type="none" w="med" len="med"/>
+                    </a:lnR>
+                    <a:lnT w="12700" cap="flat" cmpd="sng" algn="ctr">
+                      <a:solidFill>
+                        <a:srgbClr val="000000"/>
+                      </a:solidFill>
+                      <a:prstDash val="solid"/>
+                      <a:round/>
+                      <a:headEnd type="none" w="med" len="med"/>
+                      <a:tailEnd type="none" w="med" len="med"/>
+                    </a:lnT>
+                    <a:lnB w="12700" cap="flat" cmpd="sng" algn="ctr">
+                      <a:solidFill>
+                        <a:srgbClr val="000000"/>
+                      </a:solidFill>
+                      <a:prstDash val="solid"/>
+                      <a:round/>
+                      <a:headEnd type="none" w="med" len="med"/>
+                      <a:tailEnd type="none" w="med" len="med"/>
+                    </a:lnB>
+                  </a:tcPr>
+                </a:tc>
+                <a:tc>
+                  <a:txBody>
+                    <a:bodyPr/>
+                    <a:lstStyle/>
+                    <a:p>
+                      <a:pPr marL="0" marR="0" algn="l">
+                        <a:spcBef>
+                          <a:spcPts val="0"/>
+                        </a:spcBef>
+                        <a:spcAft>
+                          <a:spcPts val="0"/>
+                        </a:spcAft>
+                      </a:pPr>
+                      <a:r>
+                        <a:rPr lang="en-US" sz="1200" dirty="0">
                           <a:effectLst/>
                           <a:latin typeface="Calibri" panose="020F0502020204030204" pitchFamily="34" charset="0"/>
                           <a:ea typeface="SimSun" panose="02010600030101010101" pitchFamily="2" charset="-122"/>
@@ -10124,75 +15720,6 @@
                         </a:rPr>
                         <a:t> </a:t>
                       </a:r>
-                      <a:endParaRPr lang="en-US" sz="1200" dirty="0">
-                        <a:effectLst/>
-                        <a:latin typeface="Calibri" panose="020F0502020204030204" pitchFamily="34" charset="0"/>
-                        <a:ea typeface="SimSun" panose="02010600030101010101" pitchFamily="2" charset="-122"/>
-                        <a:cs typeface="Times New Roman" panose="02020603050405020304" pitchFamily="18" charset="0"/>
-                      </a:endParaRPr>
-                    </a:p>
-                  </a:txBody>
-                  <a:tcPr marL="68580" marR="68580" marT="0" marB="0">
-                    <a:lnL w="12700" cap="flat" cmpd="sng" algn="ctr">
-                      <a:solidFill>
-                        <a:srgbClr val="000000"/>
-                      </a:solidFill>
-                      <a:prstDash val="solid"/>
-                      <a:round/>
-                      <a:headEnd type="none" w="med" len="med"/>
-                      <a:tailEnd type="none" w="med" len="med"/>
-                    </a:lnL>
-                    <a:lnR w="12700" cap="flat" cmpd="sng" algn="ctr">
-                      <a:solidFill>
-                        <a:srgbClr val="000000"/>
-                      </a:solidFill>
-                      <a:prstDash val="solid"/>
-                      <a:round/>
-                      <a:headEnd type="none" w="med" len="med"/>
-                      <a:tailEnd type="none" w="med" len="med"/>
-                    </a:lnR>
-                    <a:lnT w="12700" cap="flat" cmpd="sng" algn="ctr">
-                      <a:solidFill>
-                        <a:srgbClr val="000000"/>
-                      </a:solidFill>
-                      <a:prstDash val="solid"/>
-                      <a:round/>
-                      <a:headEnd type="none" w="med" len="med"/>
-                      <a:tailEnd type="none" w="med" len="med"/>
-                    </a:lnT>
-                    <a:lnB w="12700" cap="flat" cmpd="sng" algn="ctr">
-                      <a:solidFill>
-                        <a:srgbClr val="000000"/>
-                      </a:solidFill>
-                      <a:prstDash val="solid"/>
-                      <a:round/>
-                      <a:headEnd type="none" w="med" len="med"/>
-                      <a:tailEnd type="none" w="med" len="med"/>
-                    </a:lnB>
-                  </a:tcPr>
-                </a:tc>
-                <a:tc>
-                  <a:txBody>
-                    <a:bodyPr/>
-                    <a:lstStyle/>
-                    <a:p>
-                      <a:pPr marL="0" marR="0" algn="l">
-                        <a:spcBef>
-                          <a:spcPts val="0"/>
-                        </a:spcBef>
-                        <a:spcAft>
-                          <a:spcPts val="0"/>
-                        </a:spcAft>
-                      </a:pPr>
-                      <a:r>
-                        <a:rPr lang="en-US" sz="1200">
-                          <a:effectLst/>
-                          <a:latin typeface="Calibri" panose="020F0502020204030204" pitchFamily="34" charset="0"/>
-                          <a:ea typeface="SimSun" panose="02010600030101010101" pitchFamily="2" charset="-122"/>
-                          <a:cs typeface="Times New Roman" panose="02020603050405020304" pitchFamily="18" charset="0"/>
-                        </a:rPr>
-                        <a:t> </a:t>
-                      </a:r>
                     </a:p>
                   </a:txBody>
                   <a:tcPr marL="68580" marR="68580" marT="0" marB="0">
@@ -10568,6 +16095,69 @@
                       </a:pPr>
                       <a:r>
                         <a:rPr lang="en-US" sz="1200">
+                          <a:effectLst/>
+                          <a:latin typeface="Calibri" panose="020F0502020204030204" pitchFamily="34" charset="0"/>
+                          <a:ea typeface="SimSun" panose="02010600030101010101" pitchFamily="2" charset="-122"/>
+                          <a:cs typeface="Times New Roman" panose="02020603050405020304" pitchFamily="18" charset="0"/>
+                        </a:rPr>
+                        <a:t> </a:t>
+                      </a:r>
+                    </a:p>
+                  </a:txBody>
+                  <a:tcPr marL="68580" marR="68580" marT="0" marB="0">
+                    <a:lnL w="12700" cap="flat" cmpd="sng" algn="ctr">
+                      <a:solidFill>
+                        <a:srgbClr val="000000"/>
+                      </a:solidFill>
+                      <a:prstDash val="solid"/>
+                      <a:round/>
+                      <a:headEnd type="none" w="med" len="med"/>
+                      <a:tailEnd type="none" w="med" len="med"/>
+                    </a:lnL>
+                    <a:lnR w="12700" cap="flat" cmpd="sng" algn="ctr">
+                      <a:solidFill>
+                        <a:srgbClr val="000000"/>
+                      </a:solidFill>
+                      <a:prstDash val="solid"/>
+                      <a:round/>
+                      <a:headEnd type="none" w="med" len="med"/>
+                      <a:tailEnd type="none" w="med" len="med"/>
+                    </a:lnR>
+                    <a:lnT w="12700" cap="flat" cmpd="sng" algn="ctr">
+                      <a:solidFill>
+                        <a:srgbClr val="000000"/>
+                      </a:solidFill>
+                      <a:prstDash val="solid"/>
+                      <a:round/>
+                      <a:headEnd type="none" w="med" len="med"/>
+                      <a:tailEnd type="none" w="med" len="med"/>
+                    </a:lnT>
+                    <a:lnB w="12700" cap="flat" cmpd="sng" algn="ctr">
+                      <a:solidFill>
+                        <a:srgbClr val="000000"/>
+                      </a:solidFill>
+                      <a:prstDash val="solid"/>
+                      <a:round/>
+                      <a:headEnd type="none" w="med" len="med"/>
+                      <a:tailEnd type="none" w="med" len="med"/>
+                    </a:lnB>
+                  </a:tcPr>
+                </a:tc>
+                <a:tc>
+                  <a:txBody>
+                    <a:bodyPr/>
+                    <a:lstStyle/>
+                    <a:p>
+                      <a:pPr marL="0" marR="0" algn="l">
+                        <a:spcBef>
+                          <a:spcPts val="0"/>
+                        </a:spcBef>
+                        <a:spcAft>
+                          <a:spcPts val="0"/>
+                        </a:spcAft>
+                      </a:pPr>
+                      <a:r>
+                        <a:rPr lang="en-US" sz="1200" dirty="0">
                           <a:effectLst/>
                           <a:latin typeface="Calibri" panose="020F0502020204030204" pitchFamily="34" charset="0"/>
                           <a:ea typeface="SimSun" panose="02010600030101010101" pitchFamily="2" charset="-122"/>
@@ -10839,75 +16429,6 @@
                         </a:rPr>
                         <a:t> </a:t>
                       </a:r>
-                      <a:endParaRPr lang="en-US" sz="1200" dirty="0">
-                        <a:effectLst/>
-                        <a:latin typeface="Calibri" panose="020F0502020204030204" pitchFamily="34" charset="0"/>
-                        <a:ea typeface="SimSun" panose="02010600030101010101" pitchFamily="2" charset="-122"/>
-                        <a:cs typeface="Times New Roman" panose="02020603050405020304" pitchFamily="18" charset="0"/>
-                      </a:endParaRPr>
-                    </a:p>
-                  </a:txBody>
-                  <a:tcPr marL="68580" marR="68580" marT="0" marB="0">
-                    <a:lnL w="12700" cap="flat" cmpd="sng" algn="ctr">
-                      <a:solidFill>
-                        <a:srgbClr val="000000"/>
-                      </a:solidFill>
-                      <a:prstDash val="solid"/>
-                      <a:round/>
-                      <a:headEnd type="none" w="med" len="med"/>
-                      <a:tailEnd type="none" w="med" len="med"/>
-                    </a:lnL>
-                    <a:lnR w="12700" cap="flat" cmpd="sng" algn="ctr">
-                      <a:solidFill>
-                        <a:srgbClr val="000000"/>
-                      </a:solidFill>
-                      <a:prstDash val="solid"/>
-                      <a:round/>
-                      <a:headEnd type="none" w="med" len="med"/>
-                      <a:tailEnd type="none" w="med" len="med"/>
-                    </a:lnR>
-                    <a:lnT w="12700" cap="flat" cmpd="sng" algn="ctr">
-                      <a:solidFill>
-                        <a:srgbClr val="000000"/>
-                      </a:solidFill>
-                      <a:prstDash val="solid"/>
-                      <a:round/>
-                      <a:headEnd type="none" w="med" len="med"/>
-                      <a:tailEnd type="none" w="med" len="med"/>
-                    </a:lnT>
-                    <a:lnB w="12700" cap="flat" cmpd="sng" algn="ctr">
-                      <a:solidFill>
-                        <a:srgbClr val="000000"/>
-                      </a:solidFill>
-                      <a:prstDash val="solid"/>
-                      <a:round/>
-                      <a:headEnd type="none" w="med" len="med"/>
-                      <a:tailEnd type="none" w="med" len="med"/>
-                    </a:lnB>
-                  </a:tcPr>
-                </a:tc>
-                <a:tc>
-                  <a:txBody>
-                    <a:bodyPr/>
-                    <a:lstStyle/>
-                    <a:p>
-                      <a:pPr marL="0" marR="0" algn="l">
-                        <a:spcBef>
-                          <a:spcPts val="0"/>
-                        </a:spcBef>
-                        <a:spcAft>
-                          <a:spcPts val="0"/>
-                        </a:spcAft>
-                      </a:pPr>
-                      <a:r>
-                        <a:rPr lang="en-US" sz="1200">
-                          <a:effectLst/>
-                          <a:latin typeface="Calibri" panose="020F0502020204030204" pitchFamily="34" charset="0"/>
-                          <a:ea typeface="SimSun" panose="02010600030101010101" pitchFamily="2" charset="-122"/>
-                          <a:cs typeface="Times New Roman" panose="02020603050405020304" pitchFamily="18" charset="0"/>
-                        </a:rPr>
-                        <a:t> </a:t>
-                      </a:r>
                     </a:p>
                   </a:txBody>
                   <a:tcPr marL="68580" marR="68580" marT="0" marB="0">
@@ -11916,7 +17437,7 @@
                         </a:spcAft>
                       </a:pPr>
                       <a:r>
-                        <a:rPr lang="en-US" sz="1200">
+                        <a:rPr lang="en-US" sz="1200" dirty="0">
                           <a:effectLst/>
                           <a:latin typeface="Calibri" panose="020F0502020204030204" pitchFamily="34" charset="0"/>
                           <a:ea typeface="SimSun" panose="02010600030101010101" pitchFamily="2" charset="-122"/>
@@ -11979,7 +17500,7 @@
                         </a:spcAft>
                       </a:pPr>
                       <a:r>
-                        <a:rPr lang="en-US" sz="1200">
+                        <a:rPr lang="en-US" sz="1200" dirty="0">
                           <a:effectLst/>
                           <a:latin typeface="Calibri" panose="020F0502020204030204" pitchFamily="34" charset="0"/>
                           <a:ea typeface="SimSun" panose="02010600030101010101" pitchFamily="2" charset="-122"/>
@@ -12625,7 +18146,7 @@
                         </a:spcAft>
                       </a:pPr>
                       <a:r>
-                        <a:rPr lang="en-US" sz="1200">
+                        <a:rPr lang="en-US" sz="1200" dirty="0">
                           <a:effectLst/>
                           <a:latin typeface="Calibri" panose="020F0502020204030204" pitchFamily="34" charset="0"/>
                           <a:ea typeface="SimSun" panose="02010600030101010101" pitchFamily="2" charset="-122"/>
@@ -13202,7 +18723,7 @@
                         </a:spcAft>
                       </a:pPr>
                       <a:r>
-                        <a:rPr lang="en-US" sz="1200">
+                        <a:rPr lang="en-US" sz="1200" dirty="0">
                           <a:effectLst/>
                           <a:latin typeface="Calibri" panose="020F0502020204030204" pitchFamily="34" charset="0"/>
                           <a:ea typeface="SimSun" panose="02010600030101010101" pitchFamily="2" charset="-122"/>
@@ -13265,7 +18786,7 @@
                         </a:spcAft>
                       </a:pPr>
                       <a:r>
-                        <a:rPr lang="en-US" sz="1200">
+                        <a:rPr lang="en-US" sz="1200" dirty="0">
                           <a:effectLst/>
                           <a:latin typeface="Calibri" panose="020F0502020204030204" pitchFamily="34" charset="0"/>
                           <a:ea typeface="SimSun" panose="02010600030101010101" pitchFamily="2" charset="-122"/>
@@ -13842,7 +19363,7 @@
                         </a:spcAft>
                       </a:pPr>
                       <a:r>
-                        <a:rPr lang="en-US" sz="1200">
+                        <a:rPr lang="en-US" sz="1200" dirty="0">
                           <a:effectLst/>
                           <a:latin typeface="Calibri" panose="020F0502020204030204" pitchFamily="34" charset="0"/>
                           <a:ea typeface="SimSun" panose="02010600030101010101" pitchFamily="2" charset="-122"/>
@@ -14768,19 +20289,6 @@
           <a:p>
             <a:r>
               <a:rPr lang="en-US" dirty="0"/>
-              <a:t>Each block copies an 8x8 array in global memory to shared memory.  </a:t>
-            </a:r>
-          </a:p>
-          <a:p>
-            <a:pPr lvl="1"/>
-            <a:r>
-              <a:rPr lang="en-US" dirty="0"/>
-              <a:t>shared[…] = global[…]</a:t>
-            </a:r>
-          </a:p>
-          <a:p>
-            <a:r>
-              <a:rPr lang="en-US" dirty="0"/>
               <a:t>Each thread accesses global[thread id]</a:t>
             </a:r>
           </a:p>
@@ -14837,6 +20345,19 @@
             <a:r>
               <a:rPr lang="en-US" dirty="0"/>
               <a:t> ]</a:t>
+            </a:r>
+          </a:p>
+          <a:p>
+            <a:r>
+              <a:rPr lang="en-US" dirty="0"/>
+              <a:t>Each block copies an 8x8 array in global memory to shared memory.  </a:t>
+            </a:r>
+          </a:p>
+          <a:p>
+            <a:pPr lvl="1"/>
+            <a:r>
+              <a:rPr lang="en-US" dirty="0"/>
+              <a:t>shared[…] = global[…] </a:t>
             </a:r>
           </a:p>
           <a:p>
